--- a/Lectures/Lecture 9.pptx
+++ b/Lectures/Lecture 9.pptx
@@ -42,19 +42,19 @@
     <p:sldId id="338" r:id="rId33"/>
     <p:sldId id="340" r:id="rId34"/>
     <p:sldId id="339" r:id="rId35"/>
-    <p:sldId id="341" r:id="rId36"/>
-    <p:sldId id="342" r:id="rId37"/>
-    <p:sldId id="343" r:id="rId38"/>
-    <p:sldId id="344" r:id="rId39"/>
-    <p:sldId id="345" r:id="rId40"/>
-    <p:sldId id="346" r:id="rId41"/>
-    <p:sldId id="347" r:id="rId42"/>
-    <p:sldId id="348" r:id="rId43"/>
-    <p:sldId id="349" r:id="rId44"/>
-    <p:sldId id="350" r:id="rId45"/>
-    <p:sldId id="351" r:id="rId46"/>
-    <p:sldId id="352" r:id="rId47"/>
-    <p:sldId id="353" r:id="rId48"/>
+    <p:sldId id="342" r:id="rId36"/>
+    <p:sldId id="343" r:id="rId37"/>
+    <p:sldId id="344" r:id="rId38"/>
+    <p:sldId id="345" r:id="rId39"/>
+    <p:sldId id="346" r:id="rId40"/>
+    <p:sldId id="347" r:id="rId41"/>
+    <p:sldId id="348" r:id="rId42"/>
+    <p:sldId id="349" r:id="rId43"/>
+    <p:sldId id="350" r:id="rId44"/>
+    <p:sldId id="351" r:id="rId45"/>
+    <p:sldId id="352" r:id="rId46"/>
+    <p:sldId id="353" r:id="rId47"/>
+    <p:sldId id="354" r:id="rId48"/>
   </p:sldIdLst>
   <p:sldSz cx="12192000" cy="6858000"/>
   <p:notesSz cx="6858000" cy="9144000"/>
@@ -154,6 +154,61 @@
     </a:lvl9pPr>
   </p:defaultTextStyle>
   <p:extLst>
+    <p:ext uri="{521415D9-36F7-43E2-AB2F-B90AF26B5E84}">
+      <p14:sectionLst xmlns:p14="http://schemas.microsoft.com/office/powerpoint/2010/main">
+        <p14:section name="Default Section" id="{407C4C99-F27D-4270-B70C-CF00B5C64585}">
+          <p14:sldIdLst>
+            <p14:sldId id="256"/>
+            <p14:sldId id="305"/>
+            <p14:sldId id="306"/>
+            <p14:sldId id="310"/>
+            <p14:sldId id="311"/>
+            <p14:sldId id="312"/>
+            <p14:sldId id="313"/>
+            <p14:sldId id="315"/>
+            <p14:sldId id="316"/>
+            <p14:sldId id="314"/>
+            <p14:sldId id="317"/>
+            <p14:sldId id="318"/>
+            <p14:sldId id="319"/>
+            <p14:sldId id="320"/>
+            <p14:sldId id="321"/>
+            <p14:sldId id="322"/>
+            <p14:sldId id="323"/>
+            <p14:sldId id="326"/>
+            <p14:sldId id="324"/>
+            <p14:sldId id="325"/>
+            <p14:sldId id="327"/>
+            <p14:sldId id="328"/>
+            <p14:sldId id="329"/>
+            <p14:sldId id="330"/>
+            <p14:sldId id="331"/>
+            <p14:sldId id="332"/>
+            <p14:sldId id="333"/>
+            <p14:sldId id="334"/>
+            <p14:sldId id="335"/>
+            <p14:sldId id="336"/>
+            <p14:sldId id="337"/>
+            <p14:sldId id="338"/>
+            <p14:sldId id="340"/>
+            <p14:sldId id="339"/>
+            <p14:sldId id="342"/>
+            <p14:sldId id="343"/>
+            <p14:sldId id="344"/>
+            <p14:sldId id="345"/>
+            <p14:sldId id="346"/>
+            <p14:sldId id="347"/>
+            <p14:sldId id="348"/>
+            <p14:sldId id="349"/>
+            <p14:sldId id="350"/>
+            <p14:sldId id="351"/>
+            <p14:sldId id="352"/>
+            <p14:sldId id="353"/>
+            <p14:sldId id="354"/>
+          </p14:sldIdLst>
+        </p14:section>
+      </p14:sectionLst>
+    </p:ext>
     <p:ext uri="{EFAFB233-063F-42B5-8137-9DF3F51BA10A}">
       <p15:sldGuideLst xmlns:p15="http://schemas.microsoft.com/office/powerpoint/2012/main"/>
     </p:ext>
@@ -255,7 +310,7 @@
           <a:p>
             <a:fld id="{1CB48AD5-CDAE-4B7B-B49D-6DB81FF5A179}" type="datetimeFigureOut">
               <a:rPr lang="en-US" smtClean="0"/>
-              <a:t>10/1/2020</a:t>
+              <a:t>10/18/2020</a:t>
             </a:fld>
             <a:endParaRPr lang="en-US"/>
           </a:p>
@@ -669,7 +724,7 @@
           <a:p>
             <a:fld id="{C4959B56-7D6D-462F-B061-93C9E323EE8A}" type="datetimeFigureOut">
               <a:rPr lang="en-US" smtClean="0"/>
-              <a:t>10/1/2020</a:t>
+              <a:t>10/18/2020</a:t>
             </a:fld>
             <a:endParaRPr lang="en-US"/>
           </a:p>
@@ -867,7 +922,7 @@
           <a:p>
             <a:fld id="{C4959B56-7D6D-462F-B061-93C9E323EE8A}" type="datetimeFigureOut">
               <a:rPr lang="en-US" smtClean="0"/>
-              <a:t>10/1/2020</a:t>
+              <a:t>10/18/2020</a:t>
             </a:fld>
             <a:endParaRPr lang="en-US"/>
           </a:p>
@@ -1075,7 +1130,7 @@
           <a:p>
             <a:fld id="{C4959B56-7D6D-462F-B061-93C9E323EE8A}" type="datetimeFigureOut">
               <a:rPr lang="en-US" smtClean="0"/>
-              <a:t>10/1/2020</a:t>
+              <a:t>10/18/2020</a:t>
             </a:fld>
             <a:endParaRPr lang="en-US"/>
           </a:p>
@@ -1273,7 +1328,7 @@
           <a:p>
             <a:fld id="{C4959B56-7D6D-462F-B061-93C9E323EE8A}" type="datetimeFigureOut">
               <a:rPr lang="en-US" smtClean="0"/>
-              <a:t>10/1/2020</a:t>
+              <a:t>10/18/2020</a:t>
             </a:fld>
             <a:endParaRPr lang="en-US"/>
           </a:p>
@@ -1548,7 +1603,7 @@
           <a:p>
             <a:fld id="{C4959B56-7D6D-462F-B061-93C9E323EE8A}" type="datetimeFigureOut">
               <a:rPr lang="en-US" smtClean="0"/>
-              <a:t>10/1/2020</a:t>
+              <a:t>10/18/2020</a:t>
             </a:fld>
             <a:endParaRPr lang="en-US"/>
           </a:p>
@@ -1813,7 +1868,7 @@
           <a:p>
             <a:fld id="{C4959B56-7D6D-462F-B061-93C9E323EE8A}" type="datetimeFigureOut">
               <a:rPr lang="en-US" smtClean="0"/>
-              <a:t>10/1/2020</a:t>
+              <a:t>10/18/2020</a:t>
             </a:fld>
             <a:endParaRPr lang="en-US"/>
           </a:p>
@@ -2225,7 +2280,7 @@
           <a:p>
             <a:fld id="{C4959B56-7D6D-462F-B061-93C9E323EE8A}" type="datetimeFigureOut">
               <a:rPr lang="en-US" smtClean="0"/>
-              <a:t>10/1/2020</a:t>
+              <a:t>10/18/2020</a:t>
             </a:fld>
             <a:endParaRPr lang="en-US"/>
           </a:p>
@@ -2366,7 +2421,7 @@
           <a:p>
             <a:fld id="{C4959B56-7D6D-462F-B061-93C9E323EE8A}" type="datetimeFigureOut">
               <a:rPr lang="en-US" smtClean="0"/>
-              <a:t>10/1/2020</a:t>
+              <a:t>10/18/2020</a:t>
             </a:fld>
             <a:endParaRPr lang="en-US"/>
           </a:p>
@@ -2479,7 +2534,7 @@
           <a:p>
             <a:fld id="{C4959B56-7D6D-462F-B061-93C9E323EE8A}" type="datetimeFigureOut">
               <a:rPr lang="en-US" smtClean="0"/>
-              <a:t>10/1/2020</a:t>
+              <a:t>10/18/2020</a:t>
             </a:fld>
             <a:endParaRPr lang="en-US"/>
           </a:p>
@@ -2790,7 +2845,7 @@
           <a:p>
             <a:fld id="{C4959B56-7D6D-462F-B061-93C9E323EE8A}" type="datetimeFigureOut">
               <a:rPr lang="en-US" smtClean="0"/>
-              <a:t>10/1/2020</a:t>
+              <a:t>10/18/2020</a:t>
             </a:fld>
             <a:endParaRPr lang="en-US"/>
           </a:p>
@@ -3078,7 +3133,7 @@
           <a:p>
             <a:fld id="{C4959B56-7D6D-462F-B061-93C9E323EE8A}" type="datetimeFigureOut">
               <a:rPr lang="en-US" smtClean="0"/>
-              <a:t>10/1/2020</a:t>
+              <a:t>10/18/2020</a:t>
             </a:fld>
             <a:endParaRPr lang="en-US"/>
           </a:p>
@@ -3319,7 +3374,7 @@
           <a:p>
             <a:fld id="{C4959B56-7D6D-462F-B061-93C9E323EE8A}" type="datetimeFigureOut">
               <a:rPr lang="en-US" smtClean="0"/>
-              <a:t>10/1/2020</a:t>
+              <a:t>10/18/2020</a:t>
             </a:fld>
             <a:endParaRPr lang="en-US"/>
           </a:p>
@@ -20583,8 +20638,8 @@
           </a:p>
         </p:txBody>
       </p:sp>
-      <mc:AlternateContent xmlns:mc="http://schemas.openxmlformats.org/markup-compatibility/2006">
-        <mc:Choice xmlns:a14="http://schemas.microsoft.com/office/drawing/2010/main" Requires="a14">
+      <mc:AlternateContent xmlns:mc="http://schemas.openxmlformats.org/markup-compatibility/2006" xmlns:a14="http://schemas.microsoft.com/office/drawing/2010/main">
+        <mc:Choice Requires="a14">
           <p:sp>
             <p:nvSpPr>
               <p:cNvPr id="3" name="Content Placeholder 2">
@@ -20941,7 +20996,7 @@
             </p:txBody>
           </p:sp>
         </mc:Choice>
-        <mc:Fallback>
+        <mc:Fallback xmlns="">
           <p:sp>
             <p:nvSpPr>
               <p:cNvPr id="3" name="Content Placeholder 2">
@@ -21044,8 +21099,8 @@
           </a:p>
         </p:txBody>
       </p:sp>
-      <mc:AlternateContent xmlns:mc="http://schemas.openxmlformats.org/markup-compatibility/2006">
-        <mc:Choice xmlns:a14="http://schemas.microsoft.com/office/drawing/2010/main" Requires="a14">
+      <mc:AlternateContent xmlns:mc="http://schemas.openxmlformats.org/markup-compatibility/2006" xmlns:a14="http://schemas.microsoft.com/office/drawing/2010/main">
+        <mc:Choice Requires="a14">
           <p:sp>
             <p:nvSpPr>
               <p:cNvPr id="3" name="Content Placeholder 2">
@@ -21430,7 +21485,7 @@
                       <m:d>
                         <m:dPr>
                           <m:ctrlPr>
-                            <a:rPr lang="en-US" sz="2400" b="0" i="0" smtClean="0">
+                            <a:rPr lang="en-US" sz="2400" b="0" i="1" smtClean="0">
                               <a:latin typeface="Cambria Math" panose="02040503050406030204" pitchFamily="18" charset="0"/>
                               <a:ea typeface="Cambria Math" panose="02040503050406030204" pitchFamily="18" charset="0"/>
                             </a:rPr>
@@ -21719,7 +21774,7 @@
             </p:txBody>
           </p:sp>
         </mc:Choice>
-        <mc:Fallback>
+        <mc:Fallback xmlns="">
           <p:sp>
             <p:nvSpPr>
               <p:cNvPr id="3" name="Content Placeholder 2">
@@ -22065,8 +22120,8 @@
           </a:p>
         </p:txBody>
       </p:sp>
-      <mc:AlternateContent xmlns:mc="http://schemas.openxmlformats.org/markup-compatibility/2006">
-        <mc:Choice xmlns:a14="http://schemas.microsoft.com/office/drawing/2010/main" Requires="a14">
+      <mc:AlternateContent xmlns:mc="http://schemas.openxmlformats.org/markup-compatibility/2006" xmlns:a14="http://schemas.microsoft.com/office/drawing/2010/main">
+        <mc:Choice Requires="a14">
           <p:sp>
             <p:nvSpPr>
               <p:cNvPr id="3" name="Content Placeholder 2">
@@ -22558,7 +22613,7 @@
             </p:txBody>
           </p:sp>
         </mc:Choice>
-        <mc:Fallback>
+        <mc:Fallback xmlns="">
           <p:sp>
             <p:nvSpPr>
               <p:cNvPr id="3" name="Content Placeholder 2">
@@ -22661,8 +22716,8 @@
           </a:p>
         </p:txBody>
       </p:sp>
-      <mc:AlternateContent xmlns:mc="http://schemas.openxmlformats.org/markup-compatibility/2006">
-        <mc:Choice xmlns:a14="http://schemas.microsoft.com/office/drawing/2010/main" Requires="a14">
+      <mc:AlternateContent xmlns:mc="http://schemas.openxmlformats.org/markup-compatibility/2006" xmlns:a14="http://schemas.microsoft.com/office/drawing/2010/main">
+        <mc:Choice Requires="a14">
           <p:sp>
             <p:nvSpPr>
               <p:cNvPr id="3" name="Content Placeholder 2">
@@ -23099,7 +23154,7 @@
             </p:txBody>
           </p:sp>
         </mc:Choice>
-        <mc:Fallback>
+        <mc:Fallback xmlns="">
           <p:sp>
             <p:nvSpPr>
               <p:cNvPr id="3" name="Content Placeholder 2">
@@ -23204,8 +23259,8 @@
           </a:p>
         </p:txBody>
       </p:sp>
-      <mc:AlternateContent xmlns:mc="http://schemas.openxmlformats.org/markup-compatibility/2006">
-        <mc:Choice xmlns:a14="http://schemas.microsoft.com/office/drawing/2010/main" Requires="a14">
+      <mc:AlternateContent xmlns:mc="http://schemas.openxmlformats.org/markup-compatibility/2006" xmlns:a14="http://schemas.microsoft.com/office/drawing/2010/main">
+        <mc:Choice Requires="a14">
           <p:sp>
             <p:nvSpPr>
               <p:cNvPr id="6" name="Content Placeholder 5">
@@ -23680,7 +23735,7 @@
             </p:txBody>
           </p:sp>
         </mc:Choice>
-        <mc:Fallback>
+        <mc:Fallback xmlns="">
           <p:sp>
             <p:nvSpPr>
               <p:cNvPr id="6" name="Content Placeholder 5">
@@ -23947,8 +24002,8 @@
           </a:p>
         </p:txBody>
       </p:sp>
-      <mc:AlternateContent xmlns:mc="http://schemas.openxmlformats.org/markup-compatibility/2006">
-        <mc:Choice xmlns:a14="http://schemas.microsoft.com/office/drawing/2010/main" Requires="a14">
+      <mc:AlternateContent xmlns:mc="http://schemas.openxmlformats.org/markup-compatibility/2006" xmlns:a14="http://schemas.microsoft.com/office/drawing/2010/main">
+        <mc:Choice Requires="a14">
           <p:sp>
             <p:nvSpPr>
               <p:cNvPr id="6" name="Content Placeholder 5">
@@ -24851,7 +24906,7 @@
             </p:txBody>
           </p:sp>
         </mc:Choice>
-        <mc:Fallback>
+        <mc:Fallback xmlns="">
           <p:sp>
             <p:nvSpPr>
               <p:cNvPr id="6" name="Content Placeholder 5">
@@ -25021,122 +25076,6 @@
           <p:cNvPr id="2" name="Title 1">
             <a:extLst>
               <a:ext uri="{FF2B5EF4-FFF2-40B4-BE49-F238E27FC236}">
-                <a16:creationId xmlns:a16="http://schemas.microsoft.com/office/drawing/2014/main" id="{B0F69290-62B5-4604-AFE2-40A65329E8D1}"/>
-              </a:ext>
-            </a:extLst>
-          </p:cNvPr>
-          <p:cNvSpPr>
-            <a:spLocks noGrp="1"/>
-          </p:cNvSpPr>
-          <p:nvPr>
-            <p:ph type="title"/>
-          </p:nvPr>
-        </p:nvSpPr>
-        <p:spPr/>
-        <p:txBody>
-          <a:bodyPr/>
-          <a:lstStyle/>
-          <a:p>
-            <a:r>
-              <a:rPr lang="en-US" dirty="0">
-                <a:solidFill>
-                  <a:schemeClr val="accent1"/>
-                </a:solidFill>
-              </a:rPr>
-              <a:t>Depth-First Search (DFS) : Analysis</a:t>
-            </a:r>
-            <a:endParaRPr lang="en-US" dirty="0"/>
-          </a:p>
-        </p:txBody>
-      </p:sp>
-      <p:sp>
-        <p:nvSpPr>
-          <p:cNvPr id="3" name="Content Placeholder 2">
-            <a:extLst>
-              <a:ext uri="{FF2B5EF4-FFF2-40B4-BE49-F238E27FC236}">
-                <a16:creationId xmlns:a16="http://schemas.microsoft.com/office/drawing/2014/main" id="{D16183C6-A619-4A74-A67E-FF354A820689}"/>
-              </a:ext>
-            </a:extLst>
-          </p:cNvPr>
-          <p:cNvSpPr>
-            <a:spLocks noGrp="1"/>
-          </p:cNvSpPr>
-          <p:nvPr>
-            <p:ph idx="1"/>
-          </p:nvPr>
-        </p:nvSpPr>
-        <p:spPr/>
-        <p:txBody>
-          <a:bodyPr>
-            <a:normAutofit/>
-          </a:bodyPr>
-          <a:lstStyle/>
-          <a:p>
-            <a:pPr marL="0" indent="0">
-              <a:buNone/>
-            </a:pPr>
-            <a:r>
-              <a:rPr lang="en-US" sz="2000" dirty="0">
-                <a:solidFill>
-                  <a:schemeClr val="accent1"/>
-                </a:solidFill>
-              </a:rPr>
-              <a:t>We use </a:t>
-            </a:r>
-            <a:r>
-              <a:rPr lang="en-US" sz="2000" b="1" i="1" dirty="0">
-                <a:solidFill>
-                  <a:srgbClr val="FF0000"/>
-                </a:solidFill>
-              </a:rPr>
-              <a:t>aggregate analysis</a:t>
-            </a:r>
-            <a:r>
-              <a:rPr lang="en-US" sz="2000" dirty="0">
-                <a:solidFill>
-                  <a:schemeClr val="accent1"/>
-                </a:solidFill>
-              </a:rPr>
-              <a:t>.</a:t>
-            </a:r>
-          </a:p>
-        </p:txBody>
-      </p:sp>
-    </p:spTree>
-    <p:extLst>
-      <p:ext uri="{BB962C8B-B14F-4D97-AF65-F5344CB8AC3E}">
-        <p14:creationId xmlns:p14="http://schemas.microsoft.com/office/powerpoint/2010/main" val="1793492866"/>
-      </p:ext>
-    </p:extLst>
-  </p:cSld>
-  <p:clrMapOvr>
-    <a:masterClrMapping/>
-  </p:clrMapOvr>
-</p:sld>
-</file>
-
-<file path=ppt/slides/slide36.xml><?xml version="1.0" encoding="utf-8"?>
-<p:sld xmlns:a="http://schemas.openxmlformats.org/drawingml/2006/main" xmlns:r="http://schemas.openxmlformats.org/officeDocument/2006/relationships" xmlns:p="http://schemas.openxmlformats.org/presentationml/2006/main">
-  <p:cSld>
-    <p:spTree>
-      <p:nvGrpSpPr>
-        <p:cNvPr id="1" name=""/>
-        <p:cNvGrpSpPr/>
-        <p:nvPr/>
-      </p:nvGrpSpPr>
-      <p:grpSpPr>
-        <a:xfrm>
-          <a:off x="0" y="0"/>
-          <a:ext cx="0" cy="0"/>
-          <a:chOff x="0" y="0"/>
-          <a:chExt cx="0" cy="0"/>
-        </a:xfrm>
-      </p:grpSpPr>
-      <p:sp>
-        <p:nvSpPr>
-          <p:cNvPr id="2" name="Title 1">
-            <a:extLst>
-              <a:ext uri="{FF2B5EF4-FFF2-40B4-BE49-F238E27FC236}">
                 <a16:creationId xmlns:a16="http://schemas.microsoft.com/office/drawing/2014/main" id="{C9C00297-EED7-467A-A15E-BE58ED190FAF}"/>
               </a:ext>
             </a:extLst>
@@ -25167,8 +25106,8 @@
           </a:p>
         </p:txBody>
       </p:sp>
-      <mc:AlternateContent xmlns:mc="http://schemas.openxmlformats.org/markup-compatibility/2006">
-        <mc:Choice xmlns:a14="http://schemas.microsoft.com/office/drawing/2010/main" Requires="a14">
+      <mc:AlternateContent xmlns:mc="http://schemas.openxmlformats.org/markup-compatibility/2006" xmlns:a14="http://schemas.microsoft.com/office/drawing/2010/main">
+        <mc:Choice Requires="a14">
           <p:sp>
             <p:nvSpPr>
               <p:cNvPr id="3" name="Content Placeholder 2">
@@ -25411,7 +25350,7 @@
             </p:txBody>
           </p:sp>
         </mc:Choice>
-        <mc:Fallback>
+        <mc:Fallback xmlns="">
           <p:sp>
             <p:nvSpPr>
               <p:cNvPr id="3" name="Content Placeholder 2">
@@ -25464,7 +25403,7 @@
 </p:sld>
 </file>
 
-<file path=ppt/slides/slide37.xml><?xml version="1.0" encoding="utf-8"?>
+<file path=ppt/slides/slide36.xml><?xml version="1.0" encoding="utf-8"?>
 <p:sld xmlns:a="http://schemas.openxmlformats.org/drawingml/2006/main" xmlns:r="http://schemas.openxmlformats.org/officeDocument/2006/relationships" xmlns:p="http://schemas.openxmlformats.org/presentationml/2006/main">
   <p:cSld>
     <p:spTree>
@@ -25561,7 +25500,7 @@
 </p:sld>
 </file>
 
-<file path=ppt/slides/slide38.xml><?xml version="1.0" encoding="utf-8"?>
+<file path=ppt/slides/slide37.xml><?xml version="1.0" encoding="utf-8"?>
 <p:sld xmlns:a="http://schemas.openxmlformats.org/drawingml/2006/main" xmlns:r="http://schemas.openxmlformats.org/officeDocument/2006/relationships" xmlns:p="http://schemas.openxmlformats.org/presentationml/2006/main">
   <p:cSld>
     <p:spTree>
@@ -25613,8 +25552,8 @@
           </a:p>
         </p:txBody>
       </p:sp>
-      <mc:AlternateContent xmlns:mc="http://schemas.openxmlformats.org/markup-compatibility/2006">
-        <mc:Choice xmlns:a14="http://schemas.microsoft.com/office/drawing/2010/main" Requires="a14">
+      <mc:AlternateContent xmlns:mc="http://schemas.openxmlformats.org/markup-compatibility/2006" xmlns:a14="http://schemas.microsoft.com/office/drawing/2010/main">
+        <mc:Choice Requires="a14">
           <p:sp>
             <p:nvSpPr>
               <p:cNvPr id="3" name="Content Placeholder 2">
@@ -26524,7 +26463,7 @@
             </p:txBody>
           </p:sp>
         </mc:Choice>
-        <mc:Fallback>
+        <mc:Fallback xmlns="">
           <p:sp>
             <p:nvSpPr>
               <p:cNvPr id="3" name="Content Placeholder 2">
@@ -26577,7 +26516,7 @@
 </p:sld>
 </file>
 
-<file path=ppt/slides/slide39.xml><?xml version="1.0" encoding="utf-8"?>
+<file path=ppt/slides/slide38.xml><?xml version="1.0" encoding="utf-8"?>
 <p:sld xmlns:a="http://schemas.openxmlformats.org/drawingml/2006/main" xmlns:r="http://schemas.openxmlformats.org/officeDocument/2006/relationships" xmlns:p="http://schemas.openxmlformats.org/presentationml/2006/main">
   <p:cSld>
     <p:spTree>
@@ -26629,8 +26568,8 @@
           </a:p>
         </p:txBody>
       </p:sp>
-      <mc:AlternateContent xmlns:mc="http://schemas.openxmlformats.org/markup-compatibility/2006">
-        <mc:Choice xmlns:a14="http://schemas.microsoft.com/office/drawing/2010/main" Requires="a14">
+      <mc:AlternateContent xmlns:mc="http://schemas.openxmlformats.org/markup-compatibility/2006" xmlns:a14="http://schemas.microsoft.com/office/drawing/2010/main">
+        <mc:Choice Requires="a14">
           <p:sp>
             <p:nvSpPr>
               <p:cNvPr id="3" name="Content Placeholder 2">
@@ -27010,7 +26949,7 @@
             </p:txBody>
           </p:sp>
         </mc:Choice>
-        <mc:Fallback>
+        <mc:Fallback xmlns="">
           <p:sp>
             <p:nvSpPr>
               <p:cNvPr id="3" name="Content Placeholder 2">
@@ -27054,6 +26993,877 @@
     <p:extLst>
       <p:ext uri="{BB962C8B-B14F-4D97-AF65-F5344CB8AC3E}">
         <p14:creationId xmlns:p14="http://schemas.microsoft.com/office/powerpoint/2010/main" val="1548123716"/>
+      </p:ext>
+    </p:extLst>
+  </p:cSld>
+  <p:clrMapOvr>
+    <a:masterClrMapping/>
+  </p:clrMapOvr>
+</p:sld>
+</file>
+
+<file path=ppt/slides/slide39.xml><?xml version="1.0" encoding="utf-8"?>
+<p:sld xmlns:a="http://schemas.openxmlformats.org/drawingml/2006/main" xmlns:r="http://schemas.openxmlformats.org/officeDocument/2006/relationships" xmlns:p="http://schemas.openxmlformats.org/presentationml/2006/main">
+  <p:cSld>
+    <p:spTree>
+      <p:nvGrpSpPr>
+        <p:cNvPr id="1" name=""/>
+        <p:cNvGrpSpPr/>
+        <p:nvPr/>
+      </p:nvGrpSpPr>
+      <p:grpSpPr>
+        <a:xfrm>
+          <a:off x="0" y="0"/>
+          <a:ext cx="0" cy="0"/>
+          <a:chOff x="0" y="0"/>
+          <a:chExt cx="0" cy="0"/>
+        </a:xfrm>
+      </p:grpSpPr>
+      <p:sp>
+        <p:nvSpPr>
+          <p:cNvPr id="2" name="Title 1">
+            <a:extLst>
+              <a:ext uri="{FF2B5EF4-FFF2-40B4-BE49-F238E27FC236}">
+                <a16:creationId xmlns:a16="http://schemas.microsoft.com/office/drawing/2014/main" id="{E9AE69F3-2649-40ED-836C-285113378A65}"/>
+              </a:ext>
+            </a:extLst>
+          </p:cNvPr>
+          <p:cNvSpPr>
+            <a:spLocks noGrp="1"/>
+          </p:cNvSpPr>
+          <p:nvPr>
+            <p:ph type="title"/>
+          </p:nvPr>
+        </p:nvSpPr>
+        <p:spPr/>
+        <p:txBody>
+          <a:bodyPr>
+            <a:normAutofit/>
+          </a:bodyPr>
+          <a:lstStyle/>
+          <a:p>
+            <a:r>
+              <a:rPr lang="en-US" sz="4000" dirty="0">
+                <a:solidFill>
+                  <a:schemeClr val="accent1"/>
+                </a:solidFill>
+              </a:rPr>
+              <a:t>Depth-First Search (DFS) : Parenthesis Structure</a:t>
+            </a:r>
+            <a:endParaRPr lang="en-US" sz="4000" dirty="0"/>
+          </a:p>
+        </p:txBody>
+      </p:sp>
+      <mc:AlternateContent xmlns:mc="http://schemas.openxmlformats.org/markup-compatibility/2006" xmlns:a14="http://schemas.microsoft.com/office/drawing/2010/main">
+        <mc:Choice Requires="a14">
+          <p:sp>
+            <p:nvSpPr>
+              <p:cNvPr id="3" name="Content Placeholder 2">
+                <a:extLst>
+                  <a:ext uri="{FF2B5EF4-FFF2-40B4-BE49-F238E27FC236}">
+                    <a16:creationId xmlns:a16="http://schemas.microsoft.com/office/drawing/2014/main" id="{016E81BC-85BF-4C58-B2C9-B22D49385ADD}"/>
+                  </a:ext>
+                </a:extLst>
+              </p:cNvPr>
+              <p:cNvSpPr>
+                <a:spLocks noGrp="1"/>
+              </p:cNvSpPr>
+              <p:nvPr>
+                <p:ph idx="1"/>
+              </p:nvPr>
+            </p:nvSpPr>
+            <p:spPr/>
+            <p:txBody>
+              <a:bodyPr>
+                <a:normAutofit/>
+              </a:bodyPr>
+              <a:lstStyle/>
+              <a:p>
+                <a:pPr marL="0" indent="0">
+                  <a:buNone/>
+                </a:pPr>
+                <a:r>
+                  <a:rPr lang="en-US" sz="2000" b="1" i="1" u="sng" dirty="0">
+                    <a:solidFill>
+                      <a:srgbClr val="FF0000"/>
+                    </a:solidFill>
+                  </a:rPr>
+                  <a:t>White-path Theorem</a:t>
+                </a:r>
+                <a:r>
+                  <a:rPr lang="en-US" sz="2000" b="1" i="1" dirty="0">
+                    <a:solidFill>
+                      <a:srgbClr val="FF0000"/>
+                    </a:solidFill>
+                  </a:rPr>
+                  <a:t>: </a:t>
+                </a:r>
+                <a:r>
+                  <a:rPr lang="en-US" sz="2000" dirty="0">
+                    <a:solidFill>
+                      <a:schemeClr val="accent1"/>
+                    </a:solidFill>
+                  </a:rPr>
+                  <a:t>In a DFS forest of a directed or an undirected graph </a:t>
+                </a:r>
+                <a14:m>
+                  <m:oMath xmlns:m="http://schemas.openxmlformats.org/officeDocument/2006/math">
+                    <m:r>
+                      <a:rPr lang="en-US" sz="2000" i="1" smtClean="0">
+                        <a:latin typeface="Cambria Math" panose="02040503050406030204" pitchFamily="18" charset="0"/>
+                      </a:rPr>
+                      <m:t>𝐺</m:t>
+                    </m:r>
+                    <m:r>
+                      <a:rPr lang="en-US" sz="2000" i="1" smtClean="0">
+                        <a:latin typeface="Cambria Math" panose="02040503050406030204" pitchFamily="18" charset="0"/>
+                      </a:rPr>
+                      <m:t>=(</m:t>
+                    </m:r>
+                    <m:r>
+                      <a:rPr lang="en-US" sz="2000" i="1" smtClean="0">
+                        <a:latin typeface="Cambria Math" panose="02040503050406030204" pitchFamily="18" charset="0"/>
+                      </a:rPr>
+                      <m:t>𝑉</m:t>
+                    </m:r>
+                    <m:r>
+                      <a:rPr lang="en-US" sz="2000" i="1" smtClean="0">
+                        <a:latin typeface="Cambria Math" panose="02040503050406030204" pitchFamily="18" charset="0"/>
+                      </a:rPr>
+                      <m:t>,</m:t>
+                    </m:r>
+                    <m:r>
+                      <a:rPr lang="en-US" sz="2000" i="1" smtClean="0">
+                        <a:latin typeface="Cambria Math" panose="02040503050406030204" pitchFamily="18" charset="0"/>
+                      </a:rPr>
+                      <m:t>𝐸</m:t>
+                    </m:r>
+                    <m:r>
+                      <a:rPr lang="en-US" sz="2000" b="0" i="0" smtClean="0">
+                        <a:latin typeface="Cambria Math" panose="02040503050406030204" pitchFamily="18" charset="0"/>
+                      </a:rPr>
+                      <m:t>)</m:t>
+                    </m:r>
+                  </m:oMath>
+                </a14:m>
+                <a:r>
+                  <a:rPr lang="en-US" sz="2000" dirty="0">
+                    <a:solidFill>
+                      <a:schemeClr val="accent1"/>
+                    </a:solidFill>
+                  </a:rPr>
+                  <a:t>, vertex </a:t>
+                </a:r>
+                <a14:m>
+                  <m:oMath xmlns:m="http://schemas.openxmlformats.org/officeDocument/2006/math">
+                    <m:r>
+                      <a:rPr lang="en-US" sz="2000" i="1">
+                        <a:latin typeface="Cambria Math" panose="02040503050406030204" pitchFamily="18" charset="0"/>
+                      </a:rPr>
+                      <m:t>𝑣</m:t>
+                    </m:r>
+                  </m:oMath>
+                </a14:m>
+                <a:r>
+                  <a:rPr lang="en-US" sz="2000" dirty="0">
+                    <a:solidFill>
+                      <a:schemeClr val="accent1"/>
+                    </a:solidFill>
+                  </a:rPr>
+                  <a:t> is a descendant of vertex </a:t>
+                </a:r>
+                <a14:m>
+                  <m:oMath xmlns:m="http://schemas.openxmlformats.org/officeDocument/2006/math">
+                    <m:r>
+                      <a:rPr lang="en-US" sz="2000" i="1">
+                        <a:latin typeface="Cambria Math" panose="02040503050406030204" pitchFamily="18" charset="0"/>
+                      </a:rPr>
+                      <m:t>𝑢</m:t>
+                    </m:r>
+                  </m:oMath>
+                </a14:m>
+                <a:r>
+                  <a:rPr lang="en-US" sz="2000" dirty="0">
+                    <a:solidFill>
+                      <a:schemeClr val="accent1"/>
+                    </a:solidFill>
+                  </a:rPr>
+                  <a:t> if and only if at the time </a:t>
+                </a:r>
+                <a14:m>
+                  <m:oMath xmlns:m="http://schemas.openxmlformats.org/officeDocument/2006/math">
+                    <m:r>
+                      <a:rPr lang="en-US" sz="2000" i="1">
+                        <a:latin typeface="Cambria Math" panose="02040503050406030204" pitchFamily="18" charset="0"/>
+                      </a:rPr>
+                      <m:t>𝑢</m:t>
+                    </m:r>
+                    <m:r>
+                      <a:rPr lang="en-US" sz="2000" i="1">
+                        <a:latin typeface="Cambria Math" panose="02040503050406030204" pitchFamily="18" charset="0"/>
+                      </a:rPr>
+                      <m:t>.</m:t>
+                    </m:r>
+                    <m:r>
+                      <a:rPr lang="en-US" sz="2000" i="1">
+                        <a:latin typeface="Cambria Math" panose="02040503050406030204" pitchFamily="18" charset="0"/>
+                      </a:rPr>
+                      <m:t>𝑑</m:t>
+                    </m:r>
+                  </m:oMath>
+                </a14:m>
+                <a:r>
+                  <a:rPr lang="en-US" sz="2000" dirty="0">
+                    <a:solidFill>
+                      <a:schemeClr val="accent1"/>
+                    </a:solidFill>
+                  </a:rPr>
+                  <a:t> that the search discovers </a:t>
+                </a:r>
+                <a14:m>
+                  <m:oMath xmlns:m="http://schemas.openxmlformats.org/officeDocument/2006/math">
+                    <m:r>
+                      <a:rPr lang="en-US" sz="2000" i="1">
+                        <a:latin typeface="Cambria Math" panose="02040503050406030204" pitchFamily="18" charset="0"/>
+                      </a:rPr>
+                      <m:t>𝑢</m:t>
+                    </m:r>
+                  </m:oMath>
+                </a14:m>
+                <a:r>
+                  <a:rPr lang="en-US" sz="2000" dirty="0">
+                    <a:solidFill>
+                      <a:schemeClr val="accent1"/>
+                    </a:solidFill>
+                  </a:rPr>
+                  <a:t>, there is a </a:t>
+                </a:r>
+                <a:r>
+                  <a:rPr lang="en-US" sz="2000" b="1" i="1" dirty="0">
+                    <a:solidFill>
+                      <a:srgbClr val="FF0000"/>
+                    </a:solidFill>
+                  </a:rPr>
+                  <a:t>white path</a:t>
+                </a:r>
+                <a:r>
+                  <a:rPr lang="en-US" sz="2000" dirty="0">
+                    <a:solidFill>
+                      <a:schemeClr val="accent1"/>
+                    </a:solidFill>
+                  </a:rPr>
+                  <a:t> from </a:t>
+                </a:r>
+                <a14:m>
+                  <m:oMath xmlns:m="http://schemas.openxmlformats.org/officeDocument/2006/math">
+                    <m:r>
+                      <a:rPr lang="en-US" sz="2000" i="1">
+                        <a:latin typeface="Cambria Math" panose="02040503050406030204" pitchFamily="18" charset="0"/>
+                      </a:rPr>
+                      <m:t>𝑢</m:t>
+                    </m:r>
+                  </m:oMath>
+                </a14:m>
+                <a:r>
+                  <a:rPr lang="en-US" sz="2000" dirty="0">
+                    <a:solidFill>
+                      <a:schemeClr val="accent1"/>
+                    </a:solidFill>
+                  </a:rPr>
+                  <a:t> to </a:t>
+                </a:r>
+                <a14:m>
+                  <m:oMath xmlns:m="http://schemas.openxmlformats.org/officeDocument/2006/math">
+                    <m:r>
+                      <a:rPr lang="en-US" sz="2000" i="1">
+                        <a:latin typeface="Cambria Math" panose="02040503050406030204" pitchFamily="18" charset="0"/>
+                      </a:rPr>
+                      <m:t>𝑣</m:t>
+                    </m:r>
+                  </m:oMath>
+                </a14:m>
+                <a:r>
+                  <a:rPr lang="en-US" sz="2000" dirty="0">
+                    <a:solidFill>
+                      <a:schemeClr val="accent1"/>
+                    </a:solidFill>
+                  </a:rPr>
+                  <a:t> consisting entirely of white vertices.</a:t>
+                </a:r>
+              </a:p>
+              <a:p>
+                <a:pPr marL="0" indent="0">
+                  <a:buNone/>
+                </a:pPr>
+                <a:endParaRPr lang="en-US" sz="2000" dirty="0">
+                  <a:solidFill>
+                    <a:schemeClr val="accent1"/>
+                  </a:solidFill>
+                </a:endParaRPr>
+              </a:p>
+              <a:p>
+                <a:pPr marL="0" indent="0">
+                  <a:buNone/>
+                </a:pPr>
+                <a:r>
+                  <a:rPr lang="en-US" sz="2000" b="1" i="1" u="sng" dirty="0">
+                    <a:solidFill>
+                      <a:srgbClr val="FF0000"/>
+                    </a:solidFill>
+                  </a:rPr>
+                  <a:t>Proof</a:t>
+                </a:r>
+                <a:r>
+                  <a:rPr lang="en-US" sz="2000" b="1" i="1" dirty="0">
+                    <a:solidFill>
+                      <a:srgbClr val="FF0000"/>
+                    </a:solidFill>
+                  </a:rPr>
+                  <a:t>: </a:t>
+                </a:r>
+              </a:p>
+              <a:p>
+                <a:pPr marL="0" indent="0">
+                  <a:buNone/>
+                </a:pPr>
+                <a14:m>
+                  <m:oMath xmlns:m="http://schemas.openxmlformats.org/officeDocument/2006/math">
+                    <m:r>
+                      <a:rPr lang="en-US" sz="2000" b="1" i="1" smtClean="0">
+                        <a:solidFill>
+                          <a:schemeClr val="tx2"/>
+                        </a:solidFill>
+                        <a:latin typeface="Cambria Math" panose="02040503050406030204" pitchFamily="18" charset="0"/>
+                        <a:ea typeface="Cambria Math" panose="02040503050406030204" pitchFamily="18" charset="0"/>
+                      </a:rPr>
+                      <m:t>⇒</m:t>
+                    </m:r>
+                  </m:oMath>
+                </a14:m>
+                <a:r>
+                  <a:rPr lang="en-US" sz="2000" dirty="0">
+                    <a:solidFill>
+                      <a:schemeClr val="accent1"/>
+                    </a:solidFill>
+                  </a:rPr>
+                  <a:t>: If </a:t>
+                </a:r>
+                <a14:m>
+                  <m:oMath xmlns:m="http://schemas.openxmlformats.org/officeDocument/2006/math">
+                    <m:r>
+                      <a:rPr lang="en-US" sz="2000" i="1">
+                        <a:latin typeface="Cambria Math" panose="02040503050406030204" pitchFamily="18" charset="0"/>
+                      </a:rPr>
+                      <m:t>𝑢</m:t>
+                    </m:r>
+                    <m:r>
+                      <a:rPr lang="en-US" sz="2000" b="0" i="1" smtClean="0">
+                        <a:latin typeface="Cambria Math" panose="02040503050406030204" pitchFamily="18" charset="0"/>
+                      </a:rPr>
+                      <m:t>=</m:t>
+                    </m:r>
+                    <m:r>
+                      <a:rPr lang="en-US" sz="2000" b="0" i="1" smtClean="0">
+                        <a:latin typeface="Cambria Math" panose="02040503050406030204" pitchFamily="18" charset="0"/>
+                      </a:rPr>
+                      <m:t>𝑣</m:t>
+                    </m:r>
+                  </m:oMath>
+                </a14:m>
+                <a:r>
+                  <a:rPr lang="en-US" sz="2000" dirty="0">
+                    <a:solidFill>
+                      <a:schemeClr val="accent1"/>
+                    </a:solidFill>
+                  </a:rPr>
+                  <a:t>, then the path from </a:t>
+                </a:r>
+                <a14:m>
+                  <m:oMath xmlns:m="http://schemas.openxmlformats.org/officeDocument/2006/math">
+                    <m:r>
+                      <a:rPr lang="en-US" sz="2000" i="1">
+                        <a:latin typeface="Cambria Math" panose="02040503050406030204" pitchFamily="18" charset="0"/>
+                      </a:rPr>
+                      <m:t>𝑢</m:t>
+                    </m:r>
+                  </m:oMath>
+                </a14:m>
+                <a:r>
+                  <a:rPr lang="en-US" sz="2000" dirty="0">
+                    <a:solidFill>
+                      <a:schemeClr val="accent1"/>
+                    </a:solidFill>
+                  </a:rPr>
+                  <a:t> to </a:t>
+                </a:r>
+                <a14:m>
+                  <m:oMath xmlns:m="http://schemas.openxmlformats.org/officeDocument/2006/math">
+                    <m:r>
+                      <a:rPr lang="en-US" sz="2000" i="1">
+                        <a:latin typeface="Cambria Math" panose="02040503050406030204" pitchFamily="18" charset="0"/>
+                      </a:rPr>
+                      <m:t>𝑣</m:t>
+                    </m:r>
+                  </m:oMath>
+                </a14:m>
+                <a:r>
+                  <a:rPr lang="en-US" sz="2000" dirty="0">
+                    <a:solidFill>
+                      <a:schemeClr val="accent1"/>
+                    </a:solidFill>
+                  </a:rPr>
+                  <a:t> contains just </a:t>
+                </a:r>
+                <a14:m>
+                  <m:oMath xmlns:m="http://schemas.openxmlformats.org/officeDocument/2006/math">
+                    <m:r>
+                      <a:rPr lang="en-US" sz="2000" b="0" i="1" smtClean="0">
+                        <a:solidFill>
+                          <a:schemeClr val="tx1"/>
+                        </a:solidFill>
+                        <a:latin typeface="Cambria Math" panose="02040503050406030204" pitchFamily="18" charset="0"/>
+                      </a:rPr>
+                      <m:t>𝑢</m:t>
+                    </m:r>
+                  </m:oMath>
+                </a14:m>
+                <a:r>
+                  <a:rPr lang="en-US" sz="2000" dirty="0">
+                    <a:solidFill>
+                      <a:schemeClr val="accent1"/>
+                    </a:solidFill>
+                  </a:rPr>
+                  <a:t>, which is still white when we set the value of </a:t>
+                </a:r>
+                <a14:m>
+                  <m:oMath xmlns:m="http://schemas.openxmlformats.org/officeDocument/2006/math">
+                    <m:r>
+                      <a:rPr lang="en-US" sz="2000" i="1">
+                        <a:latin typeface="Cambria Math" panose="02040503050406030204" pitchFamily="18" charset="0"/>
+                      </a:rPr>
+                      <m:t>𝑢</m:t>
+                    </m:r>
+                    <m:r>
+                      <a:rPr lang="en-US" sz="2000" i="1">
+                        <a:latin typeface="Cambria Math" panose="02040503050406030204" pitchFamily="18" charset="0"/>
+                      </a:rPr>
+                      <m:t>.</m:t>
+                    </m:r>
+                    <m:r>
+                      <a:rPr lang="en-US" sz="2000" i="1">
+                        <a:latin typeface="Cambria Math" panose="02040503050406030204" pitchFamily="18" charset="0"/>
+                      </a:rPr>
+                      <m:t>𝑑</m:t>
+                    </m:r>
+                  </m:oMath>
+                </a14:m>
+                <a:r>
+                  <a:rPr lang="en-US" sz="2000" dirty="0">
+                    <a:solidFill>
+                      <a:schemeClr val="accent1"/>
+                    </a:solidFill>
+                  </a:rPr>
+                  <a:t>.</a:t>
+                </a:r>
+              </a:p>
+              <a:p>
+                <a:pPr marL="0" indent="0">
+                  <a:buNone/>
+                </a:pPr>
+                <a:r>
+                  <a:rPr lang="en-US" sz="2000" dirty="0">
+                    <a:solidFill>
+                      <a:schemeClr val="accent1"/>
+                    </a:solidFill>
+                  </a:rPr>
+                  <a:t>Now suppose </a:t>
+                </a:r>
+                <a14:m>
+                  <m:oMath xmlns:m="http://schemas.openxmlformats.org/officeDocument/2006/math">
+                    <m:r>
+                      <a:rPr lang="en-US" sz="2000" i="1">
+                        <a:latin typeface="Cambria Math" panose="02040503050406030204" pitchFamily="18" charset="0"/>
+                      </a:rPr>
+                      <m:t>𝑣</m:t>
+                    </m:r>
+                  </m:oMath>
+                </a14:m>
+                <a:r>
+                  <a:rPr lang="en-US" sz="2000" dirty="0">
+                    <a:solidFill>
+                      <a:schemeClr val="accent1"/>
+                    </a:solidFill>
+                  </a:rPr>
+                  <a:t> is a proper descendant of </a:t>
+                </a:r>
+                <a14:m>
+                  <m:oMath xmlns:m="http://schemas.openxmlformats.org/officeDocument/2006/math">
+                    <m:r>
+                      <a:rPr lang="en-US" sz="2000" i="1" smtClean="0">
+                        <a:latin typeface="Cambria Math" panose="02040503050406030204" pitchFamily="18" charset="0"/>
+                      </a:rPr>
+                      <m:t>𝑢</m:t>
+                    </m:r>
+                  </m:oMath>
+                </a14:m>
+                <a:r>
+                  <a:rPr lang="en-US" sz="2000" dirty="0">
+                    <a:solidFill>
+                      <a:schemeClr val="accent1"/>
+                    </a:solidFill>
+                  </a:rPr>
+                  <a:t>.</a:t>
+                </a:r>
+              </a:p>
+              <a:p>
+                <a:pPr marL="0" indent="0">
+                  <a:buNone/>
+                </a:pPr>
+                <a:r>
+                  <a:rPr lang="en-US" sz="2000" dirty="0">
+                    <a:solidFill>
+                      <a:schemeClr val="accent1"/>
+                    </a:solidFill>
+                  </a:rPr>
+                  <a:t>			</a:t>
+                </a:r>
+                <a:r>
+                  <a:rPr lang="en-US" sz="2000" b="0" dirty="0">
+                    <a:solidFill>
+                      <a:schemeClr val="tx1"/>
+                    </a:solidFill>
+                  </a:rPr>
+                  <a:t> </a:t>
+                </a:r>
+                <a14:m>
+                  <m:oMath xmlns:m="http://schemas.openxmlformats.org/officeDocument/2006/math">
+                    <m:r>
+                      <a:rPr lang="en-US" sz="2000" b="0" i="1" smtClean="0">
+                        <a:solidFill>
+                          <a:schemeClr val="tx1"/>
+                        </a:solidFill>
+                        <a:latin typeface="Cambria Math" panose="02040503050406030204" pitchFamily="18" charset="0"/>
+                      </a:rPr>
+                      <m:t>𝑢</m:t>
+                    </m:r>
+                    <m:r>
+                      <a:rPr lang="en-US" sz="2000" b="0" i="1" smtClean="0">
+                        <a:solidFill>
+                          <a:schemeClr val="tx1"/>
+                        </a:solidFill>
+                        <a:latin typeface="Cambria Math" panose="02040503050406030204" pitchFamily="18" charset="0"/>
+                      </a:rPr>
+                      <m:t>.</m:t>
+                    </m:r>
+                    <m:r>
+                      <a:rPr lang="en-US" sz="2000" b="0" i="1" smtClean="0">
+                        <a:solidFill>
+                          <a:schemeClr val="tx1"/>
+                        </a:solidFill>
+                        <a:latin typeface="Cambria Math" panose="02040503050406030204" pitchFamily="18" charset="0"/>
+                      </a:rPr>
+                      <m:t>𝑑</m:t>
+                    </m:r>
+                    <m:r>
+                      <a:rPr lang="en-US" sz="2000" b="0" i="1" smtClean="0">
+                        <a:solidFill>
+                          <a:schemeClr val="tx1"/>
+                        </a:solidFill>
+                        <a:latin typeface="Cambria Math" panose="02040503050406030204" pitchFamily="18" charset="0"/>
+                      </a:rPr>
+                      <m:t>&lt;</m:t>
+                    </m:r>
+                    <m:r>
+                      <a:rPr lang="en-US" sz="2000" b="0" i="1" smtClean="0">
+                        <a:solidFill>
+                          <a:schemeClr val="tx1"/>
+                        </a:solidFill>
+                        <a:latin typeface="Cambria Math" panose="02040503050406030204" pitchFamily="18" charset="0"/>
+                      </a:rPr>
+                      <m:t>𝑣</m:t>
+                    </m:r>
+                    <m:r>
+                      <a:rPr lang="en-US" sz="2000" b="0" i="1" smtClean="0">
+                        <a:solidFill>
+                          <a:schemeClr val="tx1"/>
+                        </a:solidFill>
+                        <a:latin typeface="Cambria Math" panose="02040503050406030204" pitchFamily="18" charset="0"/>
+                      </a:rPr>
+                      <m:t>.</m:t>
+                    </m:r>
+                    <m:r>
+                      <a:rPr lang="en-US" sz="2000" b="0" i="1" smtClean="0">
+                        <a:solidFill>
+                          <a:schemeClr val="tx1"/>
+                        </a:solidFill>
+                        <a:latin typeface="Cambria Math" panose="02040503050406030204" pitchFamily="18" charset="0"/>
+                      </a:rPr>
+                      <m:t>𝑑</m:t>
+                    </m:r>
+                  </m:oMath>
+                </a14:m>
+                <a:r>
+                  <a:rPr lang="en-US" sz="2000" dirty="0">
+                    <a:solidFill>
+                      <a:schemeClr val="accent1"/>
+                    </a:solidFill>
+                  </a:rPr>
+                  <a:t>                  	   [</a:t>
+                </a:r>
+                <a:r>
+                  <a:rPr lang="en-US" sz="2000" b="1" i="1" u="sng" dirty="0">
+                    <a:solidFill>
+                      <a:srgbClr val="FF0000"/>
+                    </a:solidFill>
+                  </a:rPr>
+                  <a:t>Nesting of Descendants’ Intervals</a:t>
+                </a:r>
+                <a:r>
+                  <a:rPr lang="en-US" sz="2000" dirty="0">
+                    <a:solidFill>
+                      <a:schemeClr val="accent1"/>
+                    </a:solidFill>
+                  </a:rPr>
+                  <a:t>]</a:t>
+                </a:r>
+              </a:p>
+              <a:p>
+                <a:pPr marL="0" indent="0">
+                  <a:buNone/>
+                </a:pPr>
+                <a:r>
+                  <a:rPr lang="en-US" sz="2000" dirty="0">
+                    <a:solidFill>
+                      <a:schemeClr val="accent1"/>
+                    </a:solidFill>
+                  </a:rPr>
+                  <a:t>Then, </a:t>
+                </a:r>
+                <a14:m>
+                  <m:oMath xmlns:m="http://schemas.openxmlformats.org/officeDocument/2006/math">
+                    <m:r>
+                      <a:rPr lang="en-US" sz="2000" b="0" i="1" smtClean="0">
+                        <a:solidFill>
+                          <a:schemeClr val="tx1"/>
+                        </a:solidFill>
+                        <a:latin typeface="Cambria Math" panose="02040503050406030204" pitchFamily="18" charset="0"/>
+                      </a:rPr>
+                      <m:t>𝑣</m:t>
+                    </m:r>
+                  </m:oMath>
+                </a14:m>
+                <a:r>
+                  <a:rPr lang="en-US" sz="2000" dirty="0">
+                    <a:solidFill>
+                      <a:schemeClr val="accent1"/>
+                    </a:solidFill>
+                  </a:rPr>
+                  <a:t> is white at time </a:t>
+                </a:r>
+                <a14:m>
+                  <m:oMath xmlns:m="http://schemas.openxmlformats.org/officeDocument/2006/math">
+                    <m:r>
+                      <a:rPr lang="en-US" sz="2000" i="1">
+                        <a:latin typeface="Cambria Math" panose="02040503050406030204" pitchFamily="18" charset="0"/>
+                      </a:rPr>
+                      <m:t>𝑢</m:t>
+                    </m:r>
+                    <m:r>
+                      <a:rPr lang="en-US" sz="2000" i="1">
+                        <a:latin typeface="Cambria Math" panose="02040503050406030204" pitchFamily="18" charset="0"/>
+                      </a:rPr>
+                      <m:t>.</m:t>
+                    </m:r>
+                    <m:r>
+                      <a:rPr lang="en-US" sz="2000" i="1">
+                        <a:latin typeface="Cambria Math" panose="02040503050406030204" pitchFamily="18" charset="0"/>
+                      </a:rPr>
+                      <m:t>𝑑</m:t>
+                    </m:r>
+                  </m:oMath>
+                </a14:m>
+                <a:r>
+                  <a:rPr lang="en-US" sz="2000" dirty="0">
+                    <a:solidFill>
+                      <a:schemeClr val="accent1"/>
+                    </a:solidFill>
+                  </a:rPr>
+                  <a:t>.</a:t>
+                </a:r>
+              </a:p>
+              <a:p>
+                <a:pPr marL="0" indent="0">
+                  <a:buNone/>
+                </a:pPr>
+                <a:r>
+                  <a:rPr lang="en-US" sz="2000" b="0" dirty="0">
+                    <a:solidFill>
+                      <a:schemeClr val="accent1"/>
+                    </a:solidFill>
+                  </a:rPr>
+                  <a:t>Since</a:t>
+                </a:r>
+                <a:r>
+                  <a:rPr lang="en-US" sz="2000" b="0" dirty="0">
+                    <a:solidFill>
+                      <a:schemeClr val="tx1"/>
+                    </a:solidFill>
+                  </a:rPr>
+                  <a:t> </a:t>
+                </a:r>
+                <a14:m>
+                  <m:oMath xmlns:m="http://schemas.openxmlformats.org/officeDocument/2006/math">
+                    <m:r>
+                      <a:rPr lang="en-US" sz="2000" b="0" i="1" smtClean="0">
+                        <a:solidFill>
+                          <a:schemeClr val="tx1"/>
+                        </a:solidFill>
+                        <a:latin typeface="Cambria Math" panose="02040503050406030204" pitchFamily="18" charset="0"/>
+                      </a:rPr>
+                      <m:t>𝑣</m:t>
+                    </m:r>
+                  </m:oMath>
+                </a14:m>
+                <a:r>
+                  <a:rPr lang="en-US" sz="2000" dirty="0">
+                    <a:solidFill>
+                      <a:schemeClr val="accent1"/>
+                    </a:solidFill>
+                  </a:rPr>
+                  <a:t> can be any descendant of </a:t>
+                </a:r>
+                <a14:m>
+                  <m:oMath xmlns:m="http://schemas.openxmlformats.org/officeDocument/2006/math">
+                    <m:r>
+                      <a:rPr lang="en-US" sz="2000" i="1">
+                        <a:latin typeface="Cambria Math" panose="02040503050406030204" pitchFamily="18" charset="0"/>
+                      </a:rPr>
+                      <m:t>𝑢</m:t>
+                    </m:r>
+                  </m:oMath>
+                </a14:m>
+                <a:r>
+                  <a:rPr lang="en-US" sz="2000" dirty="0">
+                    <a:solidFill>
+                      <a:schemeClr val="accent1"/>
+                    </a:solidFill>
+                  </a:rPr>
+                  <a:t>, all vertices on the unique path from </a:t>
+                </a:r>
+                <a14:m>
+                  <m:oMath xmlns:m="http://schemas.openxmlformats.org/officeDocument/2006/math">
+                    <m:r>
+                      <a:rPr lang="en-US" sz="2000" i="1">
+                        <a:latin typeface="Cambria Math" panose="02040503050406030204" pitchFamily="18" charset="0"/>
+                      </a:rPr>
+                      <m:t>𝑢</m:t>
+                    </m:r>
+                  </m:oMath>
+                </a14:m>
+                <a:r>
+                  <a:rPr lang="en-US" sz="2000" dirty="0">
+                    <a:solidFill>
+                      <a:schemeClr val="accent1"/>
+                    </a:solidFill>
+                  </a:rPr>
+                  <a:t> to </a:t>
+                </a:r>
+                <a14:m>
+                  <m:oMath xmlns:m="http://schemas.openxmlformats.org/officeDocument/2006/math">
+                    <m:r>
+                      <a:rPr lang="en-US" sz="2000" i="1">
+                        <a:latin typeface="Cambria Math" panose="02040503050406030204" pitchFamily="18" charset="0"/>
+                      </a:rPr>
+                      <m:t>𝑣</m:t>
+                    </m:r>
+                  </m:oMath>
+                </a14:m>
+                <a:r>
+                  <a:rPr lang="en-US" sz="2000" dirty="0">
+                    <a:solidFill>
+                      <a:schemeClr val="accent1"/>
+                    </a:solidFill>
+                  </a:rPr>
+                  <a:t> are white at time </a:t>
+                </a:r>
+                <a14:m>
+                  <m:oMath xmlns:m="http://schemas.openxmlformats.org/officeDocument/2006/math">
+                    <m:r>
+                      <a:rPr lang="en-US" sz="2000" i="1">
+                        <a:latin typeface="Cambria Math" panose="02040503050406030204" pitchFamily="18" charset="0"/>
+                      </a:rPr>
+                      <m:t>𝑢</m:t>
+                    </m:r>
+                    <m:r>
+                      <a:rPr lang="en-US" sz="2000" i="1">
+                        <a:latin typeface="Cambria Math" panose="02040503050406030204" pitchFamily="18" charset="0"/>
+                      </a:rPr>
+                      <m:t>.</m:t>
+                    </m:r>
+                    <m:r>
+                      <a:rPr lang="en-US" sz="2000" i="1">
+                        <a:latin typeface="Cambria Math" panose="02040503050406030204" pitchFamily="18" charset="0"/>
+                      </a:rPr>
+                      <m:t>𝑑</m:t>
+                    </m:r>
+                  </m:oMath>
+                </a14:m>
+                <a:r>
+                  <a:rPr lang="en-US" sz="2000" dirty="0">
+                    <a:solidFill>
+                      <a:schemeClr val="accent1"/>
+                    </a:solidFill>
+                  </a:rPr>
+                  <a:t>.</a:t>
+                </a:r>
+              </a:p>
+            </p:txBody>
+          </p:sp>
+        </mc:Choice>
+        <mc:Fallback xmlns="">
+          <p:sp>
+            <p:nvSpPr>
+              <p:cNvPr id="3" name="Content Placeholder 2">
+                <a:extLst>
+                  <a:ext uri="{FF2B5EF4-FFF2-40B4-BE49-F238E27FC236}">
+                    <a16:creationId xmlns:a16="http://schemas.microsoft.com/office/drawing/2014/main" id="{016E81BC-85BF-4C58-B2C9-B22D49385ADD}"/>
+                  </a:ext>
+                </a:extLst>
+              </p:cNvPr>
+              <p:cNvSpPr>
+                <a:spLocks noGrp="1" noRot="1" noChangeAspect="1" noMove="1" noResize="1" noEditPoints="1" noAdjustHandles="1" noChangeArrowheads="1" noChangeShapeType="1" noTextEdit="1"/>
+              </p:cNvSpPr>
+              <p:nvPr>
+                <p:ph idx="1"/>
+              </p:nvPr>
+            </p:nvSpPr>
+            <p:spPr>
+              <a:blipFill>
+                <a:blip r:embed="rId2"/>
+                <a:stretch>
+                  <a:fillRect l="-638" t="-1401" b="-700"/>
+                </a:stretch>
+              </a:blipFill>
+            </p:spPr>
+            <p:txBody>
+              <a:bodyPr/>
+              <a:lstStyle/>
+              <a:p>
+                <a:r>
+                  <a:rPr lang="en-US">
+                    <a:noFill/>
+                  </a:rPr>
+                  <a:t> </a:t>
+                </a:r>
+              </a:p>
+            </p:txBody>
+          </p:sp>
+        </mc:Fallback>
+      </mc:AlternateContent>
+    </p:spTree>
+    <p:extLst>
+      <p:ext uri="{BB962C8B-B14F-4D97-AF65-F5344CB8AC3E}">
+        <p14:creationId xmlns:p14="http://schemas.microsoft.com/office/powerpoint/2010/main" val="970871325"/>
       </p:ext>
     </p:extLst>
   </p:cSld>
@@ -27397,8 +28207,8 @@
           </a:p>
         </p:txBody>
       </p:sp>
-      <mc:AlternateContent xmlns:mc="http://schemas.openxmlformats.org/markup-compatibility/2006">
-        <mc:Choice xmlns:a14="http://schemas.microsoft.com/office/drawing/2010/main" Requires="a14">
+      <mc:AlternateContent xmlns:mc="http://schemas.openxmlformats.org/markup-compatibility/2006" xmlns:a14="http://schemas.microsoft.com/office/drawing/2010/main">
+        <mc:Choice Requires="a14">
           <p:sp>
             <p:nvSpPr>
               <p:cNvPr id="3" name="Content Placeholder 2">
@@ -27425,77 +28235,115 @@
                 <a:pPr marL="0" indent="0">
                   <a:buNone/>
                 </a:pPr>
-                <a:r>
-                  <a:rPr lang="en-US" sz="2000" b="1" i="1" u="sng" dirty="0">
+                <a14:m>
+                  <m:oMath xmlns:m="http://schemas.openxmlformats.org/officeDocument/2006/math">
+                    <m:r>
+                      <a:rPr lang="en-US" sz="2000" i="1" smtClean="0">
+                        <a:solidFill>
+                          <a:schemeClr val="tx1"/>
+                        </a:solidFill>
+                        <a:latin typeface="Cambria Math" panose="02040503050406030204" pitchFamily="18" charset="0"/>
+                        <a:ea typeface="Cambria Math" panose="02040503050406030204" pitchFamily="18" charset="0"/>
+                      </a:rPr>
+                      <m:t>⇐</m:t>
+                    </m:r>
+                  </m:oMath>
+                </a14:m>
+                <a:r>
+                  <a:rPr lang="en-US" sz="2000" dirty="0">
+                    <a:solidFill>
+                      <a:schemeClr val="accent1"/>
+                    </a:solidFill>
+                  </a:rPr>
+                  <a:t>: Suppose there is a path from of white vertices from </a:t>
+                </a:r>
+                <a14:m>
+                  <m:oMath xmlns:m="http://schemas.openxmlformats.org/officeDocument/2006/math">
+                    <m:r>
+                      <a:rPr lang="en-US" sz="2000" i="1">
+                        <a:latin typeface="Cambria Math" panose="02040503050406030204" pitchFamily="18" charset="0"/>
+                      </a:rPr>
+                      <m:t>𝑢</m:t>
+                    </m:r>
+                  </m:oMath>
+                </a14:m>
+                <a:r>
+                  <a:rPr lang="en-US" sz="2000" dirty="0">
+                    <a:solidFill>
+                      <a:schemeClr val="accent1"/>
+                    </a:solidFill>
+                  </a:rPr>
+                  <a:t> to </a:t>
+                </a:r>
+                <a14:m>
+                  <m:oMath xmlns:m="http://schemas.openxmlformats.org/officeDocument/2006/math">
+                    <m:r>
+                      <a:rPr lang="en-US" sz="2000" i="1">
+                        <a:latin typeface="Cambria Math" panose="02040503050406030204" pitchFamily="18" charset="0"/>
+                      </a:rPr>
+                      <m:t>𝑣</m:t>
+                    </m:r>
+                  </m:oMath>
+                </a14:m>
+                <a:r>
+                  <a:rPr lang="en-US" sz="2000" dirty="0">
+                    <a:solidFill>
+                      <a:schemeClr val="accent1"/>
+                    </a:solidFill>
+                  </a:rPr>
+                  <a:t> at time</a:t>
+                </a:r>
+                <a14:m>
+                  <m:oMath xmlns:m="http://schemas.openxmlformats.org/officeDocument/2006/math">
+                    <m:r>
+                      <a:rPr lang="en-US" sz="2000" b="0" i="0" smtClean="0">
+                        <a:latin typeface="Cambria Math" panose="02040503050406030204" pitchFamily="18" charset="0"/>
+                      </a:rPr>
+                      <m:t> </m:t>
+                    </m:r>
+                    <m:r>
+                      <a:rPr lang="en-US" sz="2000" i="1">
+                        <a:latin typeface="Cambria Math" panose="02040503050406030204" pitchFamily="18" charset="0"/>
+                      </a:rPr>
+                      <m:t>𝑢</m:t>
+                    </m:r>
+                    <m:r>
+                      <a:rPr lang="en-US" sz="2000" i="1">
+                        <a:latin typeface="Cambria Math" panose="02040503050406030204" pitchFamily="18" charset="0"/>
+                      </a:rPr>
+                      <m:t>.</m:t>
+                    </m:r>
+                    <m:r>
+                      <a:rPr lang="en-US" sz="2000" i="1">
+                        <a:latin typeface="Cambria Math" panose="02040503050406030204" pitchFamily="18" charset="0"/>
+                      </a:rPr>
+                      <m:t>𝑑</m:t>
+                    </m:r>
+                  </m:oMath>
+                </a14:m>
+                <a:r>
+                  <a:rPr lang="en-US" sz="2000" dirty="0">
+                    <a:solidFill>
+                      <a:schemeClr val="accent1"/>
+                    </a:solidFill>
+                  </a:rPr>
+                  <a:t>, but </a:t>
+                </a:r>
+                <a:r>
+                  <a:rPr lang="en-US" sz="2000" b="1" i="1" dirty="0">
                     <a:solidFill>
                       <a:srgbClr val="FF0000"/>
                     </a:solidFill>
                   </a:rPr>
-                  <a:t>White-path Theorem</a:t>
-                </a:r>
-                <a:r>
-                  <a:rPr lang="en-US" sz="2000" b="1" i="1" dirty="0">
-                    <a:solidFill>
-                      <a:srgbClr val="FF0000"/>
-                    </a:solidFill>
-                  </a:rPr>
-                  <a:t>: </a:t>
-                </a:r>
-                <a:r>
-                  <a:rPr lang="en-US" sz="2000" dirty="0">
-                    <a:solidFill>
-                      <a:schemeClr val="accent1"/>
-                    </a:solidFill>
-                  </a:rPr>
-                  <a:t>In a DFS forest of a directed or an undirected graph </a:t>
-                </a:r>
-                <a14:m>
-                  <m:oMath xmlns:m="http://schemas.openxmlformats.org/officeDocument/2006/math">
-                    <m:r>
-                      <a:rPr lang="en-US" sz="2000" i="1" smtClean="0">
-                        <a:latin typeface="Cambria Math" panose="02040503050406030204" pitchFamily="18" charset="0"/>
-                      </a:rPr>
-                      <m:t>𝐺</m:t>
-                    </m:r>
-                    <m:r>
-                      <a:rPr lang="en-US" sz="2000" i="1" smtClean="0">
-                        <a:latin typeface="Cambria Math" panose="02040503050406030204" pitchFamily="18" charset="0"/>
-                      </a:rPr>
-                      <m:t>=(</m:t>
-                    </m:r>
-                    <m:r>
-                      <a:rPr lang="en-US" sz="2000" i="1" smtClean="0">
-                        <a:latin typeface="Cambria Math" panose="02040503050406030204" pitchFamily="18" charset="0"/>
-                      </a:rPr>
-                      <m:t>𝑉</m:t>
-                    </m:r>
-                    <m:r>
-                      <a:rPr lang="en-US" sz="2000" i="1" smtClean="0">
-                        <a:latin typeface="Cambria Math" panose="02040503050406030204" pitchFamily="18" charset="0"/>
-                      </a:rPr>
-                      <m:t>,</m:t>
-                    </m:r>
-                    <m:r>
-                      <a:rPr lang="en-US" sz="2000" i="1" smtClean="0">
-                        <a:latin typeface="Cambria Math" panose="02040503050406030204" pitchFamily="18" charset="0"/>
-                      </a:rPr>
-                      <m:t>𝐸</m:t>
-                    </m:r>
-                    <m:r>
-                      <a:rPr lang="en-US" sz="2000" b="0" i="0" smtClean="0">
-                        <a:latin typeface="Cambria Math" panose="02040503050406030204" pitchFamily="18" charset="0"/>
-                      </a:rPr>
-                      <m:t>)</m:t>
-                    </m:r>
-                  </m:oMath>
-                </a14:m>
-                <a:r>
-                  <a:rPr lang="en-US" sz="2000" dirty="0">
-                    <a:solidFill>
-                      <a:schemeClr val="accent1"/>
-                    </a:solidFill>
-                  </a:rPr>
-                  <a:t>, vertex </a:t>
+                  <a:t>FPOC</a:t>
+                </a:r>
+                <a:r>
+                  <a:rPr lang="en-US" sz="2000" dirty="0">
+                    <a:solidFill>
+                      <a:schemeClr val="accent1"/>
+                    </a:solidFill>
+                  </a:rPr>
+                  <a:t>, </a:t>
                 </a:r>
                 <a14:m>
                   <m:oMath xmlns:m="http://schemas.openxmlformats.org/officeDocument/2006/math">
@@ -27513,7 +28361,7 @@
                       <a:schemeClr val="accent1"/>
                     </a:solidFill>
                   </a:rPr>
-                  <a:t> is a descendant of vertex </a:t>
+                  <a:t> does not become a descendant of </a:t>
                 </a:r>
                 <a14:m>
                   <m:oMath xmlns:m="http://schemas.openxmlformats.org/officeDocument/2006/math">
@@ -27531,107 +28379,7 @@
                       <a:schemeClr val="accent1"/>
                     </a:solidFill>
                   </a:rPr>
-                  <a:t> if and only if at the time </a:t>
-                </a:r>
-                <a14:m>
-                  <m:oMath xmlns:m="http://schemas.openxmlformats.org/officeDocument/2006/math">
-                    <m:r>
-                      <a:rPr lang="en-US" sz="2000" i="1">
-                        <a:latin typeface="Cambria Math" panose="02040503050406030204" pitchFamily="18" charset="0"/>
-                      </a:rPr>
-                      <m:t>𝑢</m:t>
-                    </m:r>
-                    <m:r>
-                      <a:rPr lang="en-US" sz="2000" i="1">
-                        <a:latin typeface="Cambria Math" panose="02040503050406030204" pitchFamily="18" charset="0"/>
-                      </a:rPr>
-                      <m:t>.</m:t>
-                    </m:r>
-                    <m:r>
-                      <a:rPr lang="en-US" sz="2000" i="1">
-                        <a:latin typeface="Cambria Math" panose="02040503050406030204" pitchFamily="18" charset="0"/>
-                      </a:rPr>
-                      <m:t>𝑑</m:t>
-                    </m:r>
-                  </m:oMath>
-                </a14:m>
-                <a:r>
-                  <a:rPr lang="en-US" sz="2000" dirty="0">
-                    <a:solidFill>
-                      <a:schemeClr val="accent1"/>
-                    </a:solidFill>
-                  </a:rPr>
-                  <a:t> that the search discovers </a:t>
-                </a:r>
-                <a14:m>
-                  <m:oMath xmlns:m="http://schemas.openxmlformats.org/officeDocument/2006/math">
-                    <m:r>
-                      <a:rPr lang="en-US" sz="2000" i="1">
-                        <a:latin typeface="Cambria Math" panose="02040503050406030204" pitchFamily="18" charset="0"/>
-                      </a:rPr>
-                      <m:t>𝑢</m:t>
-                    </m:r>
-                  </m:oMath>
-                </a14:m>
-                <a:r>
-                  <a:rPr lang="en-US" sz="2000" dirty="0">
-                    <a:solidFill>
-                      <a:schemeClr val="accent1"/>
-                    </a:solidFill>
-                  </a:rPr>
-                  <a:t>, there is a </a:t>
-                </a:r>
-                <a:r>
-                  <a:rPr lang="en-US" sz="2000" b="1" i="1" dirty="0">
-                    <a:solidFill>
-                      <a:srgbClr val="FF0000"/>
-                    </a:solidFill>
-                  </a:rPr>
-                  <a:t>white path</a:t>
-                </a:r>
-                <a:r>
-                  <a:rPr lang="en-US" sz="2000" dirty="0">
-                    <a:solidFill>
-                      <a:schemeClr val="accent1"/>
-                    </a:solidFill>
-                  </a:rPr>
-                  <a:t> from </a:t>
-                </a:r>
-                <a14:m>
-                  <m:oMath xmlns:m="http://schemas.openxmlformats.org/officeDocument/2006/math">
-                    <m:r>
-                      <a:rPr lang="en-US" sz="2000" i="1">
-                        <a:latin typeface="Cambria Math" panose="02040503050406030204" pitchFamily="18" charset="0"/>
-                      </a:rPr>
-                      <m:t>𝑢</m:t>
-                    </m:r>
-                  </m:oMath>
-                </a14:m>
-                <a:r>
-                  <a:rPr lang="en-US" sz="2000" dirty="0">
-                    <a:solidFill>
-                      <a:schemeClr val="accent1"/>
-                    </a:solidFill>
-                  </a:rPr>
-                  <a:t> to </a:t>
-                </a:r>
-                <a14:m>
-                  <m:oMath xmlns:m="http://schemas.openxmlformats.org/officeDocument/2006/math">
-                    <m:r>
-                      <a:rPr lang="en-US" sz="2000" i="1">
-                        <a:latin typeface="Cambria Math" panose="02040503050406030204" pitchFamily="18" charset="0"/>
-                      </a:rPr>
-                      <m:t>𝑣</m:t>
-                    </m:r>
-                  </m:oMath>
-                </a14:m>
-                <a:r>
-                  <a:rPr lang="en-US" sz="2000" dirty="0">
-                    <a:solidFill>
-                      <a:schemeClr val="accent1"/>
-                    </a:solidFill>
-                  </a:rPr>
-                  <a:t> consisting entirely of white vertices.</a:t>
+                  <a:t> in the resulting DFS tree.</a:t>
                 </a:r>
               </a:p>
               <a:p>
@@ -27649,47 +28397,88 @@
                   <a:buNone/>
                 </a:pPr>
                 <a:r>
-                  <a:rPr lang="en-US" sz="2000" b="1" i="1" u="sng" dirty="0">
-                    <a:solidFill>
-                      <a:srgbClr val="FF0000"/>
-                    </a:solidFill>
-                  </a:rPr>
-                  <a:t>Proof</a:t>
-                </a:r>
-                <a:r>
-                  <a:rPr lang="en-US" sz="2000" b="1" i="1" dirty="0">
-                    <a:solidFill>
-                      <a:srgbClr val="FF0000"/>
-                    </a:solidFill>
-                  </a:rPr>
-                  <a:t>: </a:t>
+                  <a:rPr lang="en-US" sz="2000" dirty="0">
+                    <a:solidFill>
+                      <a:schemeClr val="accent1"/>
+                    </a:solidFill>
+                  </a:rPr>
+                  <a:t>Assume wlog that the other vertices than </a:t>
+                </a:r>
+                <a14:m>
+                  <m:oMath xmlns:m="http://schemas.openxmlformats.org/officeDocument/2006/math">
+                    <m:r>
+                      <a:rPr lang="en-US" sz="2000" i="1">
+                        <a:latin typeface="Cambria Math" panose="02040503050406030204" pitchFamily="18" charset="0"/>
+                      </a:rPr>
+                      <m:t>𝑣</m:t>
+                    </m:r>
+                  </m:oMath>
+                </a14:m>
+                <a:r>
+                  <a:rPr lang="en-US" sz="2000" dirty="0">
+                    <a:solidFill>
+                      <a:schemeClr val="accent1"/>
+                    </a:solidFill>
+                  </a:rPr>
+                  <a:t> along the path become a descendant of</a:t>
+                </a:r>
+                <a14:m>
+                  <m:oMath xmlns:m="http://schemas.openxmlformats.org/officeDocument/2006/math">
+                    <m:r>
+                      <a:rPr lang="en-US" sz="2000" b="0" i="0" smtClean="0">
+                        <a:latin typeface="Cambria Math" panose="02040503050406030204" pitchFamily="18" charset="0"/>
+                      </a:rPr>
+                      <m:t> </m:t>
+                    </m:r>
+                    <m:r>
+                      <a:rPr lang="en-US" sz="2000" i="1">
+                        <a:latin typeface="Cambria Math" panose="02040503050406030204" pitchFamily="18" charset="0"/>
+                      </a:rPr>
+                      <m:t>𝑢</m:t>
+                    </m:r>
+                  </m:oMath>
+                </a14:m>
+                <a:r>
+                  <a:rPr lang="en-US" sz="2000" dirty="0">
+                    <a:solidFill>
+                      <a:schemeClr val="accent1"/>
+                    </a:solidFill>
+                  </a:rPr>
+                  <a:t>.</a:t>
                 </a:r>
               </a:p>
               <a:p>
                 <a:pPr marL="0" indent="0">
                   <a:buNone/>
                 </a:pPr>
-                <a14:m>
-                  <m:oMath xmlns:m="http://schemas.openxmlformats.org/officeDocument/2006/math">
-                    <m:r>
-                      <a:rPr lang="en-US" sz="2000" b="1" i="1" smtClean="0">
-                        <a:solidFill>
-                          <a:schemeClr val="tx2"/>
-                        </a:solidFill>
-                        <a:latin typeface="Cambria Math" panose="02040503050406030204" pitchFamily="18" charset="0"/>
-                        <a:ea typeface="Cambria Math" panose="02040503050406030204" pitchFamily="18" charset="0"/>
-                      </a:rPr>
-                      <m:t>⇒</m:t>
-                    </m:r>
-                  </m:oMath>
-                </a14:m>
-                <a:r>
-                  <a:rPr lang="en-US" sz="2000" dirty="0">
-                    <a:solidFill>
-                      <a:schemeClr val="accent1"/>
-                    </a:solidFill>
-                  </a:rPr>
-                  <a:t>: If </a:t>
+                <a:r>
+                  <a:rPr lang="en-US" sz="2000" dirty="0">
+                    <a:solidFill>
+                      <a:schemeClr val="accent1"/>
+                    </a:solidFill>
+                  </a:rPr>
+                  <a:t>Let vertex </a:t>
+                </a:r>
+                <a14:m>
+                  <m:oMath xmlns:m="http://schemas.openxmlformats.org/officeDocument/2006/math">
+                    <m:r>
+                      <a:rPr lang="en-US" sz="2000" b="0" i="1" smtClean="0">
+                        <a:solidFill>
+                          <a:schemeClr val="tx1"/>
+                        </a:solidFill>
+                        <a:latin typeface="Cambria Math" panose="02040503050406030204" pitchFamily="18" charset="0"/>
+                      </a:rPr>
+                      <m:t>𝑤</m:t>
+                    </m:r>
+                  </m:oMath>
+                </a14:m>
+                <a:r>
+                  <a:rPr lang="en-US" sz="2000" dirty="0">
+                    <a:solidFill>
+                      <a:schemeClr val="accent1"/>
+                    </a:solidFill>
+                  </a:rPr>
+                  <a:t> be a predecessor of </a:t>
                 </a:r>
                 <a14:m>
                   <m:oMath xmlns:m="http://schemas.openxmlformats.org/officeDocument/2006/math">
@@ -27697,29 +28486,53 @@
                       <a:rPr lang="en-US" sz="2000" i="1">
                         <a:latin typeface="Cambria Math" panose="02040503050406030204" pitchFamily="18" charset="0"/>
                       </a:rPr>
+                      <m:t>𝑣</m:t>
+                    </m:r>
+                  </m:oMath>
+                </a14:m>
+                <a:r>
+                  <a:rPr lang="en-US" sz="2000" dirty="0">
+                    <a:solidFill>
+                      <a:schemeClr val="accent1"/>
+                    </a:solidFill>
+                  </a:rPr>
+                  <a:t> on that path so </a:t>
+                </a:r>
+                <a14:m>
+                  <m:oMath xmlns:m="http://schemas.openxmlformats.org/officeDocument/2006/math">
+                    <m:r>
+                      <a:rPr lang="en-US" sz="2000" i="1">
+                        <a:latin typeface="Cambria Math" panose="02040503050406030204" pitchFamily="18" charset="0"/>
+                      </a:rPr>
+                      <m:t>𝑤</m:t>
+                    </m:r>
+                  </m:oMath>
+                </a14:m>
+                <a:r>
+                  <a:rPr lang="en-US" sz="2000" dirty="0">
+                    <a:solidFill>
+                      <a:schemeClr val="accent1"/>
+                    </a:solidFill>
+                  </a:rPr>
+                  <a:t> is a descendant of </a:t>
+                </a:r>
+                <a14:m>
+                  <m:oMath xmlns:m="http://schemas.openxmlformats.org/officeDocument/2006/math">
+                    <m:r>
+                      <a:rPr lang="en-US" sz="2000" i="1">
+                        <a:latin typeface="Cambria Math" panose="02040503050406030204" pitchFamily="18" charset="0"/>
+                      </a:rPr>
                       <m:t>𝑢</m:t>
                     </m:r>
-                    <m:r>
-                      <a:rPr lang="en-US" sz="2000" b="0" i="1" smtClean="0">
-                        <a:latin typeface="Cambria Math" panose="02040503050406030204" pitchFamily="18" charset="0"/>
-                      </a:rPr>
-                      <m:t>=</m:t>
-                    </m:r>
-                    <m:r>
-                      <a:rPr lang="en-US" sz="2000" b="0" i="1" smtClean="0">
-                        <a:latin typeface="Cambria Math" panose="02040503050406030204" pitchFamily="18" charset="0"/>
-                      </a:rPr>
-                      <m:t>𝑣</m:t>
-                    </m:r>
-                  </m:oMath>
-                </a14:m>
-                <a:r>
-                  <a:rPr lang="en-US" sz="2000" dirty="0">
-                    <a:solidFill>
-                      <a:schemeClr val="accent1"/>
-                    </a:solidFill>
-                  </a:rPr>
-                  <a:t>, then the path from </a:t>
+                  </m:oMath>
+                </a14:m>
+                <a:r>
+                  <a:rPr lang="en-US" sz="2000" dirty="0">
+                    <a:solidFill>
+                      <a:schemeClr val="accent1"/>
+                    </a:solidFill>
+                  </a:rPr>
+                  <a:t> (</a:t>
                 </a:r>
                 <a14:m>
                   <m:oMath xmlns:m="http://schemas.openxmlformats.org/officeDocument/2006/math">
@@ -27737,7 +28550,7 @@
                       <a:schemeClr val="accent1"/>
                     </a:solidFill>
                   </a:rPr>
-                  <a:t> to </a:t>
+                  <a:t> and </a:t>
                 </a:r>
                 <a14:m>
                   <m:oMath xmlns:m="http://schemas.openxmlformats.org/officeDocument/2006/math">
@@ -27745,68 +28558,17 @@
                       <a:rPr lang="en-US" sz="2000" i="1">
                         <a:latin typeface="Cambria Math" panose="02040503050406030204" pitchFamily="18" charset="0"/>
                       </a:rPr>
-                      <m:t>𝑣</m:t>
-                    </m:r>
-                  </m:oMath>
-                </a14:m>
-                <a:r>
-                  <a:rPr lang="en-US" sz="2000" dirty="0">
-                    <a:solidFill>
-                      <a:schemeClr val="accent1"/>
-                    </a:solidFill>
-                  </a:rPr>
-                  <a:t> contains just </a:t>
-                </a:r>
-                <a14:m>
-                  <m:oMath xmlns:m="http://schemas.openxmlformats.org/officeDocument/2006/math">
-                    <m:r>
-                      <a:rPr lang="en-US" sz="2000" b="0" i="1" smtClean="0">
-                        <a:solidFill>
-                          <a:schemeClr val="tx1"/>
-                        </a:solidFill>
-                        <a:latin typeface="Cambria Math" panose="02040503050406030204" pitchFamily="18" charset="0"/>
-                      </a:rPr>
-                      <m:t>𝑢</m:t>
-                    </m:r>
-                  </m:oMath>
-                </a14:m>
-                <a:r>
-                  <a:rPr lang="en-US" sz="2000" dirty="0">
-                    <a:solidFill>
-                      <a:schemeClr val="accent1"/>
-                    </a:solidFill>
-                  </a:rPr>
-                  <a:t>, which is still white when we set the value of </a:t>
-                </a:r>
-                <a14:m>
-                  <m:oMath xmlns:m="http://schemas.openxmlformats.org/officeDocument/2006/math">
-                    <m:r>
-                      <a:rPr lang="en-US" sz="2000" i="1">
-                        <a:latin typeface="Cambria Math" panose="02040503050406030204" pitchFamily="18" charset="0"/>
-                      </a:rPr>
-                      <m:t>𝑢</m:t>
-                    </m:r>
-                    <m:r>
-                      <a:rPr lang="en-US" sz="2000" i="1">
-                        <a:latin typeface="Cambria Math" panose="02040503050406030204" pitchFamily="18" charset="0"/>
-                      </a:rPr>
-                      <m:t>.</m:t>
-                    </m:r>
-                    <m:r>
-                      <a:rPr lang="en-US" sz="2000" i="1">
-                        <a:latin typeface="Cambria Math" panose="02040503050406030204" pitchFamily="18" charset="0"/>
-                      </a:rPr>
-                      <m:t>𝑑</m:t>
-                    </m:r>
-                  </m:oMath>
-                </a14:m>
-                <a:r>
-                  <a:rPr lang="en-US" sz="2000" dirty="0">
-                    <a:solidFill>
-                      <a:schemeClr val="accent1"/>
-                    </a:solidFill>
-                  </a:rPr>
-                  <a:t>.</a:t>
+                      <m:t>𝑤</m:t>
+                    </m:r>
+                  </m:oMath>
+                </a14:m>
+                <a:r>
+                  <a:rPr lang="en-US" sz="2000" dirty="0">
+                    <a:solidFill>
+                      <a:schemeClr val="accent1"/>
+                    </a:solidFill>
+                  </a:rPr>
+                  <a:t> may be the same vertex).</a:t>
                 </a:r>
               </a:p>
               <a:p>
@@ -27819,7 +28581,7 @@
                       <a:schemeClr val="accent1"/>
                     </a:solidFill>
                   </a:rPr>
-                  <a:t>Now suppose </a:t>
+                  <a:t> Then, 		</a:t>
                 </a:r>
                 <a14:m>
                   <m:oMath xmlns:m="http://schemas.openxmlformats.org/officeDocument/2006/math">
@@ -27827,35 +28589,81 @@
                       <a:rPr lang="en-US" sz="2000" i="1">
                         <a:latin typeface="Cambria Math" panose="02040503050406030204" pitchFamily="18" charset="0"/>
                       </a:rPr>
-                      <m:t>𝑣</m:t>
-                    </m:r>
-                  </m:oMath>
-                </a14:m>
-                <a:r>
-                  <a:rPr lang="en-US" sz="2000" dirty="0">
-                    <a:solidFill>
-                      <a:schemeClr val="accent1"/>
-                    </a:solidFill>
-                  </a:rPr>
-                  <a:t> is a proper descendant of </a:t>
-                </a:r>
-                <a14:m>
-                  <m:oMath xmlns:m="http://schemas.openxmlformats.org/officeDocument/2006/math">
-                    <m:r>
-                      <a:rPr lang="en-US" sz="2000" i="1" smtClean="0">
+                      <m:t>𝑤</m:t>
+                    </m:r>
+                    <m:r>
+                      <a:rPr lang="en-US" sz="2000" b="0" i="1" smtClean="0">
+                        <a:latin typeface="Cambria Math" panose="02040503050406030204" pitchFamily="18" charset="0"/>
+                      </a:rPr>
+                      <m:t>.</m:t>
+                    </m:r>
+                    <m:r>
+                      <a:rPr lang="en-US" sz="2000" b="0" i="1" smtClean="0">
+                        <a:latin typeface="Cambria Math" panose="02040503050406030204" pitchFamily="18" charset="0"/>
+                      </a:rPr>
+                      <m:t>𝑓</m:t>
+                    </m:r>
+                    <m:r>
+                      <a:rPr lang="en-US" sz="2000" b="0" i="1" smtClean="0">
+                        <a:solidFill>
+                          <a:schemeClr val="tx1"/>
+                        </a:solidFill>
+                        <a:latin typeface="Cambria Math" panose="02040503050406030204" pitchFamily="18" charset="0"/>
+                      </a:rPr>
+                      <m:t>≤</m:t>
+                    </m:r>
+                    <m:r>
+                      <a:rPr lang="en-US" sz="2000" b="0" i="1" smtClean="0">
+                        <a:solidFill>
+                          <a:schemeClr val="tx1"/>
+                        </a:solidFill>
                         <a:latin typeface="Cambria Math" panose="02040503050406030204" pitchFamily="18" charset="0"/>
                       </a:rPr>
                       <m:t>𝑢</m:t>
                     </m:r>
-                  </m:oMath>
-                </a14:m>
-                <a:r>
-                  <a:rPr lang="en-US" sz="2000" dirty="0">
-                    <a:solidFill>
-                      <a:schemeClr val="accent1"/>
-                    </a:solidFill>
-                  </a:rPr>
-                  <a:t>.</a:t>
+                    <m:r>
+                      <a:rPr lang="en-US" sz="2000" b="0" i="1" smtClean="0">
+                        <a:solidFill>
+                          <a:schemeClr val="tx1"/>
+                        </a:solidFill>
+                        <a:latin typeface="Cambria Math" panose="02040503050406030204" pitchFamily="18" charset="0"/>
+                      </a:rPr>
+                      <m:t>.</m:t>
+                    </m:r>
+                    <m:r>
+                      <a:rPr lang="en-US" sz="2000" b="0" i="1" smtClean="0">
+                        <a:solidFill>
+                          <a:schemeClr val="tx1"/>
+                        </a:solidFill>
+                        <a:latin typeface="Cambria Math" panose="02040503050406030204" pitchFamily="18" charset="0"/>
+                      </a:rPr>
+                      <m:t>𝑓</m:t>
+                    </m:r>
+                  </m:oMath>
+                </a14:m>
+                <a:r>
+                  <a:rPr lang="en-US" sz="2000" dirty="0">
+                    <a:solidFill>
+                      <a:schemeClr val="accent1"/>
+                    </a:solidFill>
+                  </a:rPr>
+                  <a:t>		[</a:t>
+                </a:r>
+                <a:r>
+                  <a:rPr lang="en-US" sz="2000" b="1" i="1" dirty="0">
+                    <a:solidFill>
+                      <a:srgbClr val="FF0000"/>
+                    </a:solidFill>
+                  </a:rPr>
+                  <a:t>Nesting of Descendants’ Intervals </a:t>
+                </a:r>
+                <a:r>
+                  <a:rPr lang="en-US" sz="2000" dirty="0">
+                    <a:solidFill>
+                      <a:schemeClr val="accent1"/>
+                    </a:solidFill>
+                  </a:rPr>
+                  <a:t>]</a:t>
                 </a:r>
               </a:p>
               <a:p>
@@ -27868,15 +28676,25 @@
                       <a:schemeClr val="accent1"/>
                     </a:solidFill>
                   </a:rPr>
-                  <a:t>			</a:t>
-                </a:r>
-                <a:r>
-                  <a:rPr lang="en-US" sz="2000" b="0" dirty="0">
-                    <a:solidFill>
-                      <a:schemeClr val="tx1"/>
-                    </a:solidFill>
-                  </a:rPr>
-                  <a:t> </a:t>
+                  <a:t>Because </a:t>
+                </a:r>
+                <a14:m>
+                  <m:oMath xmlns:m="http://schemas.openxmlformats.org/officeDocument/2006/math">
+                    <m:r>
+                      <a:rPr lang="en-US" sz="2000" i="1" smtClean="0">
+                        <a:latin typeface="Cambria Math" panose="02040503050406030204" pitchFamily="18" charset="0"/>
+                      </a:rPr>
+                      <m:t>𝑣</m:t>
+                    </m:r>
+                  </m:oMath>
+                </a14:m>
+                <a:r>
+                  <a:rPr lang="en-US" sz="2000" dirty="0">
+                    <a:solidFill>
+                      <a:schemeClr val="accent1"/>
+                    </a:solidFill>
+                  </a:rPr>
+                  <a:t> must be discovered after </a:t>
                 </a:r>
                 <a14:m>
                   <m:oMath xmlns:m="http://schemas.openxmlformats.org/officeDocument/2006/math">
@@ -27889,85 +28707,33 @@
                       </a:rPr>
                       <m:t>𝑢</m:t>
                     </m:r>
-                    <m:r>
-                      <a:rPr lang="en-US" sz="2000" b="0" i="1" smtClean="0">
-                        <a:solidFill>
-                          <a:schemeClr val="tx1"/>
-                        </a:solidFill>
-                        <a:latin typeface="Cambria Math" panose="02040503050406030204" pitchFamily="18" charset="0"/>
-                      </a:rPr>
-                      <m:t>.</m:t>
-                    </m:r>
-                    <m:r>
-                      <a:rPr lang="en-US" sz="2000" b="0" i="1" smtClean="0">
-                        <a:solidFill>
-                          <a:schemeClr val="tx1"/>
-                        </a:solidFill>
-                        <a:latin typeface="Cambria Math" panose="02040503050406030204" pitchFamily="18" charset="0"/>
-                      </a:rPr>
-                      <m:t>𝑑</m:t>
-                    </m:r>
-                    <m:r>
-                      <a:rPr lang="en-US" sz="2000" b="0" i="1" smtClean="0">
-                        <a:solidFill>
-                          <a:schemeClr val="tx1"/>
-                        </a:solidFill>
-                        <a:latin typeface="Cambria Math" panose="02040503050406030204" pitchFamily="18" charset="0"/>
-                      </a:rPr>
-                      <m:t>&lt;</m:t>
-                    </m:r>
-                    <m:r>
-                      <a:rPr lang="en-US" sz="2000" b="0" i="1" smtClean="0">
-                        <a:solidFill>
-                          <a:schemeClr val="tx1"/>
-                        </a:solidFill>
-                        <a:latin typeface="Cambria Math" panose="02040503050406030204" pitchFamily="18" charset="0"/>
-                      </a:rPr>
-                      <m:t>𝑣</m:t>
-                    </m:r>
-                    <m:r>
-                      <a:rPr lang="en-US" sz="2000" b="0" i="1" smtClean="0">
-                        <a:solidFill>
-                          <a:schemeClr val="tx1"/>
-                        </a:solidFill>
-                        <a:latin typeface="Cambria Math" panose="02040503050406030204" pitchFamily="18" charset="0"/>
-                      </a:rPr>
-                      <m:t>.</m:t>
-                    </m:r>
-                    <m:r>
-                      <a:rPr lang="en-US" sz="2000" b="0" i="1" smtClean="0">
-                        <a:solidFill>
-                          <a:schemeClr val="tx1"/>
-                        </a:solidFill>
-                        <a:latin typeface="Cambria Math" panose="02040503050406030204" pitchFamily="18" charset="0"/>
-                      </a:rPr>
-                      <m:t>𝑑</m:t>
-                    </m:r>
-                  </m:oMath>
-                </a14:m>
-                <a:r>
-                  <a:rPr lang="en-US" sz="2000" dirty="0">
-                    <a:solidFill>
-                      <a:schemeClr val="accent1"/>
-                    </a:solidFill>
-                  </a:rPr>
-                  <a:t>                  	   [</a:t>
-                </a:r>
-                <a:r>
-                  <a:rPr lang="en-US" sz="2000" b="1" i="1" u="sng" dirty="0">
-                    <a:solidFill>
-                      <a:srgbClr val="FF0000"/>
-                    </a:solidFill>
-                  </a:rPr>
-                  <a:t>Nesting of Descendants’ Intervals</a:t>
-                </a:r>
-                <a:r>
-                  <a:rPr lang="en-US" sz="2000" dirty="0">
-                    <a:solidFill>
-                      <a:schemeClr val="accent1"/>
-                    </a:solidFill>
-                  </a:rPr>
-                  <a:t>]</a:t>
+                  </m:oMath>
+                </a14:m>
+                <a:r>
+                  <a:rPr lang="en-US" sz="2000" dirty="0">
+                    <a:solidFill>
+                      <a:schemeClr val="accent1"/>
+                    </a:solidFill>
+                  </a:rPr>
+                  <a:t> is discovered, but before </a:t>
+                </a:r>
+                <a14:m>
+                  <m:oMath xmlns:m="http://schemas.openxmlformats.org/officeDocument/2006/math">
+                    <m:r>
+                      <a:rPr lang="en-US" sz="2000" i="1">
+                        <a:latin typeface="Cambria Math" panose="02040503050406030204" pitchFamily="18" charset="0"/>
+                      </a:rPr>
+                      <m:t>𝑤</m:t>
+                    </m:r>
+                  </m:oMath>
+                </a14:m>
+                <a:r>
+                  <a:rPr lang="en-US" sz="2000" dirty="0">
+                    <a:solidFill>
+                      <a:schemeClr val="accent1"/>
+                    </a:solidFill>
+                  </a:rPr>
+                  <a:t> is finished, we have</a:t>
                 </a:r>
               </a:p>
               <a:p>
@@ -27975,195 +28741,371 @@
                   <a:buNone/>
                 </a:pPr>
                 <a:r>
-                  <a:rPr lang="en-US" sz="2000" dirty="0">
-                    <a:solidFill>
-                      <a:schemeClr val="accent1"/>
-                    </a:solidFill>
-                  </a:rPr>
-                  <a:t>Then, </a:t>
+                  <a:rPr lang="en-US" sz="2000" b="0" i="1" dirty="0"/>
+                  <a:t>		u</a:t>
                 </a:r>
                 <a14:m>
                   <m:oMath xmlns:m="http://schemas.openxmlformats.org/officeDocument/2006/math">
                     <m:r>
                       <a:rPr lang="en-US" sz="2000" b="0" i="1" smtClean="0">
+                        <a:latin typeface="Cambria Math" panose="02040503050406030204" pitchFamily="18" charset="0"/>
+                      </a:rPr>
+                      <m:t>.</m:t>
+                    </m:r>
+                    <m:r>
+                      <a:rPr lang="en-US" sz="2000" b="0" i="1" smtClean="0">
+                        <a:latin typeface="Cambria Math" panose="02040503050406030204" pitchFamily="18" charset="0"/>
+                      </a:rPr>
+                      <m:t>𝑑</m:t>
+                    </m:r>
+                    <m:r>
+                      <a:rPr lang="en-US" sz="2000" b="0" i="1" smtClean="0">
+                        <a:latin typeface="Cambria Math" panose="02040503050406030204" pitchFamily="18" charset="0"/>
+                      </a:rPr>
+                      <m:t>&lt;</m:t>
+                    </m:r>
+                    <m:r>
+                      <a:rPr lang="en-US" sz="2000" b="0" i="1" smtClean="0">
+                        <a:latin typeface="Cambria Math" panose="02040503050406030204" pitchFamily="18" charset="0"/>
+                      </a:rPr>
+                      <m:t>𝑣</m:t>
+                    </m:r>
+                    <m:r>
+                      <a:rPr lang="en-US" sz="2000" b="0" i="1" smtClean="0">
                         <a:solidFill>
                           <a:schemeClr val="tx1"/>
                         </a:solidFill>
                         <a:latin typeface="Cambria Math" panose="02040503050406030204" pitchFamily="18" charset="0"/>
                       </a:rPr>
-                      <m:t>𝑣</m:t>
-                    </m:r>
-                  </m:oMath>
-                </a14:m>
-                <a:r>
-                  <a:rPr lang="en-US" sz="2000" dirty="0">
-                    <a:solidFill>
-                      <a:schemeClr val="accent1"/>
-                    </a:solidFill>
-                  </a:rPr>
-                  <a:t> is white at time </a:t>
-                </a:r>
-                <a14:m>
-                  <m:oMath xmlns:m="http://schemas.openxmlformats.org/officeDocument/2006/math">
-                    <m:r>
-                      <a:rPr lang="en-US" sz="2000" i="1">
+                      <m:t>.</m:t>
+                    </m:r>
+                    <m:r>
+                      <a:rPr lang="en-US" sz="2000" b="0" i="1" smtClean="0">
+                        <a:solidFill>
+                          <a:schemeClr val="tx1"/>
+                        </a:solidFill>
+                        <a:latin typeface="Cambria Math" panose="02040503050406030204" pitchFamily="18" charset="0"/>
+                      </a:rPr>
+                      <m:t>𝑑</m:t>
+                    </m:r>
+                    <m:r>
+                      <a:rPr lang="en-US" sz="2000" b="0" i="1" smtClean="0">
+                        <a:solidFill>
+                          <a:schemeClr val="tx1"/>
+                        </a:solidFill>
+                        <a:latin typeface="Cambria Math" panose="02040503050406030204" pitchFamily="18" charset="0"/>
+                      </a:rPr>
+                      <m:t>&lt;</m:t>
+                    </m:r>
+                    <m:r>
+                      <a:rPr lang="en-US" sz="2000" b="0" i="1" smtClean="0">
+                        <a:solidFill>
+                          <a:schemeClr val="tx1"/>
+                        </a:solidFill>
+                        <a:latin typeface="Cambria Math" panose="02040503050406030204" pitchFamily="18" charset="0"/>
+                      </a:rPr>
+                      <m:t>𝑤</m:t>
+                    </m:r>
+                    <m:r>
+                      <a:rPr lang="en-US" sz="2000" b="0" i="1" smtClean="0">
+                        <a:solidFill>
+                          <a:schemeClr val="tx1"/>
+                        </a:solidFill>
+                        <a:latin typeface="Cambria Math" panose="02040503050406030204" pitchFamily="18" charset="0"/>
+                      </a:rPr>
+                      <m:t>.</m:t>
+                    </m:r>
+                    <m:r>
+                      <a:rPr lang="en-US" sz="2000" b="0" i="1" smtClean="0">
+                        <a:solidFill>
+                          <a:schemeClr val="tx1"/>
+                        </a:solidFill>
+                        <a:latin typeface="Cambria Math" panose="02040503050406030204" pitchFamily="18" charset="0"/>
+                      </a:rPr>
+                      <m:t>𝑓</m:t>
+                    </m:r>
+                    <m:r>
+                      <a:rPr lang="en-US" sz="2000" b="0" i="1" smtClean="0">
+                        <a:solidFill>
+                          <a:schemeClr val="tx1"/>
+                        </a:solidFill>
+                        <a:latin typeface="Cambria Math" panose="02040503050406030204" pitchFamily="18" charset="0"/>
+                      </a:rPr>
+                      <m:t>≤</m:t>
+                    </m:r>
+                    <m:r>
+                      <a:rPr lang="en-US" sz="2000" b="0" i="1" smtClean="0">
+                        <a:solidFill>
+                          <a:schemeClr val="tx1"/>
+                        </a:solidFill>
                         <a:latin typeface="Cambria Math" panose="02040503050406030204" pitchFamily="18" charset="0"/>
                       </a:rPr>
                       <m:t>𝑢</m:t>
                     </m:r>
                     <m:r>
-                      <a:rPr lang="en-US" sz="2000" i="1">
+                      <a:rPr lang="en-US" sz="2000" b="0" i="1" smtClean="0">
+                        <a:solidFill>
+                          <a:schemeClr val="tx1"/>
+                        </a:solidFill>
                         <a:latin typeface="Cambria Math" panose="02040503050406030204" pitchFamily="18" charset="0"/>
                       </a:rPr>
                       <m:t>.</m:t>
                     </m:r>
                     <m:r>
-                      <a:rPr lang="en-US" sz="2000" i="1">
-                        <a:latin typeface="Cambria Math" panose="02040503050406030204" pitchFamily="18" charset="0"/>
-                      </a:rPr>
-                      <m:t>𝑑</m:t>
-                    </m:r>
-                  </m:oMath>
-                </a14:m>
-                <a:r>
-                  <a:rPr lang="en-US" sz="2000" dirty="0">
-                    <a:solidFill>
-                      <a:schemeClr val="accent1"/>
-                    </a:solidFill>
-                  </a:rPr>
-                  <a:t>.</a:t>
-                </a:r>
+                      <a:rPr lang="en-US" sz="2000" b="0" i="1" smtClean="0">
+                        <a:solidFill>
+                          <a:schemeClr val="tx1"/>
+                        </a:solidFill>
+                        <a:latin typeface="Cambria Math" panose="02040503050406030204" pitchFamily="18" charset="0"/>
+                      </a:rPr>
+                      <m:t>𝑓</m:t>
+                    </m:r>
+                  </m:oMath>
+                </a14:m>
+                <a:endParaRPr lang="en-US" sz="2000" dirty="0">
+                  <a:solidFill>
+                    <a:schemeClr val="accent1"/>
+                  </a:solidFill>
+                </a:endParaRPr>
               </a:p>
               <a:p>
                 <a:pPr marL="0" indent="0">
                   <a:buNone/>
                 </a:pPr>
                 <a:r>
-                  <a:rPr lang="en-US" sz="2000" b="0" dirty="0">
-                    <a:solidFill>
-                      <a:schemeClr val="accent1"/>
-                    </a:solidFill>
-                  </a:rPr>
-                  <a:t>Since</a:t>
-                </a:r>
-                <a:r>
-                  <a:rPr lang="en-US" sz="2000" b="0" dirty="0">
-                    <a:solidFill>
-                      <a:schemeClr val="tx1"/>
-                    </a:solidFill>
+                  <a:rPr lang="en-US" sz="2000" b="1" i="1" dirty="0">
+                    <a:solidFill>
+                      <a:srgbClr val="FF0000"/>
+                    </a:solidFill>
+                  </a:rPr>
+                  <a:t>Parenthesis Theorem </a:t>
+                </a:r>
+                <a:r>
+                  <a:rPr lang="en-US" sz="2000" dirty="0">
+                    <a:solidFill>
+                      <a:schemeClr val="accent1"/>
+                    </a:solidFill>
+                  </a:rPr>
+                  <a:t>implies that the interval </a:t>
+                </a:r>
+                <a14:m>
+                  <m:oMath xmlns:m="http://schemas.openxmlformats.org/officeDocument/2006/math">
+                    <m:r>
+                      <a:rPr lang="en-US" sz="2000" i="1" smtClean="0">
+                        <a:latin typeface="Cambria Math" panose="02040503050406030204" pitchFamily="18" charset="0"/>
+                      </a:rPr>
+                      <m:t>[</m:t>
+                    </m:r>
+                    <m:r>
+                      <a:rPr lang="en-US" sz="2000" b="0" i="1" smtClean="0">
+                        <a:latin typeface="Cambria Math" panose="02040503050406030204" pitchFamily="18" charset="0"/>
+                      </a:rPr>
+                      <m:t>𝑣</m:t>
+                    </m:r>
+                    <m:r>
+                      <a:rPr lang="en-US" sz="2000" i="1">
+                        <a:latin typeface="Cambria Math" panose="02040503050406030204" pitchFamily="18" charset="0"/>
+                      </a:rPr>
+                      <m:t>.</m:t>
+                    </m:r>
+                    <m:r>
+                      <a:rPr lang="en-US" sz="2000" i="1">
+                        <a:latin typeface="Cambria Math" panose="02040503050406030204" pitchFamily="18" charset="0"/>
+                      </a:rPr>
+                      <m:t>𝑑</m:t>
+                    </m:r>
+                    <m:r>
+                      <a:rPr lang="en-US" sz="2000" i="1">
+                        <a:latin typeface="Cambria Math" panose="02040503050406030204" pitchFamily="18" charset="0"/>
+                      </a:rPr>
+                      <m:t>,</m:t>
+                    </m:r>
+                    <m:r>
+                      <a:rPr lang="en-US" sz="2000" b="0" i="1" smtClean="0">
+                        <a:latin typeface="Cambria Math" panose="02040503050406030204" pitchFamily="18" charset="0"/>
+                      </a:rPr>
+                      <m:t>𝑣</m:t>
+                    </m:r>
+                    <m:r>
+                      <a:rPr lang="en-US" sz="2000" i="1">
+                        <a:latin typeface="Cambria Math" panose="02040503050406030204" pitchFamily="18" charset="0"/>
+                      </a:rPr>
+                      <m:t>.</m:t>
+                    </m:r>
+                    <m:r>
+                      <a:rPr lang="en-US" sz="2000" i="1">
+                        <a:latin typeface="Cambria Math" panose="02040503050406030204" pitchFamily="18" charset="0"/>
+                      </a:rPr>
+                      <m:t>𝑓</m:t>
+                    </m:r>
+                    <m:r>
+                      <a:rPr lang="en-US" sz="2000" i="1">
+                        <a:latin typeface="Cambria Math" panose="02040503050406030204" pitchFamily="18" charset="0"/>
+                      </a:rPr>
+                      <m:t>]</m:t>
+                    </m:r>
+                  </m:oMath>
+                </a14:m>
+                <a:r>
+                  <a:rPr lang="en-US" sz="2000" dirty="0">
+                    <a:solidFill>
+                      <a:schemeClr val="accent1"/>
+                    </a:solidFill>
+                  </a:rPr>
+                  <a:t> is entirely contained within </a:t>
+                </a:r>
+                <a14:m>
+                  <m:oMath xmlns:m="http://schemas.openxmlformats.org/officeDocument/2006/math">
+                    <m:r>
+                      <a:rPr lang="en-US" sz="2000" i="1">
+                        <a:latin typeface="Cambria Math" panose="02040503050406030204" pitchFamily="18" charset="0"/>
+                      </a:rPr>
+                      <m:t>[</m:t>
+                    </m:r>
+                    <m:r>
+                      <a:rPr lang="en-US" sz="2000" b="0" i="1" smtClean="0">
+                        <a:latin typeface="Cambria Math" panose="02040503050406030204" pitchFamily="18" charset="0"/>
+                      </a:rPr>
+                      <m:t>𝑢</m:t>
+                    </m:r>
+                    <m:r>
+                      <a:rPr lang="en-US" sz="2000" i="1">
+                        <a:latin typeface="Cambria Math" panose="02040503050406030204" pitchFamily="18" charset="0"/>
+                      </a:rPr>
+                      <m:t>.</m:t>
+                    </m:r>
+                    <m:r>
+                      <a:rPr lang="en-US" sz="2000" i="1">
+                        <a:latin typeface="Cambria Math" panose="02040503050406030204" pitchFamily="18" charset="0"/>
+                      </a:rPr>
+                      <m:t>𝑑</m:t>
+                    </m:r>
+                    <m:r>
+                      <a:rPr lang="en-US" sz="2000" i="1">
+                        <a:latin typeface="Cambria Math" panose="02040503050406030204" pitchFamily="18" charset="0"/>
+                      </a:rPr>
+                      <m:t>,</m:t>
+                    </m:r>
+                    <m:r>
+                      <a:rPr lang="en-US" sz="2000" b="0" i="1" smtClean="0">
+                        <a:latin typeface="Cambria Math" panose="02040503050406030204" pitchFamily="18" charset="0"/>
+                      </a:rPr>
+                      <m:t>𝑢</m:t>
+                    </m:r>
+                    <m:r>
+                      <a:rPr lang="en-US" sz="2000" i="1">
+                        <a:latin typeface="Cambria Math" panose="02040503050406030204" pitchFamily="18" charset="0"/>
+                      </a:rPr>
+                      <m:t>.</m:t>
+                    </m:r>
+                    <m:r>
+                      <a:rPr lang="en-US" sz="2000" i="1">
+                        <a:latin typeface="Cambria Math" panose="02040503050406030204" pitchFamily="18" charset="0"/>
+                      </a:rPr>
+                      <m:t>𝑓</m:t>
+                    </m:r>
+                    <m:r>
+                      <a:rPr lang="en-US" sz="2000" i="1">
+                        <a:latin typeface="Cambria Math" panose="02040503050406030204" pitchFamily="18" charset="0"/>
+                      </a:rPr>
+                      <m:t>]</m:t>
+                    </m:r>
+                  </m:oMath>
+                </a14:m>
+                <a:r>
+                  <a:rPr lang="en-US" sz="2000" dirty="0">
+                    <a:solidFill>
+                      <a:schemeClr val="accent1"/>
+                    </a:solidFill>
+                  </a:rPr>
+                  <a:t>.</a:t>
+                </a:r>
+              </a:p>
+              <a:p>
+                <a:pPr marL="0" indent="0">
+                  <a:buNone/>
+                </a:pPr>
+                <a:r>
+                  <a:rPr lang="en-US" sz="2000" dirty="0">
+                    <a:solidFill>
+                      <a:schemeClr val="accent1"/>
+                    </a:solidFill>
+                  </a:rPr>
+                  <a:t>Hence, </a:t>
+                </a:r>
+                <a14:m>
+                  <m:oMath xmlns:m="http://schemas.openxmlformats.org/officeDocument/2006/math">
+                    <m:r>
+                      <a:rPr lang="en-US" sz="2000" i="1" smtClean="0">
+                        <a:latin typeface="Cambria Math" panose="02040503050406030204" pitchFamily="18" charset="0"/>
+                      </a:rPr>
+                      <m:t>𝑣</m:t>
+                    </m:r>
+                  </m:oMath>
+                </a14:m>
+                <a:r>
+                  <a:rPr lang="en-US" sz="2000" dirty="0">
+                    <a:solidFill>
+                      <a:schemeClr val="accent1"/>
+                    </a:solidFill>
+                  </a:rPr>
+                  <a:t> is a descendant of </a:t>
+                </a:r>
+                <a:r>
+                  <a:rPr lang="en-US" sz="2000" i="1" dirty="0"/>
+                  <a:t>u </a:t>
+                </a:r>
+                <a:r>
+                  <a:rPr lang="en-US" sz="2000" dirty="0">
+                    <a:solidFill>
+                      <a:schemeClr val="accent1"/>
+                    </a:solidFill>
+                  </a:rPr>
+                  <a:t>after all by </a:t>
+                </a:r>
+                <a:r>
+                  <a:rPr lang="en-US" sz="2000" b="1" i="1" dirty="0">
+                    <a:solidFill>
+                      <a:srgbClr val="FF0000"/>
+                    </a:solidFill>
+                  </a:rPr>
+                  <a:t>Nesting of Descendants’ Intervals</a:t>
+                </a:r>
+                <a:r>
+                  <a:rPr lang="en-US" sz="2000" dirty="0">
+                    <a:solidFill>
+                      <a:schemeClr val="accent1"/>
+                    </a:solidFill>
+                  </a:rPr>
+                  <a:t>.</a:t>
+                </a:r>
+                <a:r>
+                  <a:rPr lang="en-US" sz="2000" dirty="0">
+                    <a:ea typeface="Cambria Math" panose="02040503050406030204" pitchFamily="18" charset="0"/>
                   </a:rPr>
                   <a:t> </a:t>
                 </a:r>
                 <a14:m>
                   <m:oMath xmlns:m="http://schemas.openxmlformats.org/officeDocument/2006/math">
                     <m:r>
-                      <a:rPr lang="en-US" sz="2000" b="0" i="1" smtClean="0">
-                        <a:solidFill>
-                          <a:schemeClr val="tx1"/>
-                        </a:solidFill>
-                        <a:latin typeface="Cambria Math" panose="02040503050406030204" pitchFamily="18" charset="0"/>
-                      </a:rPr>
-                      <m:t>𝑣</m:t>
-                    </m:r>
-                  </m:oMath>
-                </a14:m>
-                <a:r>
-                  <a:rPr lang="en-US" sz="2000" dirty="0">
-                    <a:solidFill>
-                      <a:schemeClr val="accent1"/>
-                    </a:solidFill>
-                  </a:rPr>
-                  <a:t> can be any descendant of </a:t>
-                </a:r>
-                <a14:m>
-                  <m:oMath xmlns:m="http://schemas.openxmlformats.org/officeDocument/2006/math">
-                    <m:r>
-                      <a:rPr lang="en-US" sz="2000" i="1">
-                        <a:latin typeface="Cambria Math" panose="02040503050406030204" pitchFamily="18" charset="0"/>
-                      </a:rPr>
-                      <m:t>𝑢</m:t>
-                    </m:r>
-                  </m:oMath>
-                </a14:m>
-                <a:r>
-                  <a:rPr lang="en-US" sz="2000" dirty="0">
-                    <a:solidFill>
-                      <a:schemeClr val="accent1"/>
-                    </a:solidFill>
-                  </a:rPr>
-                  <a:t>, all vertices on the unique path from </a:t>
-                </a:r>
-                <a14:m>
-                  <m:oMath xmlns:m="http://schemas.openxmlformats.org/officeDocument/2006/math">
-                    <m:r>
-                      <a:rPr lang="en-US" sz="2000" i="1">
-                        <a:latin typeface="Cambria Math" panose="02040503050406030204" pitchFamily="18" charset="0"/>
-                      </a:rPr>
-                      <m:t>𝑢</m:t>
-                    </m:r>
-                  </m:oMath>
-                </a14:m>
-                <a:r>
-                  <a:rPr lang="en-US" sz="2000" dirty="0">
-                    <a:solidFill>
-                      <a:schemeClr val="accent1"/>
-                    </a:solidFill>
-                  </a:rPr>
-                  <a:t> to </a:t>
-                </a:r>
-                <a14:m>
-                  <m:oMath xmlns:m="http://schemas.openxmlformats.org/officeDocument/2006/math">
-                    <m:r>
-                      <a:rPr lang="en-US" sz="2000" i="1">
-                        <a:latin typeface="Cambria Math" panose="02040503050406030204" pitchFamily="18" charset="0"/>
-                      </a:rPr>
-                      <m:t>𝑣</m:t>
-                    </m:r>
-                  </m:oMath>
-                </a14:m>
-                <a:r>
-                  <a:rPr lang="en-US" sz="2000" dirty="0">
-                    <a:solidFill>
-                      <a:schemeClr val="accent1"/>
-                    </a:solidFill>
-                  </a:rPr>
-                  <a:t> are white at time </a:t>
-                </a:r>
-                <a14:m>
-                  <m:oMath xmlns:m="http://schemas.openxmlformats.org/officeDocument/2006/math">
-                    <m:r>
-                      <a:rPr lang="en-US" sz="2000" i="1">
-                        <a:latin typeface="Cambria Math" panose="02040503050406030204" pitchFamily="18" charset="0"/>
-                      </a:rPr>
-                      <m:t>𝑢</m:t>
-                    </m:r>
-                    <m:r>
-                      <a:rPr lang="en-US" sz="2000" i="1">
-                        <a:latin typeface="Cambria Math" panose="02040503050406030204" pitchFamily="18" charset="0"/>
-                      </a:rPr>
-                      <m:t>.</m:t>
-                    </m:r>
-                    <m:r>
-                      <a:rPr lang="en-US" sz="2000" i="1">
-                        <a:latin typeface="Cambria Math" panose="02040503050406030204" pitchFamily="18" charset="0"/>
-                      </a:rPr>
-                      <m:t>𝑑</m:t>
-                    </m:r>
-                  </m:oMath>
-                </a14:m>
-                <a:r>
-                  <a:rPr lang="en-US" sz="2000" dirty="0">
-                    <a:solidFill>
-                      <a:schemeClr val="accent1"/>
-                    </a:solidFill>
-                  </a:rPr>
-                  <a:t>.</a:t>
-                </a:r>
+                      <a:rPr lang="en-US" sz="2000" i="1" dirty="0">
+                        <a:latin typeface="Cambria Math" panose="02040503050406030204" pitchFamily="18" charset="0"/>
+                        <a:ea typeface="Cambria Math" panose="02040503050406030204" pitchFamily="18" charset="0"/>
+                      </a:rPr>
+                      <m:t>∎</m:t>
+                    </m:r>
+                  </m:oMath>
+                </a14:m>
+                <a:endParaRPr lang="en-US" sz="2000" dirty="0">
+                  <a:solidFill>
+                    <a:schemeClr val="accent1"/>
+                  </a:solidFill>
+                </a:endParaRPr>
               </a:p>
             </p:txBody>
           </p:sp>
         </mc:Choice>
-        <mc:Fallback>
+        <mc:Fallback xmlns="">
           <p:sp>
             <p:nvSpPr>
               <p:cNvPr id="3" name="Content Placeholder 2">
@@ -28184,7 +29126,7 @@
               <a:blipFill>
                 <a:blip r:embed="rId2"/>
                 <a:stretch>
-                  <a:fillRect l="-638" t="-1401" b="-700"/>
+                  <a:fillRect l="-638" t="-1401"/>
                 </a:stretch>
               </a:blipFill>
             </p:spPr>
@@ -28206,7 +29148,7 @@
     </p:spTree>
     <p:extLst>
       <p:ext uri="{BB962C8B-B14F-4D97-AF65-F5344CB8AC3E}">
-        <p14:creationId xmlns:p14="http://schemas.microsoft.com/office/powerpoint/2010/main" val="970871325"/>
+        <p14:creationId xmlns:p14="http://schemas.microsoft.com/office/powerpoint/2010/main" val="92285863"/>
       </p:ext>
     </p:extLst>
   </p:cSld>
@@ -28238,7 +29180,7 @@
           <p:cNvPr id="2" name="Title 1">
             <a:extLst>
               <a:ext uri="{FF2B5EF4-FFF2-40B4-BE49-F238E27FC236}">
-                <a16:creationId xmlns:a16="http://schemas.microsoft.com/office/drawing/2014/main" id="{E9AE69F3-2649-40ED-836C-285113378A65}"/>
+                <a16:creationId xmlns:a16="http://schemas.microsoft.com/office/drawing/2014/main" id="{51D77F5E-EAE8-4B57-B170-19353E12AF50}"/>
               </a:ext>
             </a:extLst>
           </p:cNvPr>
@@ -28262,20 +29204,20 @@
                   <a:schemeClr val="accent1"/>
                 </a:solidFill>
               </a:rPr>
-              <a:t>Depth-First Search (DFS) : Parenthesis Structure</a:t>
+              <a:t>Depth-First Search (DFS) : Edge Classification</a:t>
             </a:r>
             <a:endParaRPr lang="en-US" sz="4000" dirty="0"/>
           </a:p>
         </p:txBody>
       </p:sp>
-      <mc:AlternateContent xmlns:mc="http://schemas.openxmlformats.org/markup-compatibility/2006">
-        <mc:Choice xmlns:a14="http://schemas.microsoft.com/office/drawing/2010/main" Requires="a14">
+      <mc:AlternateContent xmlns:mc="http://schemas.openxmlformats.org/markup-compatibility/2006" xmlns:a14="http://schemas.microsoft.com/office/drawing/2010/main">
+        <mc:Choice Requires="a14">
           <p:sp>
             <p:nvSpPr>
               <p:cNvPr id="3" name="Content Placeholder 2">
                 <a:extLst>
                   <a:ext uri="{FF2B5EF4-FFF2-40B4-BE49-F238E27FC236}">
-                    <a16:creationId xmlns:a16="http://schemas.microsoft.com/office/drawing/2014/main" id="{016E81BC-85BF-4C58-B2C9-B22D49385ADD}"/>
+                    <a16:creationId xmlns:a16="http://schemas.microsoft.com/office/drawing/2014/main" id="{A2EB5FE4-0B39-4D5C-BD31-A0D9D2057E6A}"/>
                   </a:ext>
                 </a:extLst>
               </p:cNvPr>
@@ -28289,158 +29231,84 @@
             <p:spPr/>
             <p:txBody>
               <a:bodyPr>
-                <a:normAutofit/>
+                <a:normAutofit fontScale="92500"/>
               </a:bodyPr>
               <a:lstStyle/>
               <a:p>
                 <a:pPr marL="0" indent="0">
                   <a:buNone/>
                 </a:pPr>
+                <a:r>
+                  <a:rPr lang="en-US" sz="2000" dirty="0">
+                    <a:solidFill>
+                      <a:schemeClr val="accent1"/>
+                    </a:solidFill>
+                  </a:rPr>
+                  <a:t>Another property of DFS is that the search can be used to </a:t>
+                </a:r>
+                <a:r>
+                  <a:rPr lang="en-US" sz="2000" b="1" i="1" dirty="0">
+                    <a:solidFill>
+                      <a:srgbClr val="FF0000"/>
+                    </a:solidFill>
+                  </a:rPr>
+                  <a:t>classify</a:t>
+                </a:r>
+                <a:r>
+                  <a:rPr lang="en-US" sz="2000" dirty="0">
+                    <a:solidFill>
+                      <a:schemeClr val="accent1"/>
+                    </a:solidFill>
+                  </a:rPr>
+                  <a:t> the edges in the input graph </a:t>
+                </a:r>
                 <a14:m>
                   <m:oMath xmlns:m="http://schemas.openxmlformats.org/officeDocument/2006/math">
                     <m:r>
                       <a:rPr lang="en-US" sz="2000" i="1" smtClean="0">
-                        <a:solidFill>
-                          <a:schemeClr val="tx1"/>
-                        </a:solidFill>
-                        <a:latin typeface="Cambria Math" panose="02040503050406030204" pitchFamily="18" charset="0"/>
-                        <a:ea typeface="Cambria Math" panose="02040503050406030204" pitchFamily="18" charset="0"/>
-                      </a:rPr>
-                      <m:t>⇐</m:t>
-                    </m:r>
-                  </m:oMath>
-                </a14:m>
-                <a:r>
-                  <a:rPr lang="en-US" sz="2000" dirty="0">
-                    <a:solidFill>
-                      <a:schemeClr val="accent1"/>
-                    </a:solidFill>
-                  </a:rPr>
-                  <a:t>: Suppose there is a path from of white vertices from </a:t>
-                </a:r>
-                <a14:m>
-                  <m:oMath xmlns:m="http://schemas.openxmlformats.org/officeDocument/2006/math">
-                    <m:r>
-                      <a:rPr lang="en-US" sz="2000" i="1">
-                        <a:latin typeface="Cambria Math" panose="02040503050406030204" pitchFamily="18" charset="0"/>
-                      </a:rPr>
-                      <m:t>𝑢</m:t>
-                    </m:r>
-                  </m:oMath>
-                </a14:m>
-                <a:r>
-                  <a:rPr lang="en-US" sz="2000" dirty="0">
-                    <a:solidFill>
-                      <a:schemeClr val="accent1"/>
-                    </a:solidFill>
-                  </a:rPr>
-                  <a:t> to </a:t>
-                </a:r>
-                <a14:m>
-                  <m:oMath xmlns:m="http://schemas.openxmlformats.org/officeDocument/2006/math">
-                    <m:r>
-                      <a:rPr lang="en-US" sz="2000" i="1">
-                        <a:latin typeface="Cambria Math" panose="02040503050406030204" pitchFamily="18" charset="0"/>
-                      </a:rPr>
-                      <m:t>𝑣</m:t>
-                    </m:r>
-                  </m:oMath>
-                </a14:m>
-                <a:r>
-                  <a:rPr lang="en-US" sz="2000" dirty="0">
-                    <a:solidFill>
-                      <a:schemeClr val="accent1"/>
-                    </a:solidFill>
-                  </a:rPr>
-                  <a:t> at time</a:t>
-                </a:r>
-                <a14:m>
-                  <m:oMath xmlns:m="http://schemas.openxmlformats.org/officeDocument/2006/math">
+                        <a:latin typeface="Cambria Math" panose="02040503050406030204" pitchFamily="18" charset="0"/>
+                      </a:rPr>
+                      <m:t>𝐺</m:t>
+                    </m:r>
+                    <m:r>
+                      <a:rPr lang="en-US" sz="2000" i="1" smtClean="0">
+                        <a:latin typeface="Cambria Math" panose="02040503050406030204" pitchFamily="18" charset="0"/>
+                      </a:rPr>
+                      <m:t>=(</m:t>
+                    </m:r>
+                    <m:r>
+                      <a:rPr lang="en-US" sz="2000" i="1" smtClean="0">
+                        <a:latin typeface="Cambria Math" panose="02040503050406030204" pitchFamily="18" charset="0"/>
+                      </a:rPr>
+                      <m:t>𝑉</m:t>
+                    </m:r>
+                    <m:r>
+                      <a:rPr lang="en-US" sz="2000" i="1" smtClean="0">
+                        <a:latin typeface="Cambria Math" panose="02040503050406030204" pitchFamily="18" charset="0"/>
+                      </a:rPr>
+                      <m:t>,</m:t>
+                    </m:r>
+                    <m:r>
+                      <a:rPr lang="en-US" sz="2000" i="1" smtClean="0">
+                        <a:latin typeface="Cambria Math" panose="02040503050406030204" pitchFamily="18" charset="0"/>
+                      </a:rPr>
+                      <m:t>𝐸</m:t>
+                    </m:r>
                     <m:r>
                       <a:rPr lang="en-US" sz="2000" b="0" i="0" smtClean="0">
                         <a:latin typeface="Cambria Math" panose="02040503050406030204" pitchFamily="18" charset="0"/>
                       </a:rPr>
-                      <m:t> </m:t>
-                    </m:r>
-                    <m:r>
-                      <a:rPr lang="en-US" sz="2000" i="1">
-                        <a:latin typeface="Cambria Math" panose="02040503050406030204" pitchFamily="18" charset="0"/>
-                      </a:rPr>
-                      <m:t>𝑢</m:t>
-                    </m:r>
-                    <m:r>
-                      <a:rPr lang="en-US" sz="2000" i="1">
-                        <a:latin typeface="Cambria Math" panose="02040503050406030204" pitchFamily="18" charset="0"/>
-                      </a:rPr>
-                      <m:t>.</m:t>
-                    </m:r>
-                    <m:r>
-                      <a:rPr lang="en-US" sz="2000" i="1">
-                        <a:latin typeface="Cambria Math" panose="02040503050406030204" pitchFamily="18" charset="0"/>
-                      </a:rPr>
-                      <m:t>𝑑</m:t>
-                    </m:r>
-                  </m:oMath>
-                </a14:m>
-                <a:r>
-                  <a:rPr lang="en-US" sz="2000" dirty="0">
-                    <a:solidFill>
-                      <a:schemeClr val="accent1"/>
-                    </a:solidFill>
-                  </a:rPr>
-                  <a:t>, but </a:t>
-                </a:r>
-                <a:r>
-                  <a:rPr lang="en-US" sz="2000" b="1" i="1" dirty="0">
-                    <a:solidFill>
-                      <a:srgbClr val="FF0000"/>
-                    </a:solidFill>
-                  </a:rPr>
-                  <a:t>FPOC</a:t>
-                </a:r>
-                <a:r>
-                  <a:rPr lang="en-US" sz="2000" dirty="0">
-                    <a:solidFill>
-                      <a:schemeClr val="accent1"/>
-                    </a:solidFill>
-                  </a:rPr>
-                  <a:t>, </a:t>
-                </a:r>
-                <a14:m>
-                  <m:oMath xmlns:m="http://schemas.openxmlformats.org/officeDocument/2006/math">
-                    <m:r>
-                      <a:rPr lang="en-US" sz="2000" i="1">
-                        <a:latin typeface="Cambria Math" panose="02040503050406030204" pitchFamily="18" charset="0"/>
-                      </a:rPr>
-                      <m:t>𝑣</m:t>
-                    </m:r>
-                  </m:oMath>
-                </a14:m>
-                <a:r>
-                  <a:rPr lang="en-US" sz="2000" dirty="0">
-                    <a:solidFill>
-                      <a:schemeClr val="accent1"/>
-                    </a:solidFill>
-                  </a:rPr>
-                  <a:t> does not become a descendant of </a:t>
-                </a:r>
-                <a14:m>
-                  <m:oMath xmlns:m="http://schemas.openxmlformats.org/officeDocument/2006/math">
-                    <m:r>
-                      <a:rPr lang="en-US" sz="2000" i="1">
-                        <a:latin typeface="Cambria Math" panose="02040503050406030204" pitchFamily="18" charset="0"/>
-                      </a:rPr>
-                      <m:t>𝑢</m:t>
-                    </m:r>
-                  </m:oMath>
-                </a14:m>
-                <a:r>
-                  <a:rPr lang="en-US" sz="2000" dirty="0">
-                    <a:solidFill>
-                      <a:schemeClr val="accent1"/>
-                    </a:solidFill>
-                  </a:rPr>
-                  <a:t> in the resulting DFS tree.</a:t>
+                      <m:t>)</m:t>
+                    </m:r>
+                  </m:oMath>
+                </a14:m>
+                <a:r>
+                  <a:rPr lang="en-US" sz="2000" dirty="0">
+                    <a:solidFill>
+                      <a:schemeClr val="accent1"/>
+                    </a:solidFill>
+                  </a:rPr>
+                  <a:t>.</a:t>
                 </a:r>
               </a:p>
               <a:p>
@@ -28463,466 +29331,13 @@
                       <a:schemeClr val="accent1"/>
                     </a:solidFill>
                   </a:rPr>
-                  <a:t>Assume wlog that the other vertices than </a:t>
-                </a:r>
-                <a14:m>
-                  <m:oMath xmlns:m="http://schemas.openxmlformats.org/officeDocument/2006/math">
-                    <m:r>
-                      <a:rPr lang="en-US" sz="2000" i="1">
-                        <a:latin typeface="Cambria Math" panose="02040503050406030204" pitchFamily="18" charset="0"/>
-                      </a:rPr>
-                      <m:t>𝑣</m:t>
-                    </m:r>
-                  </m:oMath>
-                </a14:m>
-                <a:r>
-                  <a:rPr lang="en-US" sz="2000" dirty="0">
-                    <a:solidFill>
-                      <a:schemeClr val="accent1"/>
-                    </a:solidFill>
-                  </a:rPr>
-                  <a:t> along the path become a descendant of</a:t>
-                </a:r>
-                <a14:m>
-                  <m:oMath xmlns:m="http://schemas.openxmlformats.org/officeDocument/2006/math">
-                    <m:r>
-                      <a:rPr lang="en-US" sz="2000" b="0" i="0" smtClean="0">
-                        <a:latin typeface="Cambria Math" panose="02040503050406030204" pitchFamily="18" charset="0"/>
-                      </a:rPr>
-                      <m:t> </m:t>
-                    </m:r>
-                    <m:r>
-                      <a:rPr lang="en-US" sz="2000" i="1">
-                        <a:latin typeface="Cambria Math" panose="02040503050406030204" pitchFamily="18" charset="0"/>
-                      </a:rPr>
-                      <m:t>𝑢</m:t>
-                    </m:r>
-                  </m:oMath>
-                </a14:m>
-                <a:r>
-                  <a:rPr lang="en-US" sz="2000" dirty="0">
-                    <a:solidFill>
-                      <a:schemeClr val="accent1"/>
-                    </a:solidFill>
-                  </a:rPr>
-                  <a:t>.</a:t>
+                  <a:t>The type of each edge can provide information about the graph.</a:t>
                 </a:r>
               </a:p>
               <a:p>
                 <a:pPr marL="0" indent="0">
                   <a:buNone/>
                 </a:pPr>
-                <a:r>
-                  <a:rPr lang="en-US" sz="2000" dirty="0">
-                    <a:solidFill>
-                      <a:schemeClr val="accent1"/>
-                    </a:solidFill>
-                  </a:rPr>
-                  <a:t>Let vertex </a:t>
-                </a:r>
-                <a14:m>
-                  <m:oMath xmlns:m="http://schemas.openxmlformats.org/officeDocument/2006/math">
-                    <m:r>
-                      <a:rPr lang="en-US" sz="2000" b="0" i="1" smtClean="0">
-                        <a:solidFill>
-                          <a:schemeClr val="tx1"/>
-                        </a:solidFill>
-                        <a:latin typeface="Cambria Math" panose="02040503050406030204" pitchFamily="18" charset="0"/>
-                      </a:rPr>
-                      <m:t>𝑤</m:t>
-                    </m:r>
-                  </m:oMath>
-                </a14:m>
-                <a:r>
-                  <a:rPr lang="en-US" sz="2000" dirty="0">
-                    <a:solidFill>
-                      <a:schemeClr val="accent1"/>
-                    </a:solidFill>
-                  </a:rPr>
-                  <a:t> be a predecessor of </a:t>
-                </a:r>
-                <a14:m>
-                  <m:oMath xmlns:m="http://schemas.openxmlformats.org/officeDocument/2006/math">
-                    <m:r>
-                      <a:rPr lang="en-US" sz="2000" i="1">
-                        <a:latin typeface="Cambria Math" panose="02040503050406030204" pitchFamily="18" charset="0"/>
-                      </a:rPr>
-                      <m:t>𝑣</m:t>
-                    </m:r>
-                  </m:oMath>
-                </a14:m>
-                <a:r>
-                  <a:rPr lang="en-US" sz="2000" dirty="0">
-                    <a:solidFill>
-                      <a:schemeClr val="accent1"/>
-                    </a:solidFill>
-                  </a:rPr>
-                  <a:t> on that path so </a:t>
-                </a:r>
-                <a14:m>
-                  <m:oMath xmlns:m="http://schemas.openxmlformats.org/officeDocument/2006/math">
-                    <m:r>
-                      <a:rPr lang="en-US" sz="2000" i="1">
-                        <a:latin typeface="Cambria Math" panose="02040503050406030204" pitchFamily="18" charset="0"/>
-                      </a:rPr>
-                      <m:t>𝑤</m:t>
-                    </m:r>
-                  </m:oMath>
-                </a14:m>
-                <a:r>
-                  <a:rPr lang="en-US" sz="2000" dirty="0">
-                    <a:solidFill>
-                      <a:schemeClr val="accent1"/>
-                    </a:solidFill>
-                  </a:rPr>
-                  <a:t> is a descendant of </a:t>
-                </a:r>
-                <a14:m>
-                  <m:oMath xmlns:m="http://schemas.openxmlformats.org/officeDocument/2006/math">
-                    <m:r>
-                      <a:rPr lang="en-US" sz="2000" i="1">
-                        <a:latin typeface="Cambria Math" panose="02040503050406030204" pitchFamily="18" charset="0"/>
-                      </a:rPr>
-                      <m:t>𝑢</m:t>
-                    </m:r>
-                  </m:oMath>
-                </a14:m>
-                <a:r>
-                  <a:rPr lang="en-US" sz="2000" dirty="0">
-                    <a:solidFill>
-                      <a:schemeClr val="accent1"/>
-                    </a:solidFill>
-                  </a:rPr>
-                  <a:t> (</a:t>
-                </a:r>
-                <a14:m>
-                  <m:oMath xmlns:m="http://schemas.openxmlformats.org/officeDocument/2006/math">
-                    <m:r>
-                      <a:rPr lang="en-US" sz="2000" i="1">
-                        <a:latin typeface="Cambria Math" panose="02040503050406030204" pitchFamily="18" charset="0"/>
-                      </a:rPr>
-                      <m:t>𝑢</m:t>
-                    </m:r>
-                  </m:oMath>
-                </a14:m>
-                <a:r>
-                  <a:rPr lang="en-US" sz="2000" dirty="0">
-                    <a:solidFill>
-                      <a:schemeClr val="accent1"/>
-                    </a:solidFill>
-                  </a:rPr>
-                  <a:t> and </a:t>
-                </a:r>
-                <a14:m>
-                  <m:oMath xmlns:m="http://schemas.openxmlformats.org/officeDocument/2006/math">
-                    <m:r>
-                      <a:rPr lang="en-US" sz="2000" i="1">
-                        <a:latin typeface="Cambria Math" panose="02040503050406030204" pitchFamily="18" charset="0"/>
-                      </a:rPr>
-                      <m:t>𝑤</m:t>
-                    </m:r>
-                  </m:oMath>
-                </a14:m>
-                <a:r>
-                  <a:rPr lang="en-US" sz="2000" dirty="0">
-                    <a:solidFill>
-                      <a:schemeClr val="accent1"/>
-                    </a:solidFill>
-                  </a:rPr>
-                  <a:t> may be the same vertex).</a:t>
-                </a:r>
-              </a:p>
-              <a:p>
-                <a:pPr marL="0" indent="0">
-                  <a:buNone/>
-                </a:pPr>
-                <a:r>
-                  <a:rPr lang="en-US" sz="2000" dirty="0">
-                    <a:solidFill>
-                      <a:schemeClr val="accent1"/>
-                    </a:solidFill>
-                  </a:rPr>
-                  <a:t> Then, 		</a:t>
-                </a:r>
-                <a14:m>
-                  <m:oMath xmlns:m="http://schemas.openxmlformats.org/officeDocument/2006/math">
-                    <m:r>
-                      <a:rPr lang="en-US" sz="2000" i="1">
-                        <a:latin typeface="Cambria Math" panose="02040503050406030204" pitchFamily="18" charset="0"/>
-                      </a:rPr>
-                      <m:t>𝑤</m:t>
-                    </m:r>
-                    <m:r>
-                      <a:rPr lang="en-US" sz="2000" b="0" i="1" smtClean="0">
-                        <a:latin typeface="Cambria Math" panose="02040503050406030204" pitchFamily="18" charset="0"/>
-                      </a:rPr>
-                      <m:t>.</m:t>
-                    </m:r>
-                    <m:r>
-                      <a:rPr lang="en-US" sz="2000" b="0" i="1" smtClean="0">
-                        <a:latin typeface="Cambria Math" panose="02040503050406030204" pitchFamily="18" charset="0"/>
-                      </a:rPr>
-                      <m:t>𝑓</m:t>
-                    </m:r>
-                    <m:r>
-                      <a:rPr lang="en-US" sz="2000" b="0" i="1" smtClean="0">
-                        <a:solidFill>
-                          <a:schemeClr val="tx1"/>
-                        </a:solidFill>
-                        <a:latin typeface="Cambria Math" panose="02040503050406030204" pitchFamily="18" charset="0"/>
-                      </a:rPr>
-                      <m:t>≤</m:t>
-                    </m:r>
-                    <m:r>
-                      <a:rPr lang="en-US" sz="2000" b="0" i="1" smtClean="0">
-                        <a:solidFill>
-                          <a:schemeClr val="tx1"/>
-                        </a:solidFill>
-                        <a:latin typeface="Cambria Math" panose="02040503050406030204" pitchFamily="18" charset="0"/>
-                      </a:rPr>
-                      <m:t>𝑢</m:t>
-                    </m:r>
-                    <m:r>
-                      <a:rPr lang="en-US" sz="2000" b="0" i="1" smtClean="0">
-                        <a:solidFill>
-                          <a:schemeClr val="tx1"/>
-                        </a:solidFill>
-                        <a:latin typeface="Cambria Math" panose="02040503050406030204" pitchFamily="18" charset="0"/>
-                      </a:rPr>
-                      <m:t>.</m:t>
-                    </m:r>
-                    <m:r>
-                      <a:rPr lang="en-US" sz="2000" b="0" i="1" smtClean="0">
-                        <a:solidFill>
-                          <a:schemeClr val="tx1"/>
-                        </a:solidFill>
-                        <a:latin typeface="Cambria Math" panose="02040503050406030204" pitchFamily="18" charset="0"/>
-                      </a:rPr>
-                      <m:t>𝑓</m:t>
-                    </m:r>
-                  </m:oMath>
-                </a14:m>
-                <a:r>
-                  <a:rPr lang="en-US" sz="2000" dirty="0">
-                    <a:solidFill>
-                      <a:schemeClr val="accent1"/>
-                    </a:solidFill>
-                  </a:rPr>
-                  <a:t>		[</a:t>
-                </a:r>
-                <a:r>
-                  <a:rPr lang="en-US" sz="2000" b="1" i="1" dirty="0">
-                    <a:solidFill>
-                      <a:srgbClr val="FF0000"/>
-                    </a:solidFill>
-                  </a:rPr>
-                  <a:t>Nesting of Descendants’ Intervals </a:t>
-                </a:r>
-                <a:r>
-                  <a:rPr lang="en-US" sz="2000" dirty="0">
-                    <a:solidFill>
-                      <a:schemeClr val="accent1"/>
-                    </a:solidFill>
-                  </a:rPr>
-                  <a:t>]</a:t>
-                </a:r>
-              </a:p>
-              <a:p>
-                <a:pPr marL="0" indent="0">
-                  <a:buNone/>
-                </a:pPr>
-                <a:r>
-                  <a:rPr lang="en-US" sz="2000" dirty="0">
-                    <a:solidFill>
-                      <a:schemeClr val="accent1"/>
-                    </a:solidFill>
-                  </a:rPr>
-                  <a:t>Because </a:t>
-                </a:r>
-                <a14:m>
-                  <m:oMath xmlns:m="http://schemas.openxmlformats.org/officeDocument/2006/math">
-                    <m:r>
-                      <a:rPr lang="en-US" sz="2000" i="1" smtClean="0">
-                        <a:latin typeface="Cambria Math" panose="02040503050406030204" pitchFamily="18" charset="0"/>
-                      </a:rPr>
-                      <m:t>𝑣</m:t>
-                    </m:r>
-                  </m:oMath>
-                </a14:m>
-                <a:r>
-                  <a:rPr lang="en-US" sz="2000" dirty="0">
-                    <a:solidFill>
-                      <a:schemeClr val="accent1"/>
-                    </a:solidFill>
-                  </a:rPr>
-                  <a:t> must be discovered after </a:t>
-                </a:r>
-                <a14:m>
-                  <m:oMath xmlns:m="http://schemas.openxmlformats.org/officeDocument/2006/math">
-                    <m:r>
-                      <a:rPr lang="en-US" sz="2000" b="0" i="1" smtClean="0">
-                        <a:solidFill>
-                          <a:schemeClr val="tx1"/>
-                        </a:solidFill>
-                        <a:latin typeface="Cambria Math" panose="02040503050406030204" pitchFamily="18" charset="0"/>
-                      </a:rPr>
-                      <m:t>𝑢</m:t>
-                    </m:r>
-                  </m:oMath>
-                </a14:m>
-                <a:r>
-                  <a:rPr lang="en-US" sz="2000" dirty="0">
-                    <a:solidFill>
-                      <a:schemeClr val="accent1"/>
-                    </a:solidFill>
-                  </a:rPr>
-                  <a:t> is discovered, but before </a:t>
-                </a:r>
-                <a14:m>
-                  <m:oMath xmlns:m="http://schemas.openxmlformats.org/officeDocument/2006/math">
-                    <m:r>
-                      <a:rPr lang="en-US" sz="2000" i="1">
-                        <a:latin typeface="Cambria Math" panose="02040503050406030204" pitchFamily="18" charset="0"/>
-                      </a:rPr>
-                      <m:t>𝑤</m:t>
-                    </m:r>
-                  </m:oMath>
-                </a14:m>
-                <a:r>
-                  <a:rPr lang="en-US" sz="2000" dirty="0">
-                    <a:solidFill>
-                      <a:schemeClr val="accent1"/>
-                    </a:solidFill>
-                  </a:rPr>
-                  <a:t> is finished, we have</a:t>
-                </a:r>
-              </a:p>
-              <a:p>
-                <a:pPr marL="0" indent="0">
-                  <a:buNone/>
-                </a:pPr>
-                <a:r>
-                  <a:rPr lang="en-US" sz="2000" b="0" i="1" dirty="0"/>
-                  <a:t>		u</a:t>
-                </a:r>
-                <a14:m>
-                  <m:oMath xmlns:m="http://schemas.openxmlformats.org/officeDocument/2006/math">
-                    <m:r>
-                      <a:rPr lang="en-US" sz="2000" b="0" i="1" smtClean="0">
-                        <a:latin typeface="Cambria Math" panose="02040503050406030204" pitchFamily="18" charset="0"/>
-                      </a:rPr>
-                      <m:t>.</m:t>
-                    </m:r>
-                    <m:r>
-                      <a:rPr lang="en-US" sz="2000" b="0" i="1" smtClean="0">
-                        <a:latin typeface="Cambria Math" panose="02040503050406030204" pitchFamily="18" charset="0"/>
-                      </a:rPr>
-                      <m:t>𝑑</m:t>
-                    </m:r>
-                    <m:r>
-                      <a:rPr lang="en-US" sz="2000" b="0" i="1" smtClean="0">
-                        <a:latin typeface="Cambria Math" panose="02040503050406030204" pitchFamily="18" charset="0"/>
-                      </a:rPr>
-                      <m:t>&lt;</m:t>
-                    </m:r>
-                    <m:r>
-                      <a:rPr lang="en-US" sz="2000" b="0" i="1" smtClean="0">
-                        <a:latin typeface="Cambria Math" panose="02040503050406030204" pitchFamily="18" charset="0"/>
-                      </a:rPr>
-                      <m:t>𝑣</m:t>
-                    </m:r>
-                    <m:r>
-                      <a:rPr lang="en-US" sz="2000" b="0" i="1" smtClean="0">
-                        <a:solidFill>
-                          <a:schemeClr val="tx1"/>
-                        </a:solidFill>
-                        <a:latin typeface="Cambria Math" panose="02040503050406030204" pitchFamily="18" charset="0"/>
-                      </a:rPr>
-                      <m:t>.</m:t>
-                    </m:r>
-                    <m:r>
-                      <a:rPr lang="en-US" sz="2000" b="0" i="1" smtClean="0">
-                        <a:solidFill>
-                          <a:schemeClr val="tx1"/>
-                        </a:solidFill>
-                        <a:latin typeface="Cambria Math" panose="02040503050406030204" pitchFamily="18" charset="0"/>
-                      </a:rPr>
-                      <m:t>𝑑</m:t>
-                    </m:r>
-                    <m:r>
-                      <a:rPr lang="en-US" sz="2000" b="0" i="1" smtClean="0">
-                        <a:solidFill>
-                          <a:schemeClr val="tx1"/>
-                        </a:solidFill>
-                        <a:latin typeface="Cambria Math" panose="02040503050406030204" pitchFamily="18" charset="0"/>
-                      </a:rPr>
-                      <m:t>&lt;</m:t>
-                    </m:r>
-                    <m:r>
-                      <a:rPr lang="en-US" sz="2000" b="0" i="1" smtClean="0">
-                        <a:solidFill>
-                          <a:schemeClr val="tx1"/>
-                        </a:solidFill>
-                        <a:latin typeface="Cambria Math" panose="02040503050406030204" pitchFamily="18" charset="0"/>
-                      </a:rPr>
-                      <m:t>𝑤</m:t>
-                    </m:r>
-                    <m:r>
-                      <a:rPr lang="en-US" sz="2000" b="0" i="1" smtClean="0">
-                        <a:solidFill>
-                          <a:schemeClr val="tx1"/>
-                        </a:solidFill>
-                        <a:latin typeface="Cambria Math" panose="02040503050406030204" pitchFamily="18" charset="0"/>
-                      </a:rPr>
-                      <m:t>.</m:t>
-                    </m:r>
-                    <m:r>
-                      <a:rPr lang="en-US" sz="2000" b="0" i="1" smtClean="0">
-                        <a:solidFill>
-                          <a:schemeClr val="tx1"/>
-                        </a:solidFill>
-                        <a:latin typeface="Cambria Math" panose="02040503050406030204" pitchFamily="18" charset="0"/>
-                      </a:rPr>
-                      <m:t>𝑓</m:t>
-                    </m:r>
-                    <m:r>
-                      <a:rPr lang="en-US" sz="2000" b="0" i="1" smtClean="0">
-                        <a:solidFill>
-                          <a:schemeClr val="tx1"/>
-                        </a:solidFill>
-                        <a:latin typeface="Cambria Math" panose="02040503050406030204" pitchFamily="18" charset="0"/>
-                      </a:rPr>
-                      <m:t>≤</m:t>
-                    </m:r>
-                    <m:r>
-                      <a:rPr lang="en-US" sz="2000" b="0" i="1" smtClean="0">
-                        <a:solidFill>
-                          <a:schemeClr val="tx1"/>
-                        </a:solidFill>
-                        <a:latin typeface="Cambria Math" panose="02040503050406030204" pitchFamily="18" charset="0"/>
-                      </a:rPr>
-                      <m:t>𝑢</m:t>
-                    </m:r>
-                    <m:r>
-                      <a:rPr lang="en-US" sz="2000" b="0" i="1" smtClean="0">
-                        <a:solidFill>
-                          <a:schemeClr val="tx1"/>
-                        </a:solidFill>
-                        <a:latin typeface="Cambria Math" panose="02040503050406030204" pitchFamily="18" charset="0"/>
-                      </a:rPr>
-                      <m:t>.</m:t>
-                    </m:r>
-                    <m:r>
-                      <a:rPr lang="en-US" sz="2000" b="0" i="1" smtClean="0">
-                        <a:solidFill>
-                          <a:schemeClr val="tx1"/>
-                        </a:solidFill>
-                        <a:latin typeface="Cambria Math" panose="02040503050406030204" pitchFamily="18" charset="0"/>
-                      </a:rPr>
-                      <m:t>𝑓</m:t>
-                    </m:r>
-                  </m:oMath>
-                </a14:m>
                 <a:endParaRPr lang="en-US" sz="2000" dirty="0">
                   <a:solidFill>
                     <a:schemeClr val="accent1"/>
@@ -28934,245 +29349,508 @@
                   <a:buNone/>
                 </a:pPr>
                 <a:r>
+                  <a:rPr lang="en-US" sz="2000" dirty="0">
+                    <a:solidFill>
+                      <a:schemeClr val="accent1"/>
+                    </a:solidFill>
+                  </a:rPr>
+                  <a:t>We can define </a:t>
+                </a:r>
+                <a:r>
                   <a:rPr lang="en-US" sz="2000" b="1" i="1" dirty="0">
                     <a:solidFill>
                       <a:srgbClr val="FF0000"/>
                     </a:solidFill>
                   </a:rPr>
-                  <a:t>Parenthesis Theorem </a:t>
-                </a:r>
-                <a:r>
-                  <a:rPr lang="en-US" sz="2000" dirty="0">
-                    <a:solidFill>
-                      <a:schemeClr val="accent1"/>
-                    </a:solidFill>
-                  </a:rPr>
-                  <a:t>implies that the interval </a:t>
-                </a:r>
-                <a14:m>
-                  <m:oMath xmlns:m="http://schemas.openxmlformats.org/officeDocument/2006/math">
-                    <m:r>
-                      <a:rPr lang="en-US" sz="2000" i="1" smtClean="0">
-                        <a:latin typeface="Cambria Math" panose="02040503050406030204" pitchFamily="18" charset="0"/>
-                      </a:rPr>
-                      <m:t>[</m:t>
-                    </m:r>
-                    <m:r>
-                      <a:rPr lang="en-US" sz="2000" b="0" i="1" smtClean="0">
-                        <a:latin typeface="Cambria Math" panose="02040503050406030204" pitchFamily="18" charset="0"/>
-                      </a:rPr>
-                      <m:t>𝑣</m:t>
-                    </m:r>
+                  <a:t>four</a:t>
+                </a:r>
+                <a:r>
+                  <a:rPr lang="en-US" sz="2000" dirty="0">
+                    <a:solidFill>
+                      <a:schemeClr val="accent1"/>
+                    </a:solidFill>
+                  </a:rPr>
+                  <a:t> edge types in terms of the DFS forest </a:t>
+                </a:r>
+                <a14:m>
+                  <m:oMath xmlns:m="http://schemas.openxmlformats.org/officeDocument/2006/math">
+                    <m:sSub>
+                      <m:sSubPr>
+                        <m:ctrlPr>
+                          <a:rPr lang="en-US" sz="2000" i="1" smtClean="0">
+                            <a:solidFill>
+                              <a:schemeClr val="tx1"/>
+                            </a:solidFill>
+                            <a:latin typeface="Cambria Math" panose="02040503050406030204" pitchFamily="18" charset="0"/>
+                          </a:rPr>
+                        </m:ctrlPr>
+                      </m:sSubPr>
+                      <m:e>
+                        <m:r>
+                          <a:rPr lang="en-US" sz="2000" b="0" i="1" smtClean="0">
+                            <a:solidFill>
+                              <a:schemeClr val="tx1"/>
+                            </a:solidFill>
+                            <a:latin typeface="Cambria Math" panose="02040503050406030204" pitchFamily="18" charset="0"/>
+                          </a:rPr>
+                          <m:t>𝐺</m:t>
+                        </m:r>
+                      </m:e>
+                      <m:sub>
+                        <m:r>
+                          <a:rPr lang="en-US" sz="2000" i="1" smtClean="0">
+                            <a:solidFill>
+                              <a:schemeClr val="tx1"/>
+                            </a:solidFill>
+                            <a:latin typeface="Cambria Math" panose="02040503050406030204" pitchFamily="18" charset="0"/>
+                            <a:ea typeface="Cambria Math" panose="02040503050406030204" pitchFamily="18" charset="0"/>
+                          </a:rPr>
+                          <m:t>𝜋</m:t>
+                        </m:r>
+                      </m:sub>
+                    </m:sSub>
+                  </m:oMath>
+                </a14:m>
+                <a:r>
+                  <a:rPr lang="en-US" sz="2000" dirty="0">
+                    <a:solidFill>
+                      <a:schemeClr val="accent1"/>
+                    </a:solidFill>
+                  </a:rPr>
+                  <a:t> produced by DFS on </a:t>
+                </a:r>
+                <a14:m>
+                  <m:oMath xmlns:m="http://schemas.openxmlformats.org/officeDocument/2006/math">
                     <m:r>
                       <a:rPr lang="en-US" sz="2000" i="1">
                         <a:latin typeface="Cambria Math" panose="02040503050406030204" pitchFamily="18" charset="0"/>
                       </a:rPr>
-                      <m:t>.</m:t>
-                    </m:r>
-                    <m:r>
-                      <a:rPr lang="en-US" sz="2000" i="1">
-                        <a:latin typeface="Cambria Math" panose="02040503050406030204" pitchFamily="18" charset="0"/>
-                      </a:rPr>
-                      <m:t>𝑑</m:t>
-                    </m:r>
-                    <m:r>
-                      <a:rPr lang="en-US" sz="2000" i="1">
-                        <a:latin typeface="Cambria Math" panose="02040503050406030204" pitchFamily="18" charset="0"/>
-                      </a:rPr>
-                      <m:t>,</m:t>
-                    </m:r>
-                    <m:r>
-                      <a:rPr lang="en-US" sz="2000" b="0" i="1" smtClean="0">
-                        <a:latin typeface="Cambria Math" panose="02040503050406030204" pitchFamily="18" charset="0"/>
-                      </a:rPr>
-                      <m:t>𝑣</m:t>
-                    </m:r>
-                    <m:r>
-                      <a:rPr lang="en-US" sz="2000" i="1">
-                        <a:latin typeface="Cambria Math" panose="02040503050406030204" pitchFamily="18" charset="0"/>
-                      </a:rPr>
-                      <m:t>.</m:t>
-                    </m:r>
-                    <m:r>
-                      <a:rPr lang="en-US" sz="2000" i="1">
-                        <a:latin typeface="Cambria Math" panose="02040503050406030204" pitchFamily="18" charset="0"/>
-                      </a:rPr>
-                      <m:t>𝑓</m:t>
-                    </m:r>
-                    <m:r>
-                      <a:rPr lang="en-US" sz="2000" i="1">
-                        <a:latin typeface="Cambria Math" panose="02040503050406030204" pitchFamily="18" charset="0"/>
-                      </a:rPr>
-                      <m:t>]</m:t>
-                    </m:r>
-                  </m:oMath>
-                </a14:m>
-                <a:r>
-                  <a:rPr lang="en-US" sz="2000" dirty="0">
-                    <a:solidFill>
-                      <a:schemeClr val="accent1"/>
-                    </a:solidFill>
-                  </a:rPr>
-                  <a:t> is entirely contained within </a:t>
-                </a:r>
-                <a14:m>
-                  <m:oMath xmlns:m="http://schemas.openxmlformats.org/officeDocument/2006/math">
-                    <m:r>
-                      <a:rPr lang="en-US" sz="2000" i="1">
-                        <a:latin typeface="Cambria Math" panose="02040503050406030204" pitchFamily="18" charset="0"/>
-                      </a:rPr>
-                      <m:t>[</m:t>
-                    </m:r>
-                    <m:r>
-                      <a:rPr lang="en-US" sz="2000" b="0" i="1" smtClean="0">
-                        <a:latin typeface="Cambria Math" panose="02040503050406030204" pitchFamily="18" charset="0"/>
-                      </a:rPr>
-                      <m:t>𝑢</m:t>
-                    </m:r>
-                    <m:r>
-                      <a:rPr lang="en-US" sz="2000" i="1">
-                        <a:latin typeface="Cambria Math" panose="02040503050406030204" pitchFamily="18" charset="0"/>
-                      </a:rPr>
-                      <m:t>.</m:t>
-                    </m:r>
-                    <m:r>
-                      <a:rPr lang="en-US" sz="2000" i="1">
-                        <a:latin typeface="Cambria Math" panose="02040503050406030204" pitchFamily="18" charset="0"/>
-                      </a:rPr>
-                      <m:t>𝑑</m:t>
-                    </m:r>
-                    <m:r>
-                      <a:rPr lang="en-US" sz="2000" i="1">
-                        <a:latin typeface="Cambria Math" panose="02040503050406030204" pitchFamily="18" charset="0"/>
-                      </a:rPr>
-                      <m:t>,</m:t>
-                    </m:r>
-                    <m:r>
-                      <a:rPr lang="en-US" sz="2000" b="0" i="1" smtClean="0">
-                        <a:latin typeface="Cambria Math" panose="02040503050406030204" pitchFamily="18" charset="0"/>
-                      </a:rPr>
-                      <m:t>𝑢</m:t>
-                    </m:r>
-                    <m:r>
-                      <a:rPr lang="en-US" sz="2000" i="1">
-                        <a:latin typeface="Cambria Math" panose="02040503050406030204" pitchFamily="18" charset="0"/>
-                      </a:rPr>
-                      <m:t>.</m:t>
-                    </m:r>
-                    <m:r>
-                      <a:rPr lang="en-US" sz="2000" i="1">
-                        <a:latin typeface="Cambria Math" panose="02040503050406030204" pitchFamily="18" charset="0"/>
-                      </a:rPr>
-                      <m:t>𝑓</m:t>
-                    </m:r>
-                    <m:r>
-                      <a:rPr lang="en-US" sz="2000" i="1">
-                        <a:latin typeface="Cambria Math" panose="02040503050406030204" pitchFamily="18" charset="0"/>
-                      </a:rPr>
-                      <m:t>]</m:t>
-                    </m:r>
-                  </m:oMath>
-                </a14:m>
-                <a:r>
-                  <a:rPr lang="en-US" sz="2000" dirty="0">
-                    <a:solidFill>
-                      <a:schemeClr val="accent1"/>
-                    </a:solidFill>
-                  </a:rPr>
-                  <a:t>.</a:t>
+                      <m:t>𝐺</m:t>
+                    </m:r>
+                  </m:oMath>
+                </a14:m>
+                <a:r>
+                  <a:rPr lang="en-US" sz="2000" dirty="0">
+                    <a:solidFill>
+                      <a:schemeClr val="accent1"/>
+                    </a:solidFill>
+                  </a:rPr>
+                  <a:t> as follows:</a:t>
                 </a:r>
               </a:p>
               <a:p>
                 <a:pPr marL="0" indent="0">
                   <a:buNone/>
                 </a:pPr>
-                <a:r>
-                  <a:rPr lang="en-US" sz="2000" dirty="0">
-                    <a:solidFill>
-                      <a:schemeClr val="accent1"/>
-                    </a:solidFill>
-                  </a:rPr>
-                  <a:t>Hence, </a:t>
-                </a:r>
-                <a14:m>
-                  <m:oMath xmlns:m="http://schemas.openxmlformats.org/officeDocument/2006/math">
-                    <m:r>
-                      <a:rPr lang="en-US" sz="2000" i="1" smtClean="0">
-                        <a:latin typeface="Cambria Math" panose="02040503050406030204" pitchFamily="18" charset="0"/>
-                      </a:rPr>
-                      <m:t>𝑣</m:t>
-                    </m:r>
-                  </m:oMath>
-                </a14:m>
-                <a:r>
-                  <a:rPr lang="en-US" sz="2000" dirty="0">
-                    <a:solidFill>
-                      <a:schemeClr val="accent1"/>
-                    </a:solidFill>
-                  </a:rPr>
-                  <a:t> is a descendant of </a:t>
-                </a:r>
-                <a:r>
-                  <a:rPr lang="en-US" sz="2000" i="1" dirty="0"/>
-                  <a:t>u </a:t>
-                </a:r>
-                <a:r>
-                  <a:rPr lang="en-US" sz="2000" dirty="0">
-                    <a:solidFill>
-                      <a:schemeClr val="accent1"/>
-                    </a:solidFill>
-                  </a:rPr>
-                  <a:t>after all by </a:t>
-                </a:r>
-                <a:r>
-                  <a:rPr lang="en-US" sz="2000" b="1" i="1" dirty="0">
-                    <a:solidFill>
-                      <a:srgbClr val="FF0000"/>
-                    </a:solidFill>
-                  </a:rPr>
-                  <a:t>Nesting of Descendants’ Intervals</a:t>
-                </a:r>
-                <a:r>
-                  <a:rPr lang="en-US" sz="2000" dirty="0">
-                    <a:solidFill>
-                      <a:schemeClr val="accent1"/>
-                    </a:solidFill>
-                  </a:rPr>
-                  <a:t>.</a:t>
-                </a:r>
-                <a:r>
-                  <a:rPr lang="en-US" sz="2000" dirty="0">
-                    <a:ea typeface="Cambria Math" panose="02040503050406030204" pitchFamily="18" charset="0"/>
-                  </a:rPr>
-                  <a:t> </a:t>
-                </a:r>
-                <a14:m>
-                  <m:oMath xmlns:m="http://schemas.openxmlformats.org/officeDocument/2006/math">
-                    <m:r>
-                      <a:rPr lang="en-US" sz="2000" i="1" dirty="0">
-                        <a:latin typeface="Cambria Math" panose="02040503050406030204" pitchFamily="18" charset="0"/>
-                        <a:ea typeface="Cambria Math" panose="02040503050406030204" pitchFamily="18" charset="0"/>
-                      </a:rPr>
-                      <m:t>∎</m:t>
-                    </m:r>
-                  </m:oMath>
-                </a14:m>
                 <a:endParaRPr lang="en-US" sz="2000" dirty="0">
                   <a:solidFill>
                     <a:schemeClr val="accent1"/>
                   </a:solidFill>
                 </a:endParaRPr>
               </a:p>
+              <a:p>
+                <a:pPr lvl="1"/>
+                <a:r>
+                  <a:rPr lang="en-US" sz="2000" b="1" i="1" dirty="0">
+                    <a:solidFill>
+                      <a:srgbClr val="FF0000"/>
+                    </a:solidFill>
+                  </a:rPr>
+                  <a:t>Tree edges </a:t>
+                </a:r>
+                <a:r>
+                  <a:rPr lang="en-US" sz="2000" dirty="0">
+                    <a:solidFill>
+                      <a:schemeClr val="accent1"/>
+                    </a:solidFill>
+                  </a:rPr>
+                  <a:t>are edges in </a:t>
+                </a:r>
+                <a14:m>
+                  <m:oMath xmlns:m="http://schemas.openxmlformats.org/officeDocument/2006/math">
+                    <m:sSub>
+                      <m:sSubPr>
+                        <m:ctrlPr>
+                          <a:rPr lang="en-US" sz="2000" i="1" smtClean="0">
+                            <a:solidFill>
+                              <a:schemeClr val="tx1"/>
+                            </a:solidFill>
+                            <a:latin typeface="Cambria Math" panose="02040503050406030204" pitchFamily="18" charset="0"/>
+                          </a:rPr>
+                        </m:ctrlPr>
+                      </m:sSubPr>
+                      <m:e>
+                        <m:r>
+                          <a:rPr lang="en-US" sz="2000" b="0" i="1" smtClean="0">
+                            <a:solidFill>
+                              <a:schemeClr val="tx1"/>
+                            </a:solidFill>
+                            <a:latin typeface="Cambria Math" panose="02040503050406030204" pitchFamily="18" charset="0"/>
+                          </a:rPr>
+                          <m:t>𝐺</m:t>
+                        </m:r>
+                      </m:e>
+                      <m:sub>
+                        <m:r>
+                          <a:rPr lang="en-US" sz="2000" i="1" smtClean="0">
+                            <a:solidFill>
+                              <a:schemeClr val="tx1"/>
+                            </a:solidFill>
+                            <a:latin typeface="Cambria Math" panose="02040503050406030204" pitchFamily="18" charset="0"/>
+                            <a:ea typeface="Cambria Math" panose="02040503050406030204" pitchFamily="18" charset="0"/>
+                          </a:rPr>
+                          <m:t>𝜋</m:t>
+                        </m:r>
+                      </m:sub>
+                    </m:sSub>
+                  </m:oMath>
+                </a14:m>
+                <a:r>
+                  <a:rPr lang="en-US" sz="2000" dirty="0">
+                    <a:solidFill>
+                      <a:schemeClr val="accent1"/>
+                    </a:solidFill>
+                  </a:rPr>
+                  <a:t>. Edge </a:t>
+                </a:r>
+                <a14:m>
+                  <m:oMath xmlns:m="http://schemas.openxmlformats.org/officeDocument/2006/math">
+                    <m:r>
+                      <a:rPr lang="en-US" sz="2000" b="0" i="1" smtClean="0">
+                        <a:solidFill>
+                          <a:schemeClr val="tx1"/>
+                        </a:solidFill>
+                        <a:latin typeface="Cambria Math" panose="02040503050406030204" pitchFamily="18" charset="0"/>
+                      </a:rPr>
+                      <m:t>(</m:t>
+                    </m:r>
+                    <m:r>
+                      <a:rPr lang="en-US" sz="2000" b="0" i="1" smtClean="0">
+                        <a:solidFill>
+                          <a:schemeClr val="tx1"/>
+                        </a:solidFill>
+                        <a:latin typeface="Cambria Math" panose="02040503050406030204" pitchFamily="18" charset="0"/>
+                      </a:rPr>
+                      <m:t>𝑢</m:t>
+                    </m:r>
+                    <m:r>
+                      <a:rPr lang="en-US" sz="2000" b="0" i="1" smtClean="0">
+                        <a:solidFill>
+                          <a:schemeClr val="tx1"/>
+                        </a:solidFill>
+                        <a:latin typeface="Cambria Math" panose="02040503050406030204" pitchFamily="18" charset="0"/>
+                      </a:rPr>
+                      <m:t>,</m:t>
+                    </m:r>
+                    <m:r>
+                      <a:rPr lang="en-US" sz="2000" b="0" i="1" smtClean="0">
+                        <a:solidFill>
+                          <a:schemeClr val="tx1"/>
+                        </a:solidFill>
+                        <a:latin typeface="Cambria Math" panose="02040503050406030204" pitchFamily="18" charset="0"/>
+                      </a:rPr>
+                      <m:t>𝑣</m:t>
+                    </m:r>
+                    <m:r>
+                      <a:rPr lang="en-US" sz="2000" b="0" i="1" smtClean="0">
+                        <a:solidFill>
+                          <a:schemeClr val="tx1"/>
+                        </a:solidFill>
+                        <a:latin typeface="Cambria Math" panose="02040503050406030204" pitchFamily="18" charset="0"/>
+                      </a:rPr>
+                      <m:t>)</m:t>
+                    </m:r>
+                  </m:oMath>
+                </a14:m>
+                <a:r>
+                  <a:rPr lang="en-US" sz="2000" dirty="0">
+                    <a:solidFill>
+                      <a:schemeClr val="accent1"/>
+                    </a:solidFill>
+                  </a:rPr>
+                  <a:t> is a tree edge if </a:t>
+                </a:r>
+                <a14:m>
+                  <m:oMath xmlns:m="http://schemas.openxmlformats.org/officeDocument/2006/math">
+                    <m:r>
+                      <a:rPr lang="en-US" sz="2000" i="1">
+                        <a:latin typeface="Cambria Math" panose="02040503050406030204" pitchFamily="18" charset="0"/>
+                      </a:rPr>
+                      <m:t>𝑣</m:t>
+                    </m:r>
+                  </m:oMath>
+                </a14:m>
+                <a:r>
+                  <a:rPr lang="en-US" sz="2000" dirty="0">
+                    <a:solidFill>
+                      <a:schemeClr val="accent1"/>
+                    </a:solidFill>
+                  </a:rPr>
+                  <a:t> was first discovered by exploring  </a:t>
+                </a:r>
+                <a14:m>
+                  <m:oMath xmlns:m="http://schemas.openxmlformats.org/officeDocument/2006/math">
+                    <m:r>
+                      <a:rPr lang="en-US" sz="2000" i="1">
+                        <a:latin typeface="Cambria Math" panose="02040503050406030204" pitchFamily="18" charset="0"/>
+                      </a:rPr>
+                      <m:t>(</m:t>
+                    </m:r>
+                    <m:r>
+                      <a:rPr lang="en-US" sz="2000" i="1">
+                        <a:latin typeface="Cambria Math" panose="02040503050406030204" pitchFamily="18" charset="0"/>
+                      </a:rPr>
+                      <m:t>𝑢</m:t>
+                    </m:r>
+                    <m:r>
+                      <a:rPr lang="en-US" sz="2000" i="1">
+                        <a:latin typeface="Cambria Math" panose="02040503050406030204" pitchFamily="18" charset="0"/>
+                      </a:rPr>
+                      <m:t>,</m:t>
+                    </m:r>
+                    <m:r>
+                      <a:rPr lang="en-US" sz="2000" i="1">
+                        <a:latin typeface="Cambria Math" panose="02040503050406030204" pitchFamily="18" charset="0"/>
+                      </a:rPr>
+                      <m:t>𝑣</m:t>
+                    </m:r>
+                    <m:r>
+                      <a:rPr lang="en-US" sz="2000" i="1">
+                        <a:latin typeface="Cambria Math" panose="02040503050406030204" pitchFamily="18" charset="0"/>
+                      </a:rPr>
+                      <m:t>)</m:t>
+                    </m:r>
+                  </m:oMath>
+                </a14:m>
+                <a:r>
+                  <a:rPr lang="en-US" sz="2000" dirty="0">
+                    <a:solidFill>
+                      <a:schemeClr val="accent1"/>
+                    </a:solidFill>
+                  </a:rPr>
+                  <a:t>.</a:t>
+                </a:r>
+              </a:p>
+              <a:p>
+                <a:pPr lvl="1"/>
+                <a:r>
+                  <a:rPr lang="en-US" sz="2000" b="1" i="1" dirty="0">
+                    <a:solidFill>
+                      <a:srgbClr val="FF0000"/>
+                    </a:solidFill>
+                  </a:rPr>
+                  <a:t>Back edges </a:t>
+                </a:r>
+                <a:r>
+                  <a:rPr lang="en-US" sz="2000" dirty="0">
+                    <a:solidFill>
+                      <a:schemeClr val="accent1"/>
+                    </a:solidFill>
+                  </a:rPr>
+                  <a:t>are those edges </a:t>
+                </a:r>
+                <a14:m>
+                  <m:oMath xmlns:m="http://schemas.openxmlformats.org/officeDocument/2006/math">
+                    <m:r>
+                      <a:rPr lang="en-US" sz="2000" b="0" i="1" smtClean="0">
+                        <a:solidFill>
+                          <a:schemeClr val="tx1"/>
+                        </a:solidFill>
+                        <a:latin typeface="Cambria Math" panose="02040503050406030204" pitchFamily="18" charset="0"/>
+                      </a:rPr>
+                      <m:t>(</m:t>
+                    </m:r>
+                    <m:r>
+                      <a:rPr lang="en-US" sz="2000" b="0" i="1" smtClean="0">
+                        <a:solidFill>
+                          <a:schemeClr val="tx1"/>
+                        </a:solidFill>
+                        <a:latin typeface="Cambria Math" panose="02040503050406030204" pitchFamily="18" charset="0"/>
+                      </a:rPr>
+                      <m:t>𝑢</m:t>
+                    </m:r>
+                    <m:r>
+                      <a:rPr lang="en-US" sz="2000" b="0" i="1" smtClean="0">
+                        <a:solidFill>
+                          <a:schemeClr val="tx1"/>
+                        </a:solidFill>
+                        <a:latin typeface="Cambria Math" panose="02040503050406030204" pitchFamily="18" charset="0"/>
+                      </a:rPr>
+                      <m:t>,</m:t>
+                    </m:r>
+                    <m:r>
+                      <a:rPr lang="en-US" sz="2000" b="0" i="1" smtClean="0">
+                        <a:solidFill>
+                          <a:schemeClr val="tx1"/>
+                        </a:solidFill>
+                        <a:latin typeface="Cambria Math" panose="02040503050406030204" pitchFamily="18" charset="0"/>
+                      </a:rPr>
+                      <m:t>𝑣</m:t>
+                    </m:r>
+                    <m:r>
+                      <a:rPr lang="en-US" sz="2000" b="0" i="1" smtClean="0">
+                        <a:solidFill>
+                          <a:schemeClr val="tx1"/>
+                        </a:solidFill>
+                        <a:latin typeface="Cambria Math" panose="02040503050406030204" pitchFamily="18" charset="0"/>
+                      </a:rPr>
+                      <m:t>)</m:t>
+                    </m:r>
+                  </m:oMath>
+                </a14:m>
+                <a:r>
+                  <a:rPr lang="en-US" sz="2000" dirty="0">
+                    <a:solidFill>
+                      <a:schemeClr val="accent1"/>
+                    </a:solidFill>
+                  </a:rPr>
+                  <a:t> connecting a vertex </a:t>
+                </a:r>
+                <a14:m>
+                  <m:oMath xmlns:m="http://schemas.openxmlformats.org/officeDocument/2006/math">
+                    <m:r>
+                      <a:rPr lang="en-US" sz="2000" i="1">
+                        <a:latin typeface="Cambria Math" panose="02040503050406030204" pitchFamily="18" charset="0"/>
+                      </a:rPr>
+                      <m:t>𝑢</m:t>
+                    </m:r>
+                  </m:oMath>
+                </a14:m>
+                <a:r>
+                  <a:rPr lang="en-US" sz="2000" dirty="0">
+                    <a:solidFill>
+                      <a:schemeClr val="accent1"/>
+                    </a:solidFill>
+                  </a:rPr>
+                  <a:t> to a ancestor </a:t>
+                </a:r>
+                <a14:m>
+                  <m:oMath xmlns:m="http://schemas.openxmlformats.org/officeDocument/2006/math">
+                    <m:r>
+                      <a:rPr lang="en-US" sz="2000" i="1">
+                        <a:latin typeface="Cambria Math" panose="02040503050406030204" pitchFamily="18" charset="0"/>
+                      </a:rPr>
+                      <m:t>𝑣</m:t>
+                    </m:r>
+                  </m:oMath>
+                </a14:m>
+                <a:r>
+                  <a:rPr lang="en-US" sz="2000" dirty="0">
+                    <a:solidFill>
+                      <a:schemeClr val="accent1"/>
+                    </a:solidFill>
+                  </a:rPr>
+                  <a:t> in a DFS tree.</a:t>
+                </a:r>
+              </a:p>
+              <a:p>
+                <a:pPr lvl="1"/>
+                <a:r>
+                  <a:rPr lang="en-US" sz="2000" b="1" i="1" dirty="0">
+                    <a:solidFill>
+                      <a:srgbClr val="FF0000"/>
+                    </a:solidFill>
+                  </a:rPr>
+                  <a:t>Forward edges</a:t>
+                </a:r>
+                <a:r>
+                  <a:rPr lang="en-US" sz="2000" dirty="0">
+                    <a:solidFill>
+                      <a:schemeClr val="accent1"/>
+                    </a:solidFill>
+                  </a:rPr>
+                  <a:t> are those non-tree edges connecting a vertex </a:t>
+                </a:r>
+                <a14:m>
+                  <m:oMath xmlns:m="http://schemas.openxmlformats.org/officeDocument/2006/math">
+                    <m:r>
+                      <a:rPr lang="en-US" sz="2000" i="1">
+                        <a:latin typeface="Cambria Math" panose="02040503050406030204" pitchFamily="18" charset="0"/>
+                      </a:rPr>
+                      <m:t>𝑢</m:t>
+                    </m:r>
+                  </m:oMath>
+                </a14:m>
+                <a:r>
+                  <a:rPr lang="en-US" sz="2000" dirty="0">
+                    <a:solidFill>
+                      <a:schemeClr val="accent1"/>
+                    </a:solidFill>
+                  </a:rPr>
+                  <a:t> to a descendant </a:t>
+                </a:r>
+                <a14:m>
+                  <m:oMath xmlns:m="http://schemas.openxmlformats.org/officeDocument/2006/math">
+                    <m:r>
+                      <a:rPr lang="en-US" sz="2000" i="1">
+                        <a:latin typeface="Cambria Math" panose="02040503050406030204" pitchFamily="18" charset="0"/>
+                      </a:rPr>
+                      <m:t>𝑣</m:t>
+                    </m:r>
+                  </m:oMath>
+                </a14:m>
+                <a:r>
+                  <a:rPr lang="en-US" sz="2000" dirty="0">
+                    <a:solidFill>
+                      <a:schemeClr val="accent1"/>
+                    </a:solidFill>
+                  </a:rPr>
+                  <a:t> in a DFS tree.</a:t>
+                </a:r>
+              </a:p>
+              <a:p>
+                <a:pPr lvl="1"/>
+                <a:r>
+                  <a:rPr lang="en-US" sz="2000" b="1" i="1" dirty="0">
+                    <a:solidFill>
+                      <a:srgbClr val="FF0000"/>
+                    </a:solidFill>
+                  </a:rPr>
+                  <a:t>Cross edges </a:t>
+                </a:r>
+                <a:r>
+                  <a:rPr lang="en-US" sz="2000" dirty="0">
+                    <a:solidFill>
+                      <a:schemeClr val="accent1"/>
+                    </a:solidFill>
+                  </a:rPr>
+                  <a:t>are all other edges that go between vertices that are not </a:t>
+                </a:r>
+                <a:r>
+                  <a:rPr lang="en-US" sz="2000" b="1" i="1" dirty="0">
+                    <a:solidFill>
+                      <a:srgbClr val="FF0000"/>
+                    </a:solidFill>
+                  </a:rPr>
+                  <a:t>ancestor-descendant- related</a:t>
+                </a:r>
+                <a:r>
+                  <a:rPr lang="en-US" sz="2000" dirty="0">
+                    <a:solidFill>
+                      <a:schemeClr val="accent1"/>
+                    </a:solidFill>
+                  </a:rPr>
+                  <a:t>.</a:t>
+                </a:r>
+              </a:p>
+              <a:p>
+                <a:pPr lvl="1"/>
+                <a:endParaRPr lang="en-US" sz="2000" dirty="0">
+                  <a:solidFill>
+                    <a:schemeClr val="accent1"/>
+                  </a:solidFill>
+                </a:endParaRPr>
+              </a:p>
             </p:txBody>
           </p:sp>
         </mc:Choice>
-        <mc:Fallback>
+        <mc:Fallback xmlns="">
           <p:sp>
             <p:nvSpPr>
               <p:cNvPr id="3" name="Content Placeholder 2">
                 <a:extLst>
                   <a:ext uri="{FF2B5EF4-FFF2-40B4-BE49-F238E27FC236}">
-                    <a16:creationId xmlns:a16="http://schemas.microsoft.com/office/drawing/2014/main" id="{016E81BC-85BF-4C58-B2C9-B22D49385ADD}"/>
+                    <a16:creationId xmlns:a16="http://schemas.microsoft.com/office/drawing/2014/main" id="{A2EB5FE4-0B39-4D5C-BD31-A0D9D2057E6A}"/>
                   </a:ext>
                 </a:extLst>
               </p:cNvPr>
@@ -29187,7 +29865,7 @@
               <a:blipFill>
                 <a:blip r:embed="rId2"/>
                 <a:stretch>
-                  <a:fillRect l="-638" t="-1401"/>
+                  <a:fillRect l="-580" t="-1401"/>
                 </a:stretch>
               </a:blipFill>
             </p:spPr>
@@ -29209,7 +29887,7 @@
     </p:spTree>
     <p:extLst>
       <p:ext uri="{BB962C8B-B14F-4D97-AF65-F5344CB8AC3E}">
-        <p14:creationId xmlns:p14="http://schemas.microsoft.com/office/powerpoint/2010/main" val="92285863"/>
+        <p14:creationId xmlns:p14="http://schemas.microsoft.com/office/powerpoint/2010/main" val="1836996837"/>
       </p:ext>
     </p:extLst>
   </p:cSld>
@@ -29271,8 +29949,8 @@
           </a:p>
         </p:txBody>
       </p:sp>
-      <mc:AlternateContent xmlns:mc="http://schemas.openxmlformats.org/markup-compatibility/2006">
-        <mc:Choice xmlns:a14="http://schemas.microsoft.com/office/drawing/2010/main" Requires="a14">
+      <mc:AlternateContent xmlns:mc="http://schemas.openxmlformats.org/markup-compatibility/2006" xmlns:a14="http://schemas.microsoft.com/office/drawing/2010/main">
+        <mc:Choice Requires="a14">
           <p:sp>
             <p:nvSpPr>
               <p:cNvPr id="3" name="Content Placeholder 2">
@@ -29292,7 +29970,7 @@
             <p:spPr/>
             <p:txBody>
               <a:bodyPr>
-                <a:normAutofit fontScale="92500"/>
+                <a:normAutofit fontScale="92500" lnSpcReduction="10000"/>
               </a:bodyPr>
               <a:lstStyle/>
               <a:p>
@@ -29305,58 +29983,64 @@
                       <a:schemeClr val="accent1"/>
                     </a:solidFill>
                   </a:rPr>
-                  <a:t>Another property of DFS is that the search can be used to </a:t>
-                </a:r>
-                <a:r>
-                  <a:rPr lang="en-US" sz="2000" b="1" i="1" dirty="0">
-                    <a:solidFill>
-                      <a:srgbClr val="FF0000"/>
-                    </a:solidFill>
-                  </a:rPr>
-                  <a:t>classify</a:t>
-                </a:r>
-                <a:r>
-                  <a:rPr lang="en-US" sz="2000" dirty="0">
-                    <a:solidFill>
-                      <a:schemeClr val="accent1"/>
-                    </a:solidFill>
-                  </a:rPr>
-                  <a:t> the edges in the input graph </a:t>
-                </a:r>
-                <a14:m>
-                  <m:oMath xmlns:m="http://schemas.openxmlformats.org/officeDocument/2006/math">
-                    <m:r>
-                      <a:rPr lang="en-US" sz="2000" i="1" smtClean="0">
-                        <a:latin typeface="Cambria Math" panose="02040503050406030204" pitchFamily="18" charset="0"/>
-                      </a:rPr>
-                      <m:t>𝐺</m:t>
-                    </m:r>
-                    <m:r>
-                      <a:rPr lang="en-US" sz="2000" i="1" smtClean="0">
-                        <a:latin typeface="Cambria Math" panose="02040503050406030204" pitchFamily="18" charset="0"/>
-                      </a:rPr>
-                      <m:t>=(</m:t>
-                    </m:r>
-                    <m:r>
-                      <a:rPr lang="en-US" sz="2000" i="1" smtClean="0">
-                        <a:latin typeface="Cambria Math" panose="02040503050406030204" pitchFamily="18" charset="0"/>
-                      </a:rPr>
-                      <m:t>𝑉</m:t>
-                    </m:r>
-                    <m:r>
-                      <a:rPr lang="en-US" sz="2000" i="1" smtClean="0">
+                  <a:t>The DFS algorithm has enough information to classify some edges as it encounters them.</a:t>
+                </a:r>
+              </a:p>
+              <a:p>
+                <a:pPr marL="0" indent="0">
+                  <a:buNone/>
+                </a:pPr>
+                <a:r>
+                  <a:rPr lang="en-US" sz="2000" dirty="0">
+                    <a:solidFill>
+                      <a:schemeClr val="accent1"/>
+                    </a:solidFill>
+                  </a:rPr>
+                  <a:t>The key idea is that when we first explore an edge </a:t>
+                </a:r>
+                <a14:m>
+                  <m:oMath xmlns:m="http://schemas.openxmlformats.org/officeDocument/2006/math">
+                    <m:r>
+                      <a:rPr lang="en-US" sz="2000" b="0" i="1" smtClean="0">
+                        <a:solidFill>
+                          <a:schemeClr val="tx1"/>
+                        </a:solidFill>
+                        <a:latin typeface="Cambria Math" panose="02040503050406030204" pitchFamily="18" charset="0"/>
+                      </a:rPr>
+                      <m:t>(</m:t>
+                    </m:r>
+                    <m:r>
+                      <a:rPr lang="en-US" sz="2000" b="0" i="1" smtClean="0">
+                        <a:solidFill>
+                          <a:schemeClr val="tx1"/>
+                        </a:solidFill>
+                        <a:latin typeface="Cambria Math" panose="02040503050406030204" pitchFamily="18" charset="0"/>
+                      </a:rPr>
+                      <m:t>𝑢</m:t>
+                    </m:r>
+                    <m:r>
+                      <a:rPr lang="en-US" sz="2000" b="0" i="1" smtClean="0">
+                        <a:solidFill>
+                          <a:schemeClr val="tx1"/>
+                        </a:solidFill>
                         <a:latin typeface="Cambria Math" panose="02040503050406030204" pitchFamily="18" charset="0"/>
                       </a:rPr>
                       <m:t>,</m:t>
                     </m:r>
                     <m:r>
-                      <a:rPr lang="en-US" sz="2000" i="1" smtClean="0">
-                        <a:latin typeface="Cambria Math" panose="02040503050406030204" pitchFamily="18" charset="0"/>
-                      </a:rPr>
-                      <m:t>𝐸</m:t>
-                    </m:r>
-                    <m:r>
-                      <a:rPr lang="en-US" sz="2000" b="0" i="0" smtClean="0">
+                      <a:rPr lang="en-US" sz="2000" b="0" i="1" smtClean="0">
+                        <a:solidFill>
+                          <a:schemeClr val="tx1"/>
+                        </a:solidFill>
+                        <a:latin typeface="Cambria Math" panose="02040503050406030204" pitchFamily="18" charset="0"/>
+                      </a:rPr>
+                      <m:t>𝑣</m:t>
+                    </m:r>
+                    <m:r>
+                      <a:rPr lang="en-US" sz="2000" b="0" i="1" smtClean="0">
+                        <a:solidFill>
+                          <a:schemeClr val="tx1"/>
+                        </a:solidFill>
                         <a:latin typeface="Cambria Math" panose="02040503050406030204" pitchFamily="18" charset="0"/>
                       </a:rPr>
                       <m:t>)</m:t>
@@ -29369,7 +30053,25 @@
                       <a:schemeClr val="accent1"/>
                     </a:solidFill>
                   </a:rPr>
-                  <a:t>.</a:t>
+                  <a:t>, the color of vertex </a:t>
+                </a:r>
+                <a14:m>
+                  <m:oMath xmlns:m="http://schemas.openxmlformats.org/officeDocument/2006/math">
+                    <m:r>
+                      <a:rPr lang="en-US" sz="2000" i="1">
+                        <a:latin typeface="Cambria Math" panose="02040503050406030204" pitchFamily="18" charset="0"/>
+                      </a:rPr>
+                      <m:t>𝑣</m:t>
+                    </m:r>
+                  </m:oMath>
+                </a14:m>
+                <a:r>
+                  <a:rPr lang="en-US" sz="2000" dirty="0">
+                    <a:solidFill>
+                      <a:schemeClr val="accent1"/>
+                    </a:solidFill>
+                  </a:rPr>
+                  <a:t> tells us something about the edge:</a:t>
                 </a:r>
               </a:p>
               <a:p>
@@ -29383,6 +30085,113 @@
                 </a:endParaRPr>
               </a:p>
               <a:p>
+                <a:pPr lvl="1"/>
+                <a:r>
+                  <a:rPr lang="en-US" sz="2000" b="1" i="1" dirty="0">
+                    <a:solidFill>
+                      <a:srgbClr val="FF0000"/>
+                    </a:solidFill>
+                  </a:rPr>
+                  <a:t>White </a:t>
+                </a:r>
+                <a:r>
+                  <a:rPr lang="en-US" sz="2000" dirty="0">
+                    <a:solidFill>
+                      <a:schemeClr val="accent1"/>
+                    </a:solidFill>
+                  </a:rPr>
+                  <a:t>indicates a </a:t>
+                </a:r>
+                <a:r>
+                  <a:rPr lang="en-US" sz="2000" b="1" i="1" dirty="0">
+                    <a:solidFill>
+                      <a:srgbClr val="FF0000"/>
+                    </a:solidFill>
+                  </a:rPr>
+                  <a:t>tree edge</a:t>
+                </a:r>
+              </a:p>
+              <a:p>
+                <a:pPr lvl="1"/>
+                <a:r>
+                  <a:rPr lang="en-US" sz="2000" b="1" i="1" dirty="0">
+                    <a:solidFill>
+                      <a:srgbClr val="FF0000"/>
+                    </a:solidFill>
+                  </a:rPr>
+                  <a:t>Gray</a:t>
+                </a:r>
+                <a:r>
+                  <a:rPr lang="en-US" sz="2000" dirty="0">
+                    <a:solidFill>
+                      <a:schemeClr val="accent1"/>
+                    </a:solidFill>
+                  </a:rPr>
+                  <a:t> indicates   a </a:t>
+                </a:r>
+                <a:r>
+                  <a:rPr lang="en-US" sz="2000" b="1" i="1" dirty="0">
+                    <a:solidFill>
+                      <a:srgbClr val="FF0000"/>
+                    </a:solidFill>
+                  </a:rPr>
+                  <a:t>back edge</a:t>
+                </a:r>
+              </a:p>
+              <a:p>
+                <a:pPr lvl="1"/>
+                <a:r>
+                  <a:rPr lang="en-US" sz="2000" b="1" i="1" dirty="0">
+                    <a:solidFill>
+                      <a:srgbClr val="FF0000"/>
+                    </a:solidFill>
+                  </a:rPr>
+                  <a:t>Black</a:t>
+                </a:r>
+                <a:r>
+                  <a:rPr lang="en-US" sz="2000" dirty="0">
+                    <a:solidFill>
+                      <a:schemeClr val="accent1"/>
+                    </a:solidFill>
+                  </a:rPr>
+                  <a:t> indicates a </a:t>
+                </a:r>
+                <a:r>
+                  <a:rPr lang="en-US" sz="2000" b="1" i="1" dirty="0">
+                    <a:solidFill>
+                      <a:srgbClr val="FF0000"/>
+                    </a:solidFill>
+                  </a:rPr>
+                  <a:t>forward</a:t>
+                </a:r>
+                <a:r>
+                  <a:rPr lang="en-US" sz="2000" dirty="0">
+                    <a:solidFill>
+                      <a:schemeClr val="accent1"/>
+                    </a:solidFill>
+                  </a:rPr>
+                  <a:t> or a </a:t>
+                </a:r>
+                <a:r>
+                  <a:rPr lang="en-US" sz="2000" b="1" i="1" dirty="0">
+                    <a:solidFill>
+                      <a:srgbClr val="FF0000"/>
+                    </a:solidFill>
+                  </a:rPr>
+                  <a:t>cross edge</a:t>
+                </a:r>
+              </a:p>
+              <a:p>
+                <a:pPr marL="457200" lvl="1" indent="0">
+                  <a:buNone/>
+                </a:pPr>
+                <a:endParaRPr lang="en-US" sz="2000" b="1" i="1" dirty="0">
+                  <a:solidFill>
+                    <a:srgbClr val="FF0000"/>
+                  </a:solidFill>
+                </a:endParaRPr>
+              </a:p>
+              <a:p>
                 <a:pPr marL="0" indent="0">
                   <a:buNone/>
                 </a:pPr>
@@ -29392,8 +30201,300 @@
                       <a:schemeClr val="accent1"/>
                     </a:solidFill>
                   </a:rPr>
-                  <a:t>The type of each edge can provide information about the graph.</a:t>
-                </a:r>
+                  <a:t>To distinguish between forward and cross edges,</a:t>
+                </a:r>
+              </a:p>
+              <a:p>
+                <a:pPr marL="0" indent="0">
+                  <a:buNone/>
+                </a:pPr>
+                <a:r>
+                  <a:rPr lang="en-US" sz="2000" dirty="0">
+                    <a:solidFill>
+                      <a:schemeClr val="accent1"/>
+                    </a:solidFill>
+                  </a:rPr>
+                  <a:t>	</a:t>
+                </a:r>
+                <a:r>
+                  <a:rPr lang="en-US" sz="2000" b="0" dirty="0">
+                    <a:solidFill>
+                      <a:schemeClr val="tx1"/>
+                    </a:solidFill>
+                  </a:rPr>
+                  <a:t> </a:t>
+                </a:r>
+                <a14:m>
+                  <m:oMath xmlns:m="http://schemas.openxmlformats.org/officeDocument/2006/math">
+                    <m:r>
+                      <a:rPr lang="en-US" sz="2000" b="0" i="1" smtClean="0">
+                        <a:solidFill>
+                          <a:schemeClr val="tx1"/>
+                        </a:solidFill>
+                        <a:latin typeface="Cambria Math" panose="02040503050406030204" pitchFamily="18" charset="0"/>
+                      </a:rPr>
+                      <m:t>(</m:t>
+                    </m:r>
+                    <m:r>
+                      <a:rPr lang="en-US" sz="2000" b="0" i="1" smtClean="0">
+                        <a:solidFill>
+                          <a:schemeClr val="tx1"/>
+                        </a:solidFill>
+                        <a:latin typeface="Cambria Math" panose="02040503050406030204" pitchFamily="18" charset="0"/>
+                      </a:rPr>
+                      <m:t>𝑢</m:t>
+                    </m:r>
+                    <m:r>
+                      <a:rPr lang="en-US" sz="2000" b="0" i="1" smtClean="0">
+                        <a:solidFill>
+                          <a:schemeClr val="tx1"/>
+                        </a:solidFill>
+                        <a:latin typeface="Cambria Math" panose="02040503050406030204" pitchFamily="18" charset="0"/>
+                      </a:rPr>
+                      <m:t>,</m:t>
+                    </m:r>
+                    <m:r>
+                      <a:rPr lang="en-US" sz="2000" b="0" i="1" smtClean="0">
+                        <a:solidFill>
+                          <a:schemeClr val="tx1"/>
+                        </a:solidFill>
+                        <a:latin typeface="Cambria Math" panose="02040503050406030204" pitchFamily="18" charset="0"/>
+                      </a:rPr>
+                      <m:t>𝑣</m:t>
+                    </m:r>
+                    <m:r>
+                      <a:rPr lang="en-US" sz="2000" b="0" i="1" smtClean="0">
+                        <a:solidFill>
+                          <a:schemeClr val="tx1"/>
+                        </a:solidFill>
+                        <a:latin typeface="Cambria Math" panose="02040503050406030204" pitchFamily="18" charset="0"/>
+                      </a:rPr>
+                      <m:t>)</m:t>
+                    </m:r>
+                  </m:oMath>
+                </a14:m>
+                <a:r>
+                  <a:rPr lang="en-US" sz="2000" dirty="0">
+                    <a:solidFill>
+                      <a:schemeClr val="accent1"/>
+                    </a:solidFill>
+                  </a:rPr>
+                  <a:t> is a forward edge if </a:t>
+                </a:r>
+                <a14:m>
+                  <m:oMath xmlns:m="http://schemas.openxmlformats.org/officeDocument/2006/math">
+                    <m:r>
+                      <a:rPr lang="en-US" sz="2000" b="0" i="1" smtClean="0">
+                        <a:solidFill>
+                          <a:schemeClr val="tx1"/>
+                        </a:solidFill>
+                        <a:latin typeface="Cambria Math" panose="02040503050406030204" pitchFamily="18" charset="0"/>
+                      </a:rPr>
+                      <m:t>𝑢</m:t>
+                    </m:r>
+                    <m:r>
+                      <a:rPr lang="en-US" sz="2000" b="0" i="1" smtClean="0">
+                        <a:solidFill>
+                          <a:schemeClr val="tx1"/>
+                        </a:solidFill>
+                        <a:latin typeface="Cambria Math" panose="02040503050406030204" pitchFamily="18" charset="0"/>
+                      </a:rPr>
+                      <m:t>.</m:t>
+                    </m:r>
+                    <m:r>
+                      <a:rPr lang="en-US" sz="2000" b="0" i="1" smtClean="0">
+                        <a:solidFill>
+                          <a:schemeClr val="tx1"/>
+                        </a:solidFill>
+                        <a:latin typeface="Cambria Math" panose="02040503050406030204" pitchFamily="18" charset="0"/>
+                      </a:rPr>
+                      <m:t>𝑑</m:t>
+                    </m:r>
+                    <m:r>
+                      <a:rPr lang="en-US" sz="2000" b="0" i="1" smtClean="0">
+                        <a:solidFill>
+                          <a:schemeClr val="tx1"/>
+                        </a:solidFill>
+                        <a:latin typeface="Cambria Math" panose="02040503050406030204" pitchFamily="18" charset="0"/>
+                      </a:rPr>
+                      <m:t>&lt;</m:t>
+                    </m:r>
+                    <m:r>
+                      <a:rPr lang="en-US" sz="2000" b="0" i="1" smtClean="0">
+                        <a:solidFill>
+                          <a:schemeClr val="tx1"/>
+                        </a:solidFill>
+                        <a:latin typeface="Cambria Math" panose="02040503050406030204" pitchFamily="18" charset="0"/>
+                      </a:rPr>
+                      <m:t>𝑣</m:t>
+                    </m:r>
+                    <m:r>
+                      <a:rPr lang="en-US" sz="2000" b="0" i="1" smtClean="0">
+                        <a:solidFill>
+                          <a:schemeClr val="tx1"/>
+                        </a:solidFill>
+                        <a:latin typeface="Cambria Math" panose="02040503050406030204" pitchFamily="18" charset="0"/>
+                      </a:rPr>
+                      <m:t>.</m:t>
+                    </m:r>
+                    <m:r>
+                      <a:rPr lang="en-US" sz="2000" b="0" i="1" smtClean="0">
+                        <a:solidFill>
+                          <a:schemeClr val="tx1"/>
+                        </a:solidFill>
+                        <a:latin typeface="Cambria Math" panose="02040503050406030204" pitchFamily="18" charset="0"/>
+                      </a:rPr>
+                      <m:t>𝑑</m:t>
+                    </m:r>
+                  </m:oMath>
+                </a14:m>
+                <a:endParaRPr lang="en-US" sz="2000" dirty="0">
+                  <a:solidFill>
+                    <a:schemeClr val="accent1"/>
+                  </a:solidFill>
+                </a:endParaRPr>
+              </a:p>
+              <a:p>
+                <a:pPr marL="0" indent="0">
+                  <a:buNone/>
+                </a:pPr>
+                <a:r>
+                  <a:rPr lang="en-US" sz="2000" b="0" dirty="0">
+                    <a:solidFill>
+                      <a:schemeClr val="tx1"/>
+                    </a:solidFill>
+                  </a:rPr>
+                  <a:t> 	 </a:t>
+                </a:r>
+                <a14:m>
+                  <m:oMath xmlns:m="http://schemas.openxmlformats.org/officeDocument/2006/math">
+                    <m:r>
+                      <a:rPr lang="en-US" sz="2000" b="0" i="1" smtClean="0">
+                        <a:solidFill>
+                          <a:schemeClr val="tx1"/>
+                        </a:solidFill>
+                        <a:latin typeface="Cambria Math" panose="02040503050406030204" pitchFamily="18" charset="0"/>
+                      </a:rPr>
+                      <m:t>(</m:t>
+                    </m:r>
+                    <m:r>
+                      <a:rPr lang="en-US" sz="2000" b="0" i="1" smtClean="0">
+                        <a:solidFill>
+                          <a:schemeClr val="tx1"/>
+                        </a:solidFill>
+                        <a:latin typeface="Cambria Math" panose="02040503050406030204" pitchFamily="18" charset="0"/>
+                      </a:rPr>
+                      <m:t>𝑢</m:t>
+                    </m:r>
+                    <m:r>
+                      <a:rPr lang="en-US" sz="2000" b="0" i="1" smtClean="0">
+                        <a:solidFill>
+                          <a:schemeClr val="tx1"/>
+                        </a:solidFill>
+                        <a:latin typeface="Cambria Math" panose="02040503050406030204" pitchFamily="18" charset="0"/>
+                      </a:rPr>
+                      <m:t>,</m:t>
+                    </m:r>
+                    <m:r>
+                      <a:rPr lang="en-US" sz="2000" b="0" i="1" smtClean="0">
+                        <a:solidFill>
+                          <a:schemeClr val="tx1"/>
+                        </a:solidFill>
+                        <a:latin typeface="Cambria Math" panose="02040503050406030204" pitchFamily="18" charset="0"/>
+                      </a:rPr>
+                      <m:t>𝑣</m:t>
+                    </m:r>
+                    <m:r>
+                      <a:rPr lang="en-US" sz="2000" b="0" i="1" smtClean="0">
+                        <a:solidFill>
+                          <a:schemeClr val="tx1"/>
+                        </a:solidFill>
+                        <a:latin typeface="Cambria Math" panose="02040503050406030204" pitchFamily="18" charset="0"/>
+                      </a:rPr>
+                      <m:t>)</m:t>
+                    </m:r>
+                  </m:oMath>
+                </a14:m>
+                <a:r>
+                  <a:rPr lang="en-US" sz="2000" dirty="0">
+                    <a:solidFill>
+                      <a:schemeClr val="accent1"/>
+                    </a:solidFill>
+                  </a:rPr>
+                  <a:t> is a  cross edge      if </a:t>
+                </a:r>
+                <a14:m>
+                  <m:oMath xmlns:m="http://schemas.openxmlformats.org/officeDocument/2006/math">
+                    <m:r>
+                      <a:rPr lang="en-US" sz="2000" b="0" i="1" smtClean="0">
+                        <a:solidFill>
+                          <a:schemeClr val="tx1"/>
+                        </a:solidFill>
+                        <a:latin typeface="Cambria Math" panose="02040503050406030204" pitchFamily="18" charset="0"/>
+                      </a:rPr>
+                      <m:t>𝑢</m:t>
+                    </m:r>
+                    <m:r>
+                      <a:rPr lang="en-US" sz="2000" b="0" i="1" smtClean="0">
+                        <a:solidFill>
+                          <a:schemeClr val="tx1"/>
+                        </a:solidFill>
+                        <a:latin typeface="Cambria Math" panose="02040503050406030204" pitchFamily="18" charset="0"/>
+                      </a:rPr>
+                      <m:t>.</m:t>
+                    </m:r>
+                    <m:r>
+                      <a:rPr lang="en-US" sz="2000" b="0" i="1" smtClean="0">
+                        <a:solidFill>
+                          <a:schemeClr val="tx1"/>
+                        </a:solidFill>
+                        <a:latin typeface="Cambria Math" panose="02040503050406030204" pitchFamily="18" charset="0"/>
+                      </a:rPr>
+                      <m:t>𝑑</m:t>
+                    </m:r>
+                    <m:r>
+                      <a:rPr lang="en-US" sz="2000" b="0" i="1" smtClean="0">
+                        <a:solidFill>
+                          <a:schemeClr val="tx1"/>
+                        </a:solidFill>
+                        <a:latin typeface="Cambria Math" panose="02040503050406030204" pitchFamily="18" charset="0"/>
+                      </a:rPr>
+                      <m:t>&gt;</m:t>
+                    </m:r>
+                    <m:r>
+                      <a:rPr lang="en-US" sz="2000" b="0" i="1" smtClean="0">
+                        <a:solidFill>
+                          <a:schemeClr val="tx1"/>
+                        </a:solidFill>
+                        <a:latin typeface="Cambria Math" panose="02040503050406030204" pitchFamily="18" charset="0"/>
+                      </a:rPr>
+                      <m:t>𝑣</m:t>
+                    </m:r>
+                    <m:r>
+                      <a:rPr lang="en-US" sz="2000" b="0" i="1" smtClean="0">
+                        <a:solidFill>
+                          <a:schemeClr val="tx1"/>
+                        </a:solidFill>
+                        <a:latin typeface="Cambria Math" panose="02040503050406030204" pitchFamily="18" charset="0"/>
+                      </a:rPr>
+                      <m:t>.</m:t>
+                    </m:r>
+                    <m:r>
+                      <a:rPr lang="en-US" sz="2000" b="0" i="1" smtClean="0">
+                        <a:solidFill>
+                          <a:schemeClr val="tx1"/>
+                        </a:solidFill>
+                        <a:latin typeface="Cambria Math" panose="02040503050406030204" pitchFamily="18" charset="0"/>
+                      </a:rPr>
+                      <m:t>𝑑</m:t>
+                    </m:r>
+                  </m:oMath>
+                </a14:m>
+                <a:endParaRPr lang="en-US" sz="2000" dirty="0">
+                  <a:solidFill>
+                    <a:schemeClr val="accent1"/>
+                  </a:solidFill>
+                </a:endParaRPr>
               </a:p>
               <a:p>
                 <a:pPr marL="0" indent="0">
@@ -29410,502 +30511,18 @@
                   <a:buNone/>
                 </a:pPr>
                 <a:r>
-                  <a:rPr lang="en-US" sz="2000" dirty="0">
-                    <a:solidFill>
-                      <a:schemeClr val="accent1"/>
-                    </a:solidFill>
-                  </a:rPr>
-                  <a:t>We can define </a:t>
-                </a:r>
-                <a:r>
                   <a:rPr lang="en-US" sz="2000" b="1" i="1" dirty="0">
                     <a:solidFill>
                       <a:srgbClr val="FF0000"/>
                     </a:solidFill>
                   </a:rPr>
-                  <a:t>four</a:t>
-                </a:r>
-                <a:r>
-                  <a:rPr lang="en-US" sz="2000" dirty="0">
-                    <a:solidFill>
-                      <a:schemeClr val="accent1"/>
-                    </a:solidFill>
-                  </a:rPr>
-                  <a:t> edge types in terms of the DFS forest </a:t>
-                </a:r>
-                <a14:m>
-                  <m:oMath xmlns:m="http://schemas.openxmlformats.org/officeDocument/2006/math">
-                    <m:sSub>
-                      <m:sSubPr>
-                        <m:ctrlPr>
-                          <a:rPr lang="en-US" sz="2000" i="1" smtClean="0">
-                            <a:solidFill>
-                              <a:schemeClr val="tx1"/>
-                            </a:solidFill>
-                            <a:latin typeface="Cambria Math" panose="02040503050406030204" pitchFamily="18" charset="0"/>
-                          </a:rPr>
-                        </m:ctrlPr>
-                      </m:sSubPr>
-                      <m:e>
-                        <m:r>
-                          <a:rPr lang="en-US" sz="2000" b="0" i="1" smtClean="0">
-                            <a:solidFill>
-                              <a:schemeClr val="tx1"/>
-                            </a:solidFill>
-                            <a:latin typeface="Cambria Math" panose="02040503050406030204" pitchFamily="18" charset="0"/>
-                          </a:rPr>
-                          <m:t>𝐺</m:t>
-                        </m:r>
-                      </m:e>
-                      <m:sub>
-                        <m:r>
-                          <a:rPr lang="en-US" sz="2000" i="1" smtClean="0">
-                            <a:solidFill>
-                              <a:schemeClr val="tx1"/>
-                            </a:solidFill>
-                            <a:latin typeface="Cambria Math" panose="02040503050406030204" pitchFamily="18" charset="0"/>
-                            <a:ea typeface="Cambria Math" panose="02040503050406030204" pitchFamily="18" charset="0"/>
-                          </a:rPr>
-                          <m:t>𝜋</m:t>
-                        </m:r>
-                      </m:sub>
-                    </m:sSub>
-                  </m:oMath>
-                </a14:m>
-                <a:r>
-                  <a:rPr lang="en-US" sz="2000" dirty="0">
-                    <a:solidFill>
-                      <a:schemeClr val="accent1"/>
-                    </a:solidFill>
-                  </a:rPr>
-                  <a:t> produced by DFS on </a:t>
-                </a:r>
-                <a14:m>
-                  <m:oMath xmlns:m="http://schemas.openxmlformats.org/officeDocument/2006/math">
-                    <m:r>
-                      <a:rPr lang="en-US" sz="2000" i="1">
-                        <a:latin typeface="Cambria Math" panose="02040503050406030204" pitchFamily="18" charset="0"/>
-                      </a:rPr>
-                      <m:t>𝐺</m:t>
-                    </m:r>
-                  </m:oMath>
-                </a14:m>
-                <a:r>
-                  <a:rPr lang="en-US" sz="2000" dirty="0">
-                    <a:solidFill>
-                      <a:schemeClr val="accent1"/>
-                    </a:solidFill>
-                  </a:rPr>
-                  <a:t> as follows:</a:t>
-                </a:r>
-              </a:p>
-              <a:p>
-                <a:pPr marL="0" indent="0">
-                  <a:buNone/>
-                </a:pPr>
-                <a:endParaRPr lang="en-US" sz="2000" dirty="0">
-                  <a:solidFill>
-                    <a:schemeClr val="accent1"/>
-                  </a:solidFill>
-                </a:endParaRPr>
-              </a:p>
-              <a:p>
-                <a:pPr lvl="1"/>
-                <a:r>
-                  <a:rPr lang="en-US" sz="2000" b="1" i="1" dirty="0">
-                    <a:solidFill>
-                      <a:srgbClr val="FF0000"/>
-                    </a:solidFill>
-                  </a:rPr>
-                  <a:t>Tree edges </a:t>
-                </a:r>
-                <a:r>
-                  <a:rPr lang="en-US" sz="2000" dirty="0">
-                    <a:solidFill>
-                      <a:schemeClr val="accent1"/>
-                    </a:solidFill>
-                  </a:rPr>
-                  <a:t>are edges in </a:t>
-                </a:r>
-                <a14:m>
-                  <m:oMath xmlns:m="http://schemas.openxmlformats.org/officeDocument/2006/math">
-                    <m:sSub>
-                      <m:sSubPr>
-                        <m:ctrlPr>
-                          <a:rPr lang="en-US" sz="2000" i="1" smtClean="0">
-                            <a:solidFill>
-                              <a:schemeClr val="tx1"/>
-                            </a:solidFill>
-                            <a:latin typeface="Cambria Math" panose="02040503050406030204" pitchFamily="18" charset="0"/>
-                          </a:rPr>
-                        </m:ctrlPr>
-                      </m:sSubPr>
-                      <m:e>
-                        <m:r>
-                          <a:rPr lang="en-US" sz="2000" b="0" i="1" smtClean="0">
-                            <a:solidFill>
-                              <a:schemeClr val="tx1"/>
-                            </a:solidFill>
-                            <a:latin typeface="Cambria Math" panose="02040503050406030204" pitchFamily="18" charset="0"/>
-                          </a:rPr>
-                          <m:t>𝐺</m:t>
-                        </m:r>
-                      </m:e>
-                      <m:sub>
-                        <m:r>
-                          <a:rPr lang="en-US" sz="2000" i="1" smtClean="0">
-                            <a:solidFill>
-                              <a:schemeClr val="tx1"/>
-                            </a:solidFill>
-                            <a:latin typeface="Cambria Math" panose="02040503050406030204" pitchFamily="18" charset="0"/>
-                            <a:ea typeface="Cambria Math" panose="02040503050406030204" pitchFamily="18" charset="0"/>
-                          </a:rPr>
-                          <m:t>𝜋</m:t>
-                        </m:r>
-                      </m:sub>
-                    </m:sSub>
-                  </m:oMath>
-                </a14:m>
-                <a:r>
-                  <a:rPr lang="en-US" sz="2000" dirty="0">
-                    <a:solidFill>
-                      <a:schemeClr val="accent1"/>
-                    </a:solidFill>
-                  </a:rPr>
-                  <a:t>. Edge </a:t>
-                </a:r>
-                <a14:m>
-                  <m:oMath xmlns:m="http://schemas.openxmlformats.org/officeDocument/2006/math">
-                    <m:r>
-                      <a:rPr lang="en-US" sz="2000" b="0" i="1" smtClean="0">
-                        <a:solidFill>
-                          <a:schemeClr val="tx1"/>
-                        </a:solidFill>
-                        <a:latin typeface="Cambria Math" panose="02040503050406030204" pitchFamily="18" charset="0"/>
-                      </a:rPr>
-                      <m:t>(</m:t>
-                    </m:r>
-                    <m:r>
-                      <a:rPr lang="en-US" sz="2000" b="0" i="1" smtClean="0">
-                        <a:solidFill>
-                          <a:schemeClr val="tx1"/>
-                        </a:solidFill>
-                        <a:latin typeface="Cambria Math" panose="02040503050406030204" pitchFamily="18" charset="0"/>
-                      </a:rPr>
-                      <m:t>𝑢</m:t>
-                    </m:r>
-                    <m:r>
-                      <a:rPr lang="en-US" sz="2000" b="0" i="1" smtClean="0">
-                        <a:solidFill>
-                          <a:schemeClr val="tx1"/>
-                        </a:solidFill>
-                        <a:latin typeface="Cambria Math" panose="02040503050406030204" pitchFamily="18" charset="0"/>
-                      </a:rPr>
-                      <m:t>,</m:t>
-                    </m:r>
-                    <m:r>
-                      <a:rPr lang="en-US" sz="2000" b="0" i="1" smtClean="0">
-                        <a:solidFill>
-                          <a:schemeClr val="tx1"/>
-                        </a:solidFill>
-                        <a:latin typeface="Cambria Math" panose="02040503050406030204" pitchFamily="18" charset="0"/>
-                      </a:rPr>
-                      <m:t>𝑣</m:t>
-                    </m:r>
-                    <m:r>
-                      <a:rPr lang="en-US" sz="2000" b="0" i="1" smtClean="0">
-                        <a:solidFill>
-                          <a:schemeClr val="tx1"/>
-                        </a:solidFill>
-                        <a:latin typeface="Cambria Math" panose="02040503050406030204" pitchFamily="18" charset="0"/>
-                      </a:rPr>
-                      <m:t>)</m:t>
-                    </m:r>
-                  </m:oMath>
-                </a14:m>
-                <a:r>
-                  <a:rPr lang="en-US" sz="2000" dirty="0">
-                    <a:solidFill>
-                      <a:schemeClr val="accent1"/>
-                    </a:solidFill>
-                  </a:rPr>
-                  <a:t> is a tree edge if </a:t>
-                </a:r>
-                <a14:m>
-                  <m:oMath xmlns:m="http://schemas.openxmlformats.org/officeDocument/2006/math">
-                    <m:r>
-                      <a:rPr lang="en-US" sz="2000" i="1">
-                        <a:latin typeface="Cambria Math" panose="02040503050406030204" pitchFamily="18" charset="0"/>
-                      </a:rPr>
-                      <m:t>𝑣</m:t>
-                    </m:r>
-                  </m:oMath>
-                </a14:m>
-                <a:r>
-                  <a:rPr lang="en-US" sz="2000" dirty="0">
-                    <a:solidFill>
-                      <a:schemeClr val="accent1"/>
-                    </a:solidFill>
-                  </a:rPr>
-                  <a:t> was first discovered by exploring  </a:t>
-                </a:r>
-                <a14:m>
-                  <m:oMath xmlns:m="http://schemas.openxmlformats.org/officeDocument/2006/math">
-                    <m:r>
-                      <a:rPr lang="en-US" sz="2000" i="1">
-                        <a:latin typeface="Cambria Math" panose="02040503050406030204" pitchFamily="18" charset="0"/>
-                      </a:rPr>
-                      <m:t>(</m:t>
-                    </m:r>
-                    <m:r>
-                      <a:rPr lang="en-US" sz="2000" i="1">
-                        <a:latin typeface="Cambria Math" panose="02040503050406030204" pitchFamily="18" charset="0"/>
-                      </a:rPr>
-                      <m:t>𝑢</m:t>
-                    </m:r>
-                    <m:r>
-                      <a:rPr lang="en-US" sz="2000" i="1">
-                        <a:latin typeface="Cambria Math" panose="02040503050406030204" pitchFamily="18" charset="0"/>
-                      </a:rPr>
-                      <m:t>,</m:t>
-                    </m:r>
-                    <m:r>
-                      <a:rPr lang="en-US" sz="2000" i="1">
-                        <a:latin typeface="Cambria Math" panose="02040503050406030204" pitchFamily="18" charset="0"/>
-                      </a:rPr>
-                      <m:t>𝑣</m:t>
-                    </m:r>
-                    <m:r>
-                      <a:rPr lang="en-US" sz="2000" i="1">
-                        <a:latin typeface="Cambria Math" panose="02040503050406030204" pitchFamily="18" charset="0"/>
-                      </a:rPr>
-                      <m:t>)</m:t>
-                    </m:r>
-                  </m:oMath>
-                </a14:m>
-                <a:r>
-                  <a:rPr lang="en-US" sz="2000" dirty="0">
-                    <a:solidFill>
-                      <a:schemeClr val="accent1"/>
-                    </a:solidFill>
-                  </a:rPr>
-                  <a:t>.</a:t>
-                </a:r>
-              </a:p>
-              <a:p>
-                <a:pPr lvl="1"/>
-                <a:r>
-                  <a:rPr lang="en-US" sz="2000" b="1" i="1" dirty="0">
-                    <a:solidFill>
-                      <a:srgbClr val="FF0000"/>
-                    </a:solidFill>
-                  </a:rPr>
-                  <a:t>Back edges </a:t>
-                </a:r>
-                <a:r>
-                  <a:rPr lang="en-US" sz="2000" dirty="0">
-                    <a:solidFill>
-                      <a:schemeClr val="accent1"/>
-                    </a:solidFill>
-                  </a:rPr>
-                  <a:t>are those edges </a:t>
-                </a:r>
-                <a14:m>
-                  <m:oMath xmlns:m="http://schemas.openxmlformats.org/officeDocument/2006/math">
-                    <m:r>
-                      <a:rPr lang="en-US" sz="2000" b="0" i="1" smtClean="0">
-                        <a:solidFill>
-                          <a:schemeClr val="tx1"/>
-                        </a:solidFill>
-                        <a:latin typeface="Cambria Math" panose="02040503050406030204" pitchFamily="18" charset="0"/>
-                      </a:rPr>
-                      <m:t>(</m:t>
-                    </m:r>
-                    <m:r>
-                      <a:rPr lang="en-US" sz="2000" b="0" i="1" smtClean="0">
-                        <a:solidFill>
-                          <a:schemeClr val="tx1"/>
-                        </a:solidFill>
-                        <a:latin typeface="Cambria Math" panose="02040503050406030204" pitchFamily="18" charset="0"/>
-                      </a:rPr>
-                      <m:t>𝑢</m:t>
-                    </m:r>
-                    <m:r>
-                      <a:rPr lang="en-US" sz="2000" b="0" i="1" smtClean="0">
-                        <a:solidFill>
-                          <a:schemeClr val="tx1"/>
-                        </a:solidFill>
-                        <a:latin typeface="Cambria Math" panose="02040503050406030204" pitchFamily="18" charset="0"/>
-                      </a:rPr>
-                      <m:t>,</m:t>
-                    </m:r>
-                    <m:r>
-                      <a:rPr lang="en-US" sz="2000" b="0" i="1" smtClean="0">
-                        <a:solidFill>
-                          <a:schemeClr val="tx1"/>
-                        </a:solidFill>
-                        <a:latin typeface="Cambria Math" panose="02040503050406030204" pitchFamily="18" charset="0"/>
-                      </a:rPr>
-                      <m:t>𝑣</m:t>
-                    </m:r>
-                    <m:r>
-                      <a:rPr lang="en-US" sz="2000" b="0" i="1" smtClean="0">
-                        <a:solidFill>
-                          <a:schemeClr val="tx1"/>
-                        </a:solidFill>
-                        <a:latin typeface="Cambria Math" panose="02040503050406030204" pitchFamily="18" charset="0"/>
-                      </a:rPr>
-                      <m:t>)</m:t>
-                    </m:r>
-                  </m:oMath>
-                </a14:m>
-                <a:r>
-                  <a:rPr lang="en-US" sz="2000" dirty="0">
-                    <a:solidFill>
-                      <a:schemeClr val="accent1"/>
-                    </a:solidFill>
-                  </a:rPr>
-                  <a:t> connecting a vertex </a:t>
-                </a:r>
-                <a14:m>
-                  <m:oMath xmlns:m="http://schemas.openxmlformats.org/officeDocument/2006/math">
-                    <m:r>
-                      <a:rPr lang="en-US" sz="2000" i="1">
-                        <a:latin typeface="Cambria Math" panose="02040503050406030204" pitchFamily="18" charset="0"/>
-                      </a:rPr>
-                      <m:t>𝑢</m:t>
-                    </m:r>
-                  </m:oMath>
-                </a14:m>
-                <a:r>
-                  <a:rPr lang="en-US" sz="2000" dirty="0">
-                    <a:solidFill>
-                      <a:schemeClr val="accent1"/>
-                    </a:solidFill>
-                  </a:rPr>
-                  <a:t> to a ancestor </a:t>
-                </a:r>
-                <a14:m>
-                  <m:oMath xmlns:m="http://schemas.openxmlformats.org/officeDocument/2006/math">
-                    <m:r>
-                      <a:rPr lang="en-US" sz="2000" i="1">
-                        <a:latin typeface="Cambria Math" panose="02040503050406030204" pitchFamily="18" charset="0"/>
-                      </a:rPr>
-                      <m:t>𝑣</m:t>
-                    </m:r>
-                  </m:oMath>
-                </a14:m>
-                <a:r>
-                  <a:rPr lang="en-US" sz="2000" dirty="0">
-                    <a:solidFill>
-                      <a:schemeClr val="accent1"/>
-                    </a:solidFill>
-                  </a:rPr>
-                  <a:t> in a DFS tree.</a:t>
-                </a:r>
-              </a:p>
-              <a:p>
-                <a:pPr lvl="1"/>
-                <a:r>
-                  <a:rPr lang="en-US" sz="2000" b="1" i="1" dirty="0">
-                    <a:solidFill>
-                      <a:srgbClr val="FF0000"/>
-                    </a:solidFill>
-                  </a:rPr>
-                  <a:t>Forward edges</a:t>
-                </a:r>
-                <a:r>
-                  <a:rPr lang="en-US" sz="2000" dirty="0">
-                    <a:solidFill>
-                      <a:schemeClr val="accent1"/>
-                    </a:solidFill>
-                  </a:rPr>
-                  <a:t> are those non-tree edges connecting a vertex </a:t>
-                </a:r>
-                <a14:m>
-                  <m:oMath xmlns:m="http://schemas.openxmlformats.org/officeDocument/2006/math">
-                    <m:r>
-                      <a:rPr lang="en-US" sz="2000" i="1">
-                        <a:latin typeface="Cambria Math" panose="02040503050406030204" pitchFamily="18" charset="0"/>
-                      </a:rPr>
-                      <m:t>𝑢</m:t>
-                    </m:r>
-                  </m:oMath>
-                </a14:m>
-                <a:r>
-                  <a:rPr lang="en-US" sz="2000" dirty="0">
-                    <a:solidFill>
-                      <a:schemeClr val="accent1"/>
-                    </a:solidFill>
-                  </a:rPr>
-                  <a:t> to a descendant </a:t>
-                </a:r>
-                <a14:m>
-                  <m:oMath xmlns:m="http://schemas.openxmlformats.org/officeDocument/2006/math">
-                    <m:r>
-                      <a:rPr lang="en-US" sz="2000" i="1">
-                        <a:latin typeface="Cambria Math" panose="02040503050406030204" pitchFamily="18" charset="0"/>
-                      </a:rPr>
-                      <m:t>𝑣</m:t>
-                    </m:r>
-                  </m:oMath>
-                </a14:m>
-                <a:r>
-                  <a:rPr lang="en-US" sz="2000" dirty="0">
-                    <a:solidFill>
-                      <a:schemeClr val="accent1"/>
-                    </a:solidFill>
-                  </a:rPr>
-                  <a:t> in a DFS tree.</a:t>
-                </a:r>
-              </a:p>
-              <a:p>
-                <a:pPr lvl="1"/>
-                <a:r>
-                  <a:rPr lang="en-US" sz="2000" b="1" i="1" dirty="0">
-                    <a:solidFill>
-                      <a:srgbClr val="FF0000"/>
-                    </a:solidFill>
-                  </a:rPr>
-                  <a:t>Cross edges </a:t>
-                </a:r>
-                <a:r>
-                  <a:rPr lang="en-US" sz="2000" dirty="0">
-                    <a:solidFill>
-                      <a:schemeClr val="accent1"/>
-                    </a:solidFill>
-                  </a:rPr>
-                  <a:t>are all other edges that go between vertices that are not </a:t>
-                </a:r>
-                <a:r>
-                  <a:rPr lang="en-US" sz="2000" b="1" i="1" dirty="0">
-                    <a:solidFill>
-                      <a:srgbClr val="FF0000"/>
-                    </a:solidFill>
-                  </a:rPr>
-                  <a:t>ancestor-descendant- related</a:t>
-                </a:r>
-                <a:r>
-                  <a:rPr lang="en-US" sz="2000" dirty="0">
-                    <a:solidFill>
-                      <a:schemeClr val="accent1"/>
-                    </a:solidFill>
-                  </a:rPr>
-                  <a:t>.</a:t>
-                </a:r>
-              </a:p>
-              <a:p>
-                <a:pPr lvl="1"/>
-                <a:endParaRPr lang="en-US" sz="2000" dirty="0">
-                  <a:solidFill>
-                    <a:schemeClr val="accent1"/>
-                  </a:solidFill>
-                </a:endParaRPr>
+                  <a:t>***In undirected graphs, there are only two types of edges, namely,  tree and back edges.</a:t>
+                </a:r>
               </a:p>
             </p:txBody>
           </p:sp>
         </mc:Choice>
-        <mc:Fallback>
+        <mc:Fallback xmlns="">
           <p:sp>
             <p:nvSpPr>
               <p:cNvPr id="3" name="Content Placeholder 2">
@@ -29926,7 +30543,7 @@
               <a:blipFill>
                 <a:blip r:embed="rId2"/>
                 <a:stretch>
-                  <a:fillRect l="-580" t="-1401"/>
+                  <a:fillRect l="-580" t="-1821" b="-140"/>
                 </a:stretch>
               </a:blipFill>
             </p:spPr>
@@ -29948,7 +30565,7 @@
     </p:spTree>
     <p:extLst>
       <p:ext uri="{BB962C8B-B14F-4D97-AF65-F5344CB8AC3E}">
-        <p14:creationId xmlns:p14="http://schemas.microsoft.com/office/powerpoint/2010/main" val="1836996837"/>
+        <p14:creationId xmlns:p14="http://schemas.microsoft.com/office/powerpoint/2010/main" val="1230644873"/>
       </p:ext>
     </p:extLst>
   </p:cSld>
@@ -30010,686 +30627,8 @@
           </a:p>
         </p:txBody>
       </p:sp>
-      <mc:AlternateContent xmlns:mc="http://schemas.openxmlformats.org/markup-compatibility/2006">
-        <mc:Choice xmlns:a14="http://schemas.microsoft.com/office/drawing/2010/main" Requires="a14">
-          <p:sp>
-            <p:nvSpPr>
-              <p:cNvPr id="3" name="Content Placeholder 2">
-                <a:extLst>
-                  <a:ext uri="{FF2B5EF4-FFF2-40B4-BE49-F238E27FC236}">
-                    <a16:creationId xmlns:a16="http://schemas.microsoft.com/office/drawing/2014/main" id="{A2EB5FE4-0B39-4D5C-BD31-A0D9D2057E6A}"/>
-                  </a:ext>
-                </a:extLst>
-              </p:cNvPr>
-              <p:cNvSpPr>
-                <a:spLocks noGrp="1"/>
-              </p:cNvSpPr>
-              <p:nvPr>
-                <p:ph idx="1"/>
-              </p:nvPr>
-            </p:nvSpPr>
-            <p:spPr/>
-            <p:txBody>
-              <a:bodyPr>
-                <a:normAutofit fontScale="92500" lnSpcReduction="10000"/>
-              </a:bodyPr>
-              <a:lstStyle/>
-              <a:p>
-                <a:pPr marL="0" indent="0">
-                  <a:buNone/>
-                </a:pPr>
-                <a:r>
-                  <a:rPr lang="en-US" sz="2000" dirty="0">
-                    <a:solidFill>
-                      <a:schemeClr val="accent1"/>
-                    </a:solidFill>
-                  </a:rPr>
-                  <a:t>The DFS algorithm has enough information to classify some edges as it encounters them.</a:t>
-                </a:r>
-              </a:p>
-              <a:p>
-                <a:pPr marL="0" indent="0">
-                  <a:buNone/>
-                </a:pPr>
-                <a:r>
-                  <a:rPr lang="en-US" sz="2000" dirty="0">
-                    <a:solidFill>
-                      <a:schemeClr val="accent1"/>
-                    </a:solidFill>
-                  </a:rPr>
-                  <a:t>The key idea is that when we first explore an edge </a:t>
-                </a:r>
-                <a14:m>
-                  <m:oMath xmlns:m="http://schemas.openxmlformats.org/officeDocument/2006/math">
-                    <m:r>
-                      <a:rPr lang="en-US" sz="2000" b="0" i="1" smtClean="0">
-                        <a:solidFill>
-                          <a:schemeClr val="tx1"/>
-                        </a:solidFill>
-                        <a:latin typeface="Cambria Math" panose="02040503050406030204" pitchFamily="18" charset="0"/>
-                      </a:rPr>
-                      <m:t>(</m:t>
-                    </m:r>
-                    <m:r>
-                      <a:rPr lang="en-US" sz="2000" b="0" i="1" smtClean="0">
-                        <a:solidFill>
-                          <a:schemeClr val="tx1"/>
-                        </a:solidFill>
-                        <a:latin typeface="Cambria Math" panose="02040503050406030204" pitchFamily="18" charset="0"/>
-                      </a:rPr>
-                      <m:t>𝑢</m:t>
-                    </m:r>
-                    <m:r>
-                      <a:rPr lang="en-US" sz="2000" b="0" i="1" smtClean="0">
-                        <a:solidFill>
-                          <a:schemeClr val="tx1"/>
-                        </a:solidFill>
-                        <a:latin typeface="Cambria Math" panose="02040503050406030204" pitchFamily="18" charset="0"/>
-                      </a:rPr>
-                      <m:t>,</m:t>
-                    </m:r>
-                    <m:r>
-                      <a:rPr lang="en-US" sz="2000" b="0" i="1" smtClean="0">
-                        <a:solidFill>
-                          <a:schemeClr val="tx1"/>
-                        </a:solidFill>
-                        <a:latin typeface="Cambria Math" panose="02040503050406030204" pitchFamily="18" charset="0"/>
-                      </a:rPr>
-                      <m:t>𝑣</m:t>
-                    </m:r>
-                    <m:r>
-                      <a:rPr lang="en-US" sz="2000" b="0" i="1" smtClean="0">
-                        <a:solidFill>
-                          <a:schemeClr val="tx1"/>
-                        </a:solidFill>
-                        <a:latin typeface="Cambria Math" panose="02040503050406030204" pitchFamily="18" charset="0"/>
-                      </a:rPr>
-                      <m:t>)</m:t>
-                    </m:r>
-                  </m:oMath>
-                </a14:m>
-                <a:r>
-                  <a:rPr lang="en-US" sz="2000" dirty="0">
-                    <a:solidFill>
-                      <a:schemeClr val="accent1"/>
-                    </a:solidFill>
-                  </a:rPr>
-                  <a:t>, the color of vertex </a:t>
-                </a:r>
-                <a14:m>
-                  <m:oMath xmlns:m="http://schemas.openxmlformats.org/officeDocument/2006/math">
-                    <m:r>
-                      <a:rPr lang="en-US" sz="2000" i="1">
-                        <a:latin typeface="Cambria Math" panose="02040503050406030204" pitchFamily="18" charset="0"/>
-                      </a:rPr>
-                      <m:t>𝑣</m:t>
-                    </m:r>
-                  </m:oMath>
-                </a14:m>
-                <a:r>
-                  <a:rPr lang="en-US" sz="2000" dirty="0">
-                    <a:solidFill>
-                      <a:schemeClr val="accent1"/>
-                    </a:solidFill>
-                  </a:rPr>
-                  <a:t> tells us something about the edge:</a:t>
-                </a:r>
-              </a:p>
-              <a:p>
-                <a:pPr marL="0" indent="0">
-                  <a:buNone/>
-                </a:pPr>
-                <a:endParaRPr lang="en-US" sz="2000" dirty="0">
-                  <a:solidFill>
-                    <a:schemeClr val="accent1"/>
-                  </a:solidFill>
-                </a:endParaRPr>
-              </a:p>
-              <a:p>
-                <a:pPr lvl="1"/>
-                <a:r>
-                  <a:rPr lang="en-US" sz="2000" b="1" i="1" dirty="0">
-                    <a:solidFill>
-                      <a:srgbClr val="FF0000"/>
-                    </a:solidFill>
-                  </a:rPr>
-                  <a:t>White </a:t>
-                </a:r>
-                <a:r>
-                  <a:rPr lang="en-US" sz="2000" dirty="0">
-                    <a:solidFill>
-                      <a:schemeClr val="accent1"/>
-                    </a:solidFill>
-                  </a:rPr>
-                  <a:t>indicates a </a:t>
-                </a:r>
-                <a:r>
-                  <a:rPr lang="en-US" sz="2000" b="1" i="1" dirty="0">
-                    <a:solidFill>
-                      <a:srgbClr val="FF0000"/>
-                    </a:solidFill>
-                  </a:rPr>
-                  <a:t>tree edge</a:t>
-                </a:r>
-              </a:p>
-              <a:p>
-                <a:pPr lvl="1"/>
-                <a:r>
-                  <a:rPr lang="en-US" sz="2000" b="1" i="1" dirty="0">
-                    <a:solidFill>
-                      <a:srgbClr val="FF0000"/>
-                    </a:solidFill>
-                  </a:rPr>
-                  <a:t>Gray</a:t>
-                </a:r>
-                <a:r>
-                  <a:rPr lang="en-US" sz="2000" dirty="0">
-                    <a:solidFill>
-                      <a:schemeClr val="accent1"/>
-                    </a:solidFill>
-                  </a:rPr>
-                  <a:t> indicates   a </a:t>
-                </a:r>
-                <a:r>
-                  <a:rPr lang="en-US" sz="2000" b="1" i="1" dirty="0">
-                    <a:solidFill>
-                      <a:srgbClr val="FF0000"/>
-                    </a:solidFill>
-                  </a:rPr>
-                  <a:t>back edge</a:t>
-                </a:r>
-              </a:p>
-              <a:p>
-                <a:pPr lvl="1"/>
-                <a:r>
-                  <a:rPr lang="en-US" sz="2000" b="1" i="1" dirty="0">
-                    <a:solidFill>
-                      <a:srgbClr val="FF0000"/>
-                    </a:solidFill>
-                  </a:rPr>
-                  <a:t>Black</a:t>
-                </a:r>
-                <a:r>
-                  <a:rPr lang="en-US" sz="2000" dirty="0">
-                    <a:solidFill>
-                      <a:schemeClr val="accent1"/>
-                    </a:solidFill>
-                  </a:rPr>
-                  <a:t> indicates a </a:t>
-                </a:r>
-                <a:r>
-                  <a:rPr lang="en-US" sz="2000" b="1" i="1" dirty="0">
-                    <a:solidFill>
-                      <a:srgbClr val="FF0000"/>
-                    </a:solidFill>
-                  </a:rPr>
-                  <a:t>forward</a:t>
-                </a:r>
-                <a:r>
-                  <a:rPr lang="en-US" sz="2000" dirty="0">
-                    <a:solidFill>
-                      <a:schemeClr val="accent1"/>
-                    </a:solidFill>
-                  </a:rPr>
-                  <a:t> or a </a:t>
-                </a:r>
-                <a:r>
-                  <a:rPr lang="en-US" sz="2000" b="1" i="1" dirty="0">
-                    <a:solidFill>
-                      <a:srgbClr val="FF0000"/>
-                    </a:solidFill>
-                  </a:rPr>
-                  <a:t>cross edge</a:t>
-                </a:r>
-              </a:p>
-              <a:p>
-                <a:pPr marL="457200" lvl="1" indent="0">
-                  <a:buNone/>
-                </a:pPr>
-                <a:endParaRPr lang="en-US" sz="2000" b="1" i="1" dirty="0">
-                  <a:solidFill>
-                    <a:srgbClr val="FF0000"/>
-                  </a:solidFill>
-                </a:endParaRPr>
-              </a:p>
-              <a:p>
-                <a:pPr marL="0" indent="0">
-                  <a:buNone/>
-                </a:pPr>
-                <a:r>
-                  <a:rPr lang="en-US" sz="2000" dirty="0">
-                    <a:solidFill>
-                      <a:schemeClr val="accent1"/>
-                    </a:solidFill>
-                  </a:rPr>
-                  <a:t>To distinguish between forward and cross edges,</a:t>
-                </a:r>
-              </a:p>
-              <a:p>
-                <a:pPr marL="0" indent="0">
-                  <a:buNone/>
-                </a:pPr>
-                <a:r>
-                  <a:rPr lang="en-US" sz="2000" dirty="0">
-                    <a:solidFill>
-                      <a:schemeClr val="accent1"/>
-                    </a:solidFill>
-                  </a:rPr>
-                  <a:t>	</a:t>
-                </a:r>
-                <a:r>
-                  <a:rPr lang="en-US" sz="2000" b="0" dirty="0">
-                    <a:solidFill>
-                      <a:schemeClr val="tx1"/>
-                    </a:solidFill>
-                  </a:rPr>
-                  <a:t> </a:t>
-                </a:r>
-                <a14:m>
-                  <m:oMath xmlns:m="http://schemas.openxmlformats.org/officeDocument/2006/math">
-                    <m:r>
-                      <a:rPr lang="en-US" sz="2000" b="0" i="1" smtClean="0">
-                        <a:solidFill>
-                          <a:schemeClr val="tx1"/>
-                        </a:solidFill>
-                        <a:latin typeface="Cambria Math" panose="02040503050406030204" pitchFamily="18" charset="0"/>
-                      </a:rPr>
-                      <m:t>(</m:t>
-                    </m:r>
-                    <m:r>
-                      <a:rPr lang="en-US" sz="2000" b="0" i="1" smtClean="0">
-                        <a:solidFill>
-                          <a:schemeClr val="tx1"/>
-                        </a:solidFill>
-                        <a:latin typeface="Cambria Math" panose="02040503050406030204" pitchFamily="18" charset="0"/>
-                      </a:rPr>
-                      <m:t>𝑢</m:t>
-                    </m:r>
-                    <m:r>
-                      <a:rPr lang="en-US" sz="2000" b="0" i="1" smtClean="0">
-                        <a:solidFill>
-                          <a:schemeClr val="tx1"/>
-                        </a:solidFill>
-                        <a:latin typeface="Cambria Math" panose="02040503050406030204" pitchFamily="18" charset="0"/>
-                      </a:rPr>
-                      <m:t>,</m:t>
-                    </m:r>
-                    <m:r>
-                      <a:rPr lang="en-US" sz="2000" b="0" i="1" smtClean="0">
-                        <a:solidFill>
-                          <a:schemeClr val="tx1"/>
-                        </a:solidFill>
-                        <a:latin typeface="Cambria Math" panose="02040503050406030204" pitchFamily="18" charset="0"/>
-                      </a:rPr>
-                      <m:t>𝑣</m:t>
-                    </m:r>
-                    <m:r>
-                      <a:rPr lang="en-US" sz="2000" b="0" i="1" smtClean="0">
-                        <a:solidFill>
-                          <a:schemeClr val="tx1"/>
-                        </a:solidFill>
-                        <a:latin typeface="Cambria Math" panose="02040503050406030204" pitchFamily="18" charset="0"/>
-                      </a:rPr>
-                      <m:t>)</m:t>
-                    </m:r>
-                  </m:oMath>
-                </a14:m>
-                <a:r>
-                  <a:rPr lang="en-US" sz="2000" dirty="0">
-                    <a:solidFill>
-                      <a:schemeClr val="accent1"/>
-                    </a:solidFill>
-                  </a:rPr>
-                  <a:t> is a forward edge if </a:t>
-                </a:r>
-                <a14:m>
-                  <m:oMath xmlns:m="http://schemas.openxmlformats.org/officeDocument/2006/math">
-                    <m:r>
-                      <a:rPr lang="en-US" sz="2000" b="0" i="1" smtClean="0">
-                        <a:solidFill>
-                          <a:schemeClr val="tx1"/>
-                        </a:solidFill>
-                        <a:latin typeface="Cambria Math" panose="02040503050406030204" pitchFamily="18" charset="0"/>
-                      </a:rPr>
-                      <m:t>𝑢</m:t>
-                    </m:r>
-                    <m:r>
-                      <a:rPr lang="en-US" sz="2000" b="0" i="1" smtClean="0">
-                        <a:solidFill>
-                          <a:schemeClr val="tx1"/>
-                        </a:solidFill>
-                        <a:latin typeface="Cambria Math" panose="02040503050406030204" pitchFamily="18" charset="0"/>
-                      </a:rPr>
-                      <m:t>.</m:t>
-                    </m:r>
-                    <m:r>
-                      <a:rPr lang="en-US" sz="2000" b="0" i="1" smtClean="0">
-                        <a:solidFill>
-                          <a:schemeClr val="tx1"/>
-                        </a:solidFill>
-                        <a:latin typeface="Cambria Math" panose="02040503050406030204" pitchFamily="18" charset="0"/>
-                      </a:rPr>
-                      <m:t>𝑑</m:t>
-                    </m:r>
-                    <m:r>
-                      <a:rPr lang="en-US" sz="2000" b="0" i="1" smtClean="0">
-                        <a:solidFill>
-                          <a:schemeClr val="tx1"/>
-                        </a:solidFill>
-                        <a:latin typeface="Cambria Math" panose="02040503050406030204" pitchFamily="18" charset="0"/>
-                      </a:rPr>
-                      <m:t>&lt;</m:t>
-                    </m:r>
-                    <m:r>
-                      <a:rPr lang="en-US" sz="2000" b="0" i="1" smtClean="0">
-                        <a:solidFill>
-                          <a:schemeClr val="tx1"/>
-                        </a:solidFill>
-                        <a:latin typeface="Cambria Math" panose="02040503050406030204" pitchFamily="18" charset="0"/>
-                      </a:rPr>
-                      <m:t>𝑣</m:t>
-                    </m:r>
-                    <m:r>
-                      <a:rPr lang="en-US" sz="2000" b="0" i="1" smtClean="0">
-                        <a:solidFill>
-                          <a:schemeClr val="tx1"/>
-                        </a:solidFill>
-                        <a:latin typeface="Cambria Math" panose="02040503050406030204" pitchFamily="18" charset="0"/>
-                      </a:rPr>
-                      <m:t>.</m:t>
-                    </m:r>
-                    <m:r>
-                      <a:rPr lang="en-US" sz="2000" b="0" i="1" smtClean="0">
-                        <a:solidFill>
-                          <a:schemeClr val="tx1"/>
-                        </a:solidFill>
-                        <a:latin typeface="Cambria Math" panose="02040503050406030204" pitchFamily="18" charset="0"/>
-                      </a:rPr>
-                      <m:t>𝑑</m:t>
-                    </m:r>
-                  </m:oMath>
-                </a14:m>
-                <a:endParaRPr lang="en-US" sz="2000" dirty="0">
-                  <a:solidFill>
-                    <a:schemeClr val="accent1"/>
-                  </a:solidFill>
-                </a:endParaRPr>
-              </a:p>
-              <a:p>
-                <a:pPr marL="0" indent="0">
-                  <a:buNone/>
-                </a:pPr>
-                <a:r>
-                  <a:rPr lang="en-US" sz="2000" b="0" dirty="0">
-                    <a:solidFill>
-                      <a:schemeClr val="tx1"/>
-                    </a:solidFill>
-                  </a:rPr>
-                  <a:t> 	 </a:t>
-                </a:r>
-                <a14:m>
-                  <m:oMath xmlns:m="http://schemas.openxmlformats.org/officeDocument/2006/math">
-                    <m:r>
-                      <a:rPr lang="en-US" sz="2000" b="0" i="1" smtClean="0">
-                        <a:solidFill>
-                          <a:schemeClr val="tx1"/>
-                        </a:solidFill>
-                        <a:latin typeface="Cambria Math" panose="02040503050406030204" pitchFamily="18" charset="0"/>
-                      </a:rPr>
-                      <m:t>(</m:t>
-                    </m:r>
-                    <m:r>
-                      <a:rPr lang="en-US" sz="2000" b="0" i="1" smtClean="0">
-                        <a:solidFill>
-                          <a:schemeClr val="tx1"/>
-                        </a:solidFill>
-                        <a:latin typeface="Cambria Math" panose="02040503050406030204" pitchFamily="18" charset="0"/>
-                      </a:rPr>
-                      <m:t>𝑢</m:t>
-                    </m:r>
-                    <m:r>
-                      <a:rPr lang="en-US" sz="2000" b="0" i="1" smtClean="0">
-                        <a:solidFill>
-                          <a:schemeClr val="tx1"/>
-                        </a:solidFill>
-                        <a:latin typeface="Cambria Math" panose="02040503050406030204" pitchFamily="18" charset="0"/>
-                      </a:rPr>
-                      <m:t>,</m:t>
-                    </m:r>
-                    <m:r>
-                      <a:rPr lang="en-US" sz="2000" b="0" i="1" smtClean="0">
-                        <a:solidFill>
-                          <a:schemeClr val="tx1"/>
-                        </a:solidFill>
-                        <a:latin typeface="Cambria Math" panose="02040503050406030204" pitchFamily="18" charset="0"/>
-                      </a:rPr>
-                      <m:t>𝑣</m:t>
-                    </m:r>
-                    <m:r>
-                      <a:rPr lang="en-US" sz="2000" b="0" i="1" smtClean="0">
-                        <a:solidFill>
-                          <a:schemeClr val="tx1"/>
-                        </a:solidFill>
-                        <a:latin typeface="Cambria Math" panose="02040503050406030204" pitchFamily="18" charset="0"/>
-                      </a:rPr>
-                      <m:t>)</m:t>
-                    </m:r>
-                  </m:oMath>
-                </a14:m>
-                <a:r>
-                  <a:rPr lang="en-US" sz="2000" dirty="0">
-                    <a:solidFill>
-                      <a:schemeClr val="accent1"/>
-                    </a:solidFill>
-                  </a:rPr>
-                  <a:t> is a  cross edge      if </a:t>
-                </a:r>
-                <a14:m>
-                  <m:oMath xmlns:m="http://schemas.openxmlformats.org/officeDocument/2006/math">
-                    <m:r>
-                      <a:rPr lang="en-US" sz="2000" b="0" i="1" smtClean="0">
-                        <a:solidFill>
-                          <a:schemeClr val="tx1"/>
-                        </a:solidFill>
-                        <a:latin typeface="Cambria Math" panose="02040503050406030204" pitchFamily="18" charset="0"/>
-                      </a:rPr>
-                      <m:t>𝑢</m:t>
-                    </m:r>
-                    <m:r>
-                      <a:rPr lang="en-US" sz="2000" b="0" i="1" smtClean="0">
-                        <a:solidFill>
-                          <a:schemeClr val="tx1"/>
-                        </a:solidFill>
-                        <a:latin typeface="Cambria Math" panose="02040503050406030204" pitchFamily="18" charset="0"/>
-                      </a:rPr>
-                      <m:t>.</m:t>
-                    </m:r>
-                    <m:r>
-                      <a:rPr lang="en-US" sz="2000" b="0" i="1" smtClean="0">
-                        <a:solidFill>
-                          <a:schemeClr val="tx1"/>
-                        </a:solidFill>
-                        <a:latin typeface="Cambria Math" panose="02040503050406030204" pitchFamily="18" charset="0"/>
-                      </a:rPr>
-                      <m:t>𝑑</m:t>
-                    </m:r>
-                    <m:r>
-                      <a:rPr lang="en-US" sz="2000" b="0" i="1" smtClean="0">
-                        <a:solidFill>
-                          <a:schemeClr val="tx1"/>
-                        </a:solidFill>
-                        <a:latin typeface="Cambria Math" panose="02040503050406030204" pitchFamily="18" charset="0"/>
-                      </a:rPr>
-                      <m:t>&gt;</m:t>
-                    </m:r>
-                    <m:r>
-                      <a:rPr lang="en-US" sz="2000" b="0" i="1" smtClean="0">
-                        <a:solidFill>
-                          <a:schemeClr val="tx1"/>
-                        </a:solidFill>
-                        <a:latin typeface="Cambria Math" panose="02040503050406030204" pitchFamily="18" charset="0"/>
-                      </a:rPr>
-                      <m:t>𝑣</m:t>
-                    </m:r>
-                    <m:r>
-                      <a:rPr lang="en-US" sz="2000" b="0" i="1" smtClean="0">
-                        <a:solidFill>
-                          <a:schemeClr val="tx1"/>
-                        </a:solidFill>
-                        <a:latin typeface="Cambria Math" panose="02040503050406030204" pitchFamily="18" charset="0"/>
-                      </a:rPr>
-                      <m:t>.</m:t>
-                    </m:r>
-                    <m:r>
-                      <a:rPr lang="en-US" sz="2000" b="0" i="1" smtClean="0">
-                        <a:solidFill>
-                          <a:schemeClr val="tx1"/>
-                        </a:solidFill>
-                        <a:latin typeface="Cambria Math" panose="02040503050406030204" pitchFamily="18" charset="0"/>
-                      </a:rPr>
-                      <m:t>𝑑</m:t>
-                    </m:r>
-                  </m:oMath>
-                </a14:m>
-                <a:endParaRPr lang="en-US" sz="2000" dirty="0">
-                  <a:solidFill>
-                    <a:schemeClr val="accent1"/>
-                  </a:solidFill>
-                </a:endParaRPr>
-              </a:p>
-              <a:p>
-                <a:pPr marL="0" indent="0">
-                  <a:buNone/>
-                </a:pPr>
-                <a:endParaRPr lang="en-US" sz="2000" dirty="0">
-                  <a:solidFill>
-                    <a:schemeClr val="accent1"/>
-                  </a:solidFill>
-                </a:endParaRPr>
-              </a:p>
-              <a:p>
-                <a:pPr marL="0" indent="0">
-                  <a:buNone/>
-                </a:pPr>
-                <a:r>
-                  <a:rPr lang="en-US" sz="2000" b="1" i="1" dirty="0">
-                    <a:solidFill>
-                      <a:srgbClr val="FF0000"/>
-                    </a:solidFill>
-                  </a:rPr>
-                  <a:t>***In undirected graphs, there are only two types of edges, namely,  tree and back edges.</a:t>
-                </a:r>
-              </a:p>
-            </p:txBody>
-          </p:sp>
-        </mc:Choice>
-        <mc:Fallback>
-          <p:sp>
-            <p:nvSpPr>
-              <p:cNvPr id="3" name="Content Placeholder 2">
-                <a:extLst>
-                  <a:ext uri="{FF2B5EF4-FFF2-40B4-BE49-F238E27FC236}">
-                    <a16:creationId xmlns:a16="http://schemas.microsoft.com/office/drawing/2014/main" id="{A2EB5FE4-0B39-4D5C-BD31-A0D9D2057E6A}"/>
-                  </a:ext>
-                </a:extLst>
-              </p:cNvPr>
-              <p:cNvSpPr>
-                <a:spLocks noGrp="1" noRot="1" noChangeAspect="1" noMove="1" noResize="1" noEditPoints="1" noAdjustHandles="1" noChangeArrowheads="1" noChangeShapeType="1" noTextEdit="1"/>
-              </p:cNvSpPr>
-              <p:nvPr>
-                <p:ph idx="1"/>
-              </p:nvPr>
-            </p:nvSpPr>
-            <p:spPr>
-              <a:blipFill>
-                <a:blip r:embed="rId2"/>
-                <a:stretch>
-                  <a:fillRect l="-580" t="-1821" b="-140"/>
-                </a:stretch>
-              </a:blipFill>
-            </p:spPr>
-            <p:txBody>
-              <a:bodyPr/>
-              <a:lstStyle/>
-              <a:p>
-                <a:r>
-                  <a:rPr lang="en-US">
-                    <a:noFill/>
-                  </a:rPr>
-                  <a:t> </a:t>
-                </a:r>
-              </a:p>
-            </p:txBody>
-          </p:sp>
-        </mc:Fallback>
-      </mc:AlternateContent>
-    </p:spTree>
-    <p:extLst>
-      <p:ext uri="{BB962C8B-B14F-4D97-AF65-F5344CB8AC3E}">
-        <p14:creationId xmlns:p14="http://schemas.microsoft.com/office/powerpoint/2010/main" val="1230644873"/>
-      </p:ext>
-    </p:extLst>
-  </p:cSld>
-  <p:clrMapOvr>
-    <a:masterClrMapping/>
-  </p:clrMapOvr>
-</p:sld>
-</file>
-
-<file path=ppt/slides/slide44.xml><?xml version="1.0" encoding="utf-8"?>
-<p:sld xmlns:a="http://schemas.openxmlformats.org/drawingml/2006/main" xmlns:r="http://schemas.openxmlformats.org/officeDocument/2006/relationships" xmlns:p="http://schemas.openxmlformats.org/presentationml/2006/main">
-  <p:cSld>
-    <p:spTree>
-      <p:nvGrpSpPr>
-        <p:cNvPr id="1" name=""/>
-        <p:cNvGrpSpPr/>
-        <p:nvPr/>
-      </p:nvGrpSpPr>
-      <p:grpSpPr>
-        <a:xfrm>
-          <a:off x="0" y="0"/>
-          <a:ext cx="0" cy="0"/>
-          <a:chOff x="0" y="0"/>
-          <a:chExt cx="0" cy="0"/>
-        </a:xfrm>
-      </p:grpSpPr>
-      <p:sp>
-        <p:nvSpPr>
-          <p:cNvPr id="2" name="Title 1">
-            <a:extLst>
-              <a:ext uri="{FF2B5EF4-FFF2-40B4-BE49-F238E27FC236}">
-                <a16:creationId xmlns:a16="http://schemas.microsoft.com/office/drawing/2014/main" id="{51D77F5E-EAE8-4B57-B170-19353E12AF50}"/>
-              </a:ext>
-            </a:extLst>
-          </p:cNvPr>
-          <p:cNvSpPr>
-            <a:spLocks noGrp="1"/>
-          </p:cNvSpPr>
-          <p:nvPr>
-            <p:ph type="title"/>
-          </p:nvPr>
-        </p:nvSpPr>
-        <p:spPr/>
-        <p:txBody>
-          <a:bodyPr>
-            <a:normAutofit/>
-          </a:bodyPr>
-          <a:lstStyle/>
-          <a:p>
-            <a:r>
-              <a:rPr lang="en-US" sz="4000" dirty="0">
-                <a:solidFill>
-                  <a:schemeClr val="accent1"/>
-                </a:solidFill>
-              </a:rPr>
-              <a:t>Depth-First Search (DFS) : Edge Classification</a:t>
-            </a:r>
-            <a:endParaRPr lang="en-US" sz="4000" dirty="0"/>
-          </a:p>
-        </p:txBody>
-      </p:sp>
-      <mc:AlternateContent xmlns:mc="http://schemas.openxmlformats.org/markup-compatibility/2006">
-        <mc:Choice xmlns:a14="http://schemas.microsoft.com/office/drawing/2010/main" Requires="a14">
+      <mc:AlternateContent xmlns:mc="http://schemas.openxmlformats.org/markup-compatibility/2006" xmlns:a14="http://schemas.microsoft.com/office/drawing/2010/main">
+        <mc:Choice Requires="a14">
           <p:sp>
             <p:nvSpPr>
               <p:cNvPr id="3" name="Content Placeholder 2">
@@ -31505,7 +31444,7 @@
             </p:txBody>
           </p:sp>
         </mc:Choice>
-        <mc:Fallback>
+        <mc:Fallback xmlns="">
           <p:sp>
             <p:nvSpPr>
               <p:cNvPr id="3" name="Content Placeholder 2">
@@ -31558,7 +31497,7 @@
 </p:sld>
 </file>
 
-<file path=ppt/slides/slide45.xml><?xml version="1.0" encoding="utf-8"?>
+<file path=ppt/slides/slide44.xml><?xml version="1.0" encoding="utf-8"?>
 <p:sld xmlns:a="http://schemas.openxmlformats.org/drawingml/2006/main" xmlns:r="http://schemas.openxmlformats.org/officeDocument/2006/relationships" xmlns:p="http://schemas.openxmlformats.org/presentationml/2006/main">
   <p:cSld>
     <p:spTree>
@@ -31637,8 +31576,8 @@
           </a:p>
         </p:txBody>
       </p:sp>
-      <mc:AlternateContent xmlns:mc="http://schemas.openxmlformats.org/markup-compatibility/2006">
-        <mc:Choice xmlns:a14="http://schemas.microsoft.com/office/drawing/2010/main" Requires="a14">
+      <mc:AlternateContent xmlns:mc="http://schemas.openxmlformats.org/markup-compatibility/2006" xmlns:a14="http://schemas.microsoft.com/office/drawing/2010/main">
+        <mc:Choice Requires="a14">
           <p:sp>
             <p:nvSpPr>
               <p:cNvPr id="3" name="Content Placeholder 2">
@@ -31995,7 +31934,7 @@
             </p:txBody>
           </p:sp>
         </mc:Choice>
-        <mc:Fallback>
+        <mc:Fallback xmlns="">
           <p:sp>
             <p:nvSpPr>
               <p:cNvPr id="3" name="Content Placeholder 2">
@@ -32048,7 +31987,7 @@
 </p:sld>
 </file>
 
-<file path=ppt/slides/slide46.xml><?xml version="1.0" encoding="utf-8"?>
+<file path=ppt/slides/slide45.xml><?xml version="1.0" encoding="utf-8"?>
 <p:sld xmlns:a="http://schemas.openxmlformats.org/drawingml/2006/main" xmlns:r="http://schemas.openxmlformats.org/officeDocument/2006/relationships" xmlns:p="http://schemas.openxmlformats.org/presentationml/2006/main">
   <p:cSld>
     <p:spTree>
@@ -32128,8 +32067,8 @@
           </a:p>
         </p:txBody>
       </p:sp>
-      <mc:AlternateContent xmlns:mc="http://schemas.openxmlformats.org/markup-compatibility/2006">
-        <mc:Choice xmlns:a14="http://schemas.microsoft.com/office/drawing/2010/main" Requires="a14">
+      <mc:AlternateContent xmlns:mc="http://schemas.openxmlformats.org/markup-compatibility/2006" xmlns:a14="http://schemas.microsoft.com/office/drawing/2010/main">
+        <mc:Choice Requires="a14">
           <p:sp>
             <p:nvSpPr>
               <p:cNvPr id="3" name="Content Placeholder 2">
@@ -32802,7 +32741,7 @@
             </p:txBody>
           </p:sp>
         </mc:Choice>
-        <mc:Fallback>
+        <mc:Fallback xmlns="">
           <p:sp>
             <p:nvSpPr>
               <p:cNvPr id="3" name="Content Placeholder 2">
@@ -32855,7 +32794,7 @@
 </p:sld>
 </file>
 
-<file path=ppt/slides/slide47.xml><?xml version="1.0" encoding="utf-8"?>
+<file path=ppt/slides/slide46.xml><?xml version="1.0" encoding="utf-8"?>
 <p:sld xmlns:a="http://schemas.openxmlformats.org/drawingml/2006/main" xmlns:r="http://schemas.openxmlformats.org/officeDocument/2006/relationships" xmlns:p="http://schemas.openxmlformats.org/presentationml/2006/main">
   <p:cSld>
     <p:spTree>
@@ -32905,8 +32844,8 @@
           </a:p>
         </p:txBody>
       </p:sp>
-      <mc:AlternateContent xmlns:mc="http://schemas.openxmlformats.org/markup-compatibility/2006">
-        <mc:Choice xmlns:a14="http://schemas.microsoft.com/office/drawing/2010/main" Requires="a14">
+      <mc:AlternateContent xmlns:mc="http://schemas.openxmlformats.org/markup-compatibility/2006" xmlns:a14="http://schemas.microsoft.com/office/drawing/2010/main">
+        <mc:Choice Requires="a14">
           <p:sp>
             <p:nvSpPr>
               <p:cNvPr id="3" name="Content Placeholder 2">
@@ -33144,17 +33083,7 @@
                         <a:latin typeface="Cambria Math" panose="02040503050406030204" pitchFamily="18" charset="0"/>
                         <a:ea typeface="Cambria Math" panose="02040503050406030204" pitchFamily="18" charset="0"/>
                       </a:rPr>
-                      <m:t>↔</m:t>
-                    </m:r>
-                    <m:r>
-                      <a:rPr lang="en-US" i="1">
-                        <a:solidFill>
-                          <a:schemeClr val="tx1"/>
-                        </a:solidFill>
-                        <a:latin typeface="Cambria Math" panose="02040503050406030204" pitchFamily="18" charset="0"/>
-                        <a:ea typeface="Cambria Math" panose="02040503050406030204" pitchFamily="18" charset="0"/>
-                      </a:rPr>
-                      <m:t>¬</m:t>
+                      <m:t>↔¬</m:t>
                     </m:r>
                     <m:r>
                       <a:rPr lang="en-US" i="1">
@@ -33180,7 +33109,7 @@
             </p:txBody>
           </p:sp>
         </mc:Choice>
-        <mc:Fallback>
+        <mc:Fallback xmlns="">
           <p:sp>
             <p:nvSpPr>
               <p:cNvPr id="3" name="Content Placeholder 2">
@@ -33233,6 +33162,282 @@
 </p:sld>
 </file>
 
+<file path=ppt/slides/slide47.xml><?xml version="1.0" encoding="utf-8"?>
+<p:sld xmlns:a="http://schemas.openxmlformats.org/drawingml/2006/main" xmlns:r="http://schemas.openxmlformats.org/officeDocument/2006/relationships" xmlns:p="http://schemas.openxmlformats.org/presentationml/2006/main">
+  <p:cSld>
+    <p:spTree>
+      <p:nvGrpSpPr>
+        <p:cNvPr id="1" name=""/>
+        <p:cNvGrpSpPr/>
+        <p:nvPr/>
+      </p:nvGrpSpPr>
+      <p:grpSpPr>
+        <a:xfrm>
+          <a:off x="0" y="0"/>
+          <a:ext cx="0" cy="0"/>
+          <a:chOff x="0" y="0"/>
+          <a:chExt cx="0" cy="0"/>
+        </a:xfrm>
+      </p:grpSpPr>
+      <p:sp>
+        <p:nvSpPr>
+          <p:cNvPr id="2" name="Title 1">
+            <a:extLst>
+              <a:ext uri="{FF2B5EF4-FFF2-40B4-BE49-F238E27FC236}">
+                <a16:creationId xmlns:a16="http://schemas.microsoft.com/office/drawing/2014/main" id="{E1C9FEE4-7F87-4AFF-8A47-4E22C3959C26}"/>
+              </a:ext>
+            </a:extLst>
+          </p:cNvPr>
+          <p:cNvSpPr>
+            <a:spLocks noGrp="1"/>
+          </p:cNvSpPr>
+          <p:nvPr>
+            <p:ph type="title"/>
+          </p:nvPr>
+        </p:nvSpPr>
+        <p:spPr/>
+        <p:txBody>
+          <a:bodyPr/>
+          <a:lstStyle/>
+          <a:p>
+            <a:r>
+              <a:rPr lang="en-US" dirty="0">
+                <a:solidFill>
+                  <a:schemeClr val="accent1"/>
+                </a:solidFill>
+              </a:rPr>
+              <a:t>Summary</a:t>
+            </a:r>
+          </a:p>
+        </p:txBody>
+      </p:sp>
+      <p:sp>
+        <p:nvSpPr>
+          <p:cNvPr id="3" name="Content Placeholder 2">
+            <a:extLst>
+              <a:ext uri="{FF2B5EF4-FFF2-40B4-BE49-F238E27FC236}">
+                <a16:creationId xmlns:a16="http://schemas.microsoft.com/office/drawing/2014/main" id="{B9438F56-2A09-425B-816B-0DAA22634176}"/>
+              </a:ext>
+            </a:extLst>
+          </p:cNvPr>
+          <p:cNvSpPr>
+            <a:spLocks noGrp="1"/>
+          </p:cNvSpPr>
+          <p:nvPr>
+            <p:ph idx="1"/>
+          </p:nvPr>
+        </p:nvSpPr>
+        <p:spPr/>
+        <p:txBody>
+          <a:bodyPr>
+            <a:normAutofit fontScale="85000" lnSpcReduction="20000"/>
+          </a:bodyPr>
+          <a:lstStyle/>
+          <a:p>
+            <a:pPr marL="0" indent="0">
+              <a:buNone/>
+            </a:pPr>
+            <a:r>
+              <a:rPr lang="en-US" dirty="0">
+                <a:solidFill>
+                  <a:schemeClr val="accent1"/>
+                </a:solidFill>
+              </a:rPr>
+              <a:t>In this lecture, we have covered the topic of </a:t>
+            </a:r>
+            <a:r>
+              <a:rPr lang="en-US" b="1" i="1" dirty="0">
+                <a:solidFill>
+                  <a:srgbClr val="FF0000"/>
+                </a:solidFill>
+              </a:rPr>
+              <a:t>graph traversal techniques </a:t>
+            </a:r>
+            <a:r>
+              <a:rPr lang="en-US" dirty="0">
+                <a:solidFill>
+                  <a:schemeClr val="accent1"/>
+                </a:solidFill>
+              </a:rPr>
+              <a:t>and their applications:</a:t>
+            </a:r>
+          </a:p>
+          <a:p>
+            <a:pPr marL="0" indent="0">
+              <a:buNone/>
+            </a:pPr>
+            <a:endParaRPr lang="en-US" dirty="0">
+              <a:solidFill>
+                <a:schemeClr val="accent1"/>
+              </a:solidFill>
+            </a:endParaRPr>
+          </a:p>
+          <a:p>
+            <a:pPr lvl="1"/>
+            <a:r>
+              <a:rPr lang="en-US" dirty="0">
+                <a:solidFill>
+                  <a:schemeClr val="accent1"/>
+                </a:solidFill>
+              </a:rPr>
+              <a:t>Breadth-First Search (BFS)</a:t>
+            </a:r>
+          </a:p>
+          <a:p>
+            <a:pPr lvl="2"/>
+            <a:r>
+              <a:rPr lang="en-US" dirty="0">
+                <a:solidFill>
+                  <a:schemeClr val="accent1"/>
+                </a:solidFill>
+              </a:rPr>
+              <a:t>BFS Trees</a:t>
+            </a:r>
+          </a:p>
+          <a:p>
+            <a:pPr lvl="2"/>
+            <a:r>
+              <a:rPr lang="en-US" dirty="0">
+                <a:solidFill>
+                  <a:schemeClr val="accent1"/>
+                </a:solidFill>
+              </a:rPr>
+              <a:t>Shortest Paths in Unweighted Graphs</a:t>
+            </a:r>
+          </a:p>
+          <a:p>
+            <a:pPr marL="914400" lvl="2" indent="0">
+              <a:buNone/>
+            </a:pPr>
+            <a:endParaRPr lang="en-US" dirty="0">
+              <a:solidFill>
+                <a:schemeClr val="accent1"/>
+              </a:solidFill>
+            </a:endParaRPr>
+          </a:p>
+          <a:p>
+            <a:pPr lvl="1"/>
+            <a:r>
+              <a:rPr lang="en-US" dirty="0">
+                <a:solidFill>
+                  <a:schemeClr val="accent1"/>
+                </a:solidFill>
+              </a:rPr>
+              <a:t>Depth-First Search (DFS)</a:t>
+            </a:r>
+          </a:p>
+          <a:p>
+            <a:pPr lvl="2"/>
+            <a:r>
+              <a:rPr lang="en-US" dirty="0">
+                <a:solidFill>
+                  <a:schemeClr val="accent1"/>
+                </a:solidFill>
+              </a:rPr>
+              <a:t>DFS Trees</a:t>
+            </a:r>
+          </a:p>
+          <a:p>
+            <a:pPr lvl="2"/>
+            <a:r>
+              <a:rPr lang="en-US" dirty="0">
+                <a:solidFill>
+                  <a:schemeClr val="accent1"/>
+                </a:solidFill>
+              </a:rPr>
+              <a:t>Edge Classifications</a:t>
+            </a:r>
+          </a:p>
+          <a:p>
+            <a:pPr lvl="2"/>
+            <a:r>
+              <a:rPr lang="en-US" dirty="0">
+                <a:solidFill>
+                  <a:schemeClr val="accent1"/>
+                </a:solidFill>
+              </a:rPr>
+              <a:t>Topological Sort</a:t>
+            </a:r>
+          </a:p>
+          <a:p>
+            <a:pPr lvl="2"/>
+            <a:r>
+              <a:rPr lang="en-US" dirty="0">
+                <a:solidFill>
+                  <a:schemeClr val="accent1"/>
+                </a:solidFill>
+              </a:rPr>
+              <a:t>Directed Acyclic Graph</a:t>
+            </a:r>
+          </a:p>
+          <a:p>
+            <a:pPr lvl="2"/>
+            <a:endParaRPr lang="en-US" dirty="0">
+              <a:solidFill>
+                <a:schemeClr val="accent1"/>
+              </a:solidFill>
+            </a:endParaRPr>
+          </a:p>
+          <a:p>
+            <a:pPr marL="457200" lvl="1" indent="0">
+              <a:buNone/>
+            </a:pPr>
+            <a:endParaRPr lang="en-US" dirty="0">
+              <a:solidFill>
+                <a:schemeClr val="accent1"/>
+              </a:solidFill>
+            </a:endParaRPr>
+          </a:p>
+          <a:p>
+            <a:pPr marL="0" indent="0">
+              <a:buNone/>
+            </a:pPr>
+            <a:r>
+              <a:rPr lang="en-US" dirty="0">
+                <a:solidFill>
+                  <a:schemeClr val="accent1"/>
+                </a:solidFill>
+              </a:rPr>
+              <a:t>In the next lecture, we will cover </a:t>
+            </a:r>
+            <a:r>
+              <a:rPr lang="en-US" b="1" i="1" dirty="0">
+                <a:solidFill>
+                  <a:srgbClr val="FF0000"/>
+                </a:solidFill>
+              </a:rPr>
+              <a:t>Single-Source Shortest Path Problems</a:t>
+            </a:r>
+            <a:r>
+              <a:rPr lang="en-US" dirty="0">
+                <a:solidFill>
+                  <a:schemeClr val="accent1"/>
+                </a:solidFill>
+              </a:rPr>
+              <a:t>.</a:t>
+            </a:r>
+          </a:p>
+          <a:p>
+            <a:pPr marL="0" indent="0">
+              <a:buNone/>
+            </a:pPr>
+            <a:endParaRPr lang="en-US" dirty="0"/>
+          </a:p>
+        </p:txBody>
+      </p:sp>
+    </p:spTree>
+    <p:extLst>
+      <p:ext uri="{BB962C8B-B14F-4D97-AF65-F5344CB8AC3E}">
+        <p14:creationId xmlns:p14="http://schemas.microsoft.com/office/powerpoint/2010/main" val="4082563092"/>
+      </p:ext>
+    </p:extLst>
+  </p:cSld>
+  <p:clrMapOvr>
+    <a:masterClrMapping/>
+  </p:clrMapOvr>
+</p:sld>
+</file>
+
 <file path=ppt/slides/slide5.xml><?xml version="1.0" encoding="utf-8"?>
 <p:sld xmlns:a="http://schemas.openxmlformats.org/drawingml/2006/main" xmlns:r="http://schemas.openxmlformats.org/officeDocument/2006/relationships" xmlns:p="http://schemas.openxmlformats.org/presentationml/2006/main">
   <p:cSld>
@@ -33250,42 +33455,6 @@
           <a:chExt cx="0" cy="0"/>
         </a:xfrm>
       </p:grpSpPr>
-      <p:pic>
-        <p:nvPicPr>
-          <p:cNvPr id="11" name="Picture 10">
-            <a:extLst>
-              <a:ext uri="{FF2B5EF4-FFF2-40B4-BE49-F238E27FC236}">
-                <a16:creationId xmlns:a16="http://schemas.microsoft.com/office/drawing/2014/main" id="{382D74E4-1B2B-48BB-ADAF-FDA83A73C110}"/>
-              </a:ext>
-            </a:extLst>
-          </p:cNvPr>
-          <p:cNvPicPr>
-            <a:picLocks noChangeAspect="1"/>
-          </p:cNvPicPr>
-          <p:nvPr/>
-        </p:nvPicPr>
-        <p:blipFill>
-          <a:blip r:embed="rId2">
-            <a:extLst>
-              <a:ext uri="{28A0092B-C50C-407E-A947-70E740481C1C}">
-                <a14:useLocalDpi xmlns:a14="http://schemas.microsoft.com/office/drawing/2010/main" val="0"/>
-              </a:ext>
-            </a:extLst>
-          </a:blip>
-          <a:stretch>
-            <a:fillRect/>
-          </a:stretch>
-        </p:blipFill>
-        <p:spPr>
-          <a:xfrm>
-            <a:off x="6717099" y="2511425"/>
-            <a:ext cx="4852210" cy="3800475"/>
-          </a:xfrm>
-          <a:prstGeom prst="rect">
-            <a:avLst/>
-          </a:prstGeom>
-        </p:spPr>
-      </p:pic>
       <p:sp>
         <p:nvSpPr>
           <p:cNvPr id="2" name="Title 1">
@@ -33567,6 +33736,42 @@
           </p:sp>
         </mc:Fallback>
       </mc:AlternateContent>
+      <p:pic>
+        <p:nvPicPr>
+          <p:cNvPr id="4" name="Picture 3">
+            <a:extLst>
+              <a:ext uri="{FF2B5EF4-FFF2-40B4-BE49-F238E27FC236}">
+                <a16:creationId xmlns:a16="http://schemas.microsoft.com/office/drawing/2014/main" id="{B9C8983E-98A4-4083-BEDE-2ED5BAF206CC}"/>
+              </a:ext>
+            </a:extLst>
+          </p:cNvPr>
+          <p:cNvPicPr>
+            <a:picLocks noChangeAspect="1"/>
+          </p:cNvPicPr>
+          <p:nvPr/>
+        </p:nvPicPr>
+        <p:blipFill>
+          <a:blip r:embed="rId4">
+            <a:extLst>
+              <a:ext uri="{28A0092B-C50C-407E-A947-70E740481C1C}">
+                <a14:useLocalDpi xmlns:a14="http://schemas.microsoft.com/office/drawing/2010/main" val="0"/>
+              </a:ext>
+            </a:extLst>
+          </a:blip>
+          <a:stretch>
+            <a:fillRect/>
+          </a:stretch>
+        </p:blipFill>
+        <p:spPr>
+          <a:xfrm>
+            <a:off x="6251488" y="2980531"/>
+            <a:ext cx="5864311" cy="3331369"/>
+          </a:xfrm>
+          <a:prstGeom prst="rect">
+            <a:avLst/>
+          </a:prstGeom>
+        </p:spPr>
+      </p:pic>
     </p:spTree>
     <p:extLst>
       <p:ext uri="{BB962C8B-B14F-4D97-AF65-F5344CB8AC3E}">
@@ -33597,42 +33802,6 @@
           <a:chExt cx="0" cy="0"/>
         </a:xfrm>
       </p:grpSpPr>
-      <p:pic>
-        <p:nvPicPr>
-          <p:cNvPr id="9" name="Picture 8">
-            <a:extLst>
-              <a:ext uri="{FF2B5EF4-FFF2-40B4-BE49-F238E27FC236}">
-                <a16:creationId xmlns:a16="http://schemas.microsoft.com/office/drawing/2014/main" id="{E4F76F69-2D1C-48A4-9D1B-422CAABF00B0}"/>
-              </a:ext>
-            </a:extLst>
-          </p:cNvPr>
-          <p:cNvPicPr>
-            <a:picLocks noChangeAspect="1"/>
-          </p:cNvPicPr>
-          <p:nvPr/>
-        </p:nvPicPr>
-        <p:blipFill>
-          <a:blip r:embed="rId2">
-            <a:extLst>
-              <a:ext uri="{28A0092B-C50C-407E-A947-70E740481C1C}">
-                <a14:useLocalDpi xmlns:a14="http://schemas.microsoft.com/office/drawing/2010/main" val="0"/>
-              </a:ext>
-            </a:extLst>
-          </a:blip>
-          <a:stretch>
-            <a:fillRect/>
-          </a:stretch>
-        </p:blipFill>
-        <p:spPr>
-          <a:xfrm>
-            <a:off x="7613883" y="2663825"/>
-            <a:ext cx="4578117" cy="4048125"/>
-          </a:xfrm>
-          <a:prstGeom prst="rect">
-            <a:avLst/>
-          </a:prstGeom>
-        </p:spPr>
-      </p:pic>
       <p:sp>
         <p:nvSpPr>
           <p:cNvPr id="2" name="Title 1">
@@ -33910,6 +34079,42 @@
           </p:sp>
         </mc:Fallback>
       </mc:AlternateContent>
+      <p:pic>
+        <p:nvPicPr>
+          <p:cNvPr id="4" name="Picture 3">
+            <a:extLst>
+              <a:ext uri="{FF2B5EF4-FFF2-40B4-BE49-F238E27FC236}">
+                <a16:creationId xmlns:a16="http://schemas.microsoft.com/office/drawing/2014/main" id="{44685A15-9980-475C-B820-6FADFD6EB496}"/>
+              </a:ext>
+            </a:extLst>
+          </p:cNvPr>
+          <p:cNvPicPr>
+            <a:picLocks noChangeAspect="1"/>
+          </p:cNvPicPr>
+          <p:nvPr/>
+        </p:nvPicPr>
+        <p:blipFill>
+          <a:blip r:embed="rId4">
+            <a:extLst>
+              <a:ext uri="{28A0092B-C50C-407E-A947-70E740481C1C}">
+                <a14:useLocalDpi xmlns:a14="http://schemas.microsoft.com/office/drawing/2010/main" val="0"/>
+              </a:ext>
+            </a:extLst>
+          </a:blip>
+          <a:stretch>
+            <a:fillRect/>
+          </a:stretch>
+        </p:blipFill>
+        <p:spPr>
+          <a:xfrm>
+            <a:off x="7627785" y="2994025"/>
+            <a:ext cx="4205440" cy="3587750"/>
+          </a:xfrm>
+          <a:prstGeom prst="rect">
+            <a:avLst/>
+          </a:prstGeom>
+        </p:spPr>
+      </p:pic>
     </p:spTree>
     <p:extLst>
       <p:ext uri="{BB962C8B-B14F-4D97-AF65-F5344CB8AC3E}">

--- a/Lectures/Lecture 9.pptx
+++ b/Lectures/Lecture 9.pptx
@@ -21956,7 +21956,7 @@
                   <a:schemeClr val="accent1"/>
                 </a:solidFill>
               </a:rPr>
-              <a:t>Initially, Each vertex is white.</a:t>
+              <a:t>Initially, each vertex is white.</a:t>
             </a:r>
           </a:p>
           <a:p>
